--- a/수업/4. CSS(2)/PPT/4. CSS(2).pptx
+++ b/수업/4. CSS(2)/PPT/4. CSS(2).pptx
@@ -5,10 +5,32 @@
     <p:sldMasterId id="2147483648" r:id="rId1"/>
   </p:sldMasterIdLst>
   <p:sldIdLst>
-    <p:sldId id="290" r:id="rId2"/>
-    <p:sldId id="291" r:id="rId3"/>
-    <p:sldId id="292" r:id="rId4"/>
-    <p:sldId id="293" r:id="rId5"/>
+    <p:sldId id="294" r:id="rId2"/>
+    <p:sldId id="295" r:id="rId3"/>
+    <p:sldId id="290" r:id="rId4"/>
+    <p:sldId id="291" r:id="rId5"/>
+    <p:sldId id="292" r:id="rId6"/>
+    <p:sldId id="293" r:id="rId7"/>
+    <p:sldId id="296" r:id="rId8"/>
+    <p:sldId id="297" r:id="rId9"/>
+    <p:sldId id="298" r:id="rId10"/>
+    <p:sldId id="299" r:id="rId11"/>
+    <p:sldId id="300" r:id="rId12"/>
+    <p:sldId id="301" r:id="rId13"/>
+    <p:sldId id="302" r:id="rId14"/>
+    <p:sldId id="303" r:id="rId15"/>
+    <p:sldId id="304" r:id="rId16"/>
+    <p:sldId id="305" r:id="rId17"/>
+    <p:sldId id="306" r:id="rId18"/>
+    <p:sldId id="307" r:id="rId19"/>
+    <p:sldId id="308" r:id="rId20"/>
+    <p:sldId id="309" r:id="rId21"/>
+    <p:sldId id="310" r:id="rId22"/>
+    <p:sldId id="311" r:id="rId23"/>
+    <p:sldId id="312" r:id="rId24"/>
+    <p:sldId id="313" r:id="rId25"/>
+    <p:sldId id="314" r:id="rId26"/>
+    <p:sldId id="315" r:id="rId27"/>
   </p:sldIdLst>
   <p:sldSz cx="12192000" cy="6858000"/>
   <p:notesSz cx="6858000" cy="9144000"/>
@@ -107,6 +129,11 @@
       </a:defRPr>
     </a:lvl9pPr>
   </p:defaultTextStyle>
+  <p:extLst>
+    <p:ext uri="{EFAFB233-063F-42B5-8137-9DF3F51BA10A}">
+      <p15:sldGuideLst xmlns:p15="http://schemas.microsoft.com/office/powerpoint/2012/main"/>
+    </p:ext>
+  </p:extLst>
 </p:presentation>
 </file>
 
@@ -257,7 +284,7 @@
           <a:p>
             <a:fld id="{976EF34B-129F-4717-8AA3-3FCC590057C3}" type="datetimeFigureOut">
               <a:rPr lang="ko-KR" altLang="en-US" smtClean="0"/>
-              <a:t>2021-09-15</a:t>
+              <a:t>2021-09-23</a:t>
             </a:fld>
             <a:endParaRPr lang="ko-KR" altLang="en-US"/>
           </a:p>
@@ -455,7 +482,7 @@
           <a:p>
             <a:fld id="{976EF34B-129F-4717-8AA3-3FCC590057C3}" type="datetimeFigureOut">
               <a:rPr lang="ko-KR" altLang="en-US" smtClean="0"/>
-              <a:t>2021-09-15</a:t>
+              <a:t>2021-09-23</a:t>
             </a:fld>
             <a:endParaRPr lang="ko-KR" altLang="en-US"/>
           </a:p>
@@ -663,7 +690,7 @@
           <a:p>
             <a:fld id="{976EF34B-129F-4717-8AA3-3FCC590057C3}" type="datetimeFigureOut">
               <a:rPr lang="ko-KR" altLang="en-US" smtClean="0"/>
-              <a:t>2021-09-15</a:t>
+              <a:t>2021-09-23</a:t>
             </a:fld>
             <a:endParaRPr lang="ko-KR" altLang="en-US"/>
           </a:p>
@@ -861,7 +888,7 @@
           <a:p>
             <a:fld id="{976EF34B-129F-4717-8AA3-3FCC590057C3}" type="datetimeFigureOut">
               <a:rPr lang="ko-KR" altLang="en-US" smtClean="0"/>
-              <a:t>2021-09-15</a:t>
+              <a:t>2021-09-23</a:t>
             </a:fld>
             <a:endParaRPr lang="ko-KR" altLang="en-US"/>
           </a:p>
@@ -1136,7 +1163,7 @@
           <a:p>
             <a:fld id="{976EF34B-129F-4717-8AA3-3FCC590057C3}" type="datetimeFigureOut">
               <a:rPr lang="ko-KR" altLang="en-US" smtClean="0"/>
-              <a:t>2021-09-15</a:t>
+              <a:t>2021-09-23</a:t>
             </a:fld>
             <a:endParaRPr lang="ko-KR" altLang="en-US"/>
           </a:p>
@@ -1401,7 +1428,7 @@
           <a:p>
             <a:fld id="{976EF34B-129F-4717-8AA3-3FCC590057C3}" type="datetimeFigureOut">
               <a:rPr lang="ko-KR" altLang="en-US" smtClean="0"/>
-              <a:t>2021-09-15</a:t>
+              <a:t>2021-09-23</a:t>
             </a:fld>
             <a:endParaRPr lang="ko-KR" altLang="en-US"/>
           </a:p>
@@ -1813,7 +1840,7 @@
           <a:p>
             <a:fld id="{976EF34B-129F-4717-8AA3-3FCC590057C3}" type="datetimeFigureOut">
               <a:rPr lang="ko-KR" altLang="en-US" smtClean="0"/>
-              <a:t>2021-09-15</a:t>
+              <a:t>2021-09-23</a:t>
             </a:fld>
             <a:endParaRPr lang="ko-KR" altLang="en-US"/>
           </a:p>
@@ -1954,7 +1981,7 @@
           <a:p>
             <a:fld id="{976EF34B-129F-4717-8AA3-3FCC590057C3}" type="datetimeFigureOut">
               <a:rPr lang="ko-KR" altLang="en-US" smtClean="0"/>
-              <a:t>2021-09-15</a:t>
+              <a:t>2021-09-23</a:t>
             </a:fld>
             <a:endParaRPr lang="ko-KR" altLang="en-US"/>
           </a:p>
@@ -2067,7 +2094,7 @@
           <a:p>
             <a:fld id="{976EF34B-129F-4717-8AA3-3FCC590057C3}" type="datetimeFigureOut">
               <a:rPr lang="ko-KR" altLang="en-US" smtClean="0"/>
-              <a:t>2021-09-15</a:t>
+              <a:t>2021-09-23</a:t>
             </a:fld>
             <a:endParaRPr lang="ko-KR" altLang="en-US"/>
           </a:p>
@@ -2378,7 +2405,7 @@
           <a:p>
             <a:fld id="{976EF34B-129F-4717-8AA3-3FCC590057C3}" type="datetimeFigureOut">
               <a:rPr lang="ko-KR" altLang="en-US" smtClean="0"/>
-              <a:t>2021-09-15</a:t>
+              <a:t>2021-09-23</a:t>
             </a:fld>
             <a:endParaRPr lang="ko-KR" altLang="en-US"/>
           </a:p>
@@ -2666,7 +2693,7 @@
           <a:p>
             <a:fld id="{976EF34B-129F-4717-8AA3-3FCC590057C3}" type="datetimeFigureOut">
               <a:rPr lang="ko-KR" altLang="en-US" smtClean="0"/>
-              <a:t>2021-09-15</a:t>
+              <a:t>2021-09-23</a:t>
             </a:fld>
             <a:endParaRPr lang="ko-KR" altLang="en-US"/>
           </a:p>
@@ -2907,7 +2934,7 @@
           <a:p>
             <a:fld id="{976EF34B-129F-4717-8AA3-3FCC590057C3}" type="datetimeFigureOut">
               <a:rPr lang="ko-KR" altLang="en-US" smtClean="0"/>
-              <a:t>2021-09-15</a:t>
+              <a:t>2021-09-23</a:t>
             </a:fld>
             <a:endParaRPr lang="ko-KR" altLang="en-US"/>
           </a:p>
@@ -3329,7 +3356,7 @@
           <p:cNvPr id="2" name="제목 1">
             <a:extLst>
               <a:ext uri="{FF2B5EF4-FFF2-40B4-BE49-F238E27FC236}">
-                <a16:creationId xmlns:a16="http://schemas.microsoft.com/office/drawing/2014/main" id="{52B4BFEA-C23C-4A89-8653-79D41DBF44D3}"/>
+                <a16:creationId xmlns:a16="http://schemas.microsoft.com/office/drawing/2014/main" id="{4536FD06-B8EA-4822-976E-8D27A2F6DFBC}"/>
               </a:ext>
             </a:extLst>
           </p:cNvPr>
@@ -3346,9 +3373,10 @@
           <a:lstStyle/>
           <a:p>
             <a:r>
-              <a:rPr lang="ko-KR" altLang="en-US"/>
-              <a:t>박스모델</a:t>
-            </a:r>
+              <a:rPr lang="en-US" altLang="ko-KR"/>
+              <a:t>Hex Code</a:t>
+            </a:r>
+            <a:endParaRPr lang="ko-KR" altLang="en-US"/>
           </a:p>
         </p:txBody>
       </p:sp>
@@ -3357,7 +3385,7 @@
           <p:cNvPr id="3" name="내용 개체 틀 2">
             <a:extLst>
               <a:ext uri="{FF2B5EF4-FFF2-40B4-BE49-F238E27FC236}">
-                <a16:creationId xmlns:a16="http://schemas.microsoft.com/office/drawing/2014/main" id="{29CF55FA-6EAB-41C3-A262-330B01EBF042}"/>
+                <a16:creationId xmlns:a16="http://schemas.microsoft.com/office/drawing/2014/main" id="{E3160B2A-CDAF-48B6-9898-5E95EECC05DA}"/>
               </a:ext>
             </a:extLst>
           </p:cNvPr>
@@ -3370,120 +3398,67 @@
         </p:nvSpPr>
         <p:spPr>
           <a:xfrm>
-            <a:off x="838200" y="1825625"/>
-            <a:ext cx="10515600" cy="4667250"/>
-          </a:xfrm>
-        </p:spPr>
-        <p:txBody>
-          <a:bodyPr>
-            <a:normAutofit/>
-          </a:bodyPr>
-          <a:lstStyle/>
-          <a:p>
-            <a:r>
-              <a:rPr lang="ko-KR" altLang="en-US"/>
-              <a:t>모든 태그는 박스</a:t>
-            </a:r>
+            <a:off x="838200" y="2668555"/>
+            <a:ext cx="7550020" cy="3508407"/>
+          </a:xfrm>
+        </p:spPr>
+        <p:txBody>
+          <a:bodyPr/>
+          <a:lstStyle/>
+          <a:p>
             <a:r>
               <a:rPr lang="en-US" altLang="ko-KR"/>
-              <a:t>(Box)</a:t>
-            </a:r>
-            <a:r>
-              <a:rPr lang="ko-KR" altLang="en-US"/>
-              <a:t>로 이루어져있다</a:t>
+              <a:t>RGB(Red Green Blue) </a:t>
+            </a:r>
+            <a:r>
+              <a:rPr lang="ko-KR" altLang="en-US"/>
+              <a:t>각각의 값을 </a:t>
             </a:r>
             <a:r>
               <a:rPr lang="en-US" altLang="ko-KR"/>
-              <a:t>.</a:t>
-            </a:r>
-          </a:p>
-          <a:p>
-            <a:pPr lvl="1"/>
-            <a:r>
-              <a:rPr lang="ko-KR" altLang="en-US"/>
-              <a:t>구글 개발자도구</a:t>
-            </a:r>
+              <a:t>16</a:t>
+            </a:r>
+            <a:r>
+              <a:rPr lang="ko-KR" altLang="en-US"/>
+              <a:t>진수로 만들어 이어붙인것</a:t>
+            </a:r>
+            <a:endParaRPr lang="en-US" altLang="ko-KR"/>
+          </a:p>
+          <a:p>
             <a:r>
               <a:rPr lang="en-US" altLang="ko-KR"/>
-              <a:t>(F12)</a:t>
-            </a:r>
-            <a:r>
-              <a:rPr lang="ko-KR" altLang="en-US"/>
-              <a:t> </a:t>
+              <a:t>CSS </a:t>
+            </a:r>
+            <a:r>
+              <a:rPr lang="ko-KR" altLang="en-US"/>
+              <a:t>에서 색 이름 대신 </a:t>
             </a:r>
             <a:r>
               <a:rPr lang="en-US" altLang="ko-KR"/>
-              <a:t>element </a:t>
-            </a:r>
-            <a:r>
-              <a:rPr lang="ko-KR" altLang="en-US"/>
-              <a:t>부분 참조</a:t>
+              <a:t>Hex Code </a:t>
+            </a:r>
+            <a:r>
+              <a:rPr lang="ko-KR" altLang="en-US"/>
+              <a:t>사용 가능</a:t>
             </a:r>
             <a:endParaRPr lang="en-US" altLang="ko-KR"/>
           </a:p>
           <a:p>
-            <a:pPr marL="457200" lvl="1" indent="0">
+            <a:r>
+              <a:rPr lang="ko-KR" altLang="en-US"/>
+              <a:t>추천 검색어</a:t>
+            </a:r>
+            <a:r>
+              <a:rPr lang="en-US" altLang="ko-KR"/>
+              <a:t>: web color trend</a:t>
+            </a:r>
+          </a:p>
+          <a:p>
+            <a:pPr marL="0" indent="0">
               <a:buNone/>
             </a:pPr>
             <a:endParaRPr lang="en-US" altLang="ko-KR"/>
           </a:p>
-          <a:p>
-            <a:r>
-              <a:rPr lang="ko-KR" altLang="en-US" sz="2400"/>
-              <a:t> </a:t>
-            </a:r>
-            <a:r>
-              <a:rPr lang="en-US" altLang="ko-KR" sz="2400"/>
-              <a:t>border	</a:t>
-            </a:r>
-            <a:r>
-              <a:rPr lang="ko-KR" altLang="en-US" sz="2400"/>
-              <a:t>태그를 둘러싸는 경계선</a:t>
-            </a:r>
-          </a:p>
-          <a:p>
-            <a:r>
-              <a:rPr lang="ko-KR" altLang="en-US" sz="2400"/>
-              <a:t> </a:t>
-            </a:r>
-            <a:r>
-              <a:rPr lang="en-US" altLang="ko-KR" sz="2400"/>
-              <a:t>padding	</a:t>
-            </a:r>
-            <a:r>
-              <a:rPr lang="ko-KR" altLang="en-US" sz="2400"/>
-              <a:t>태그의 컨텐츠와 보더간의 간격</a:t>
-            </a:r>
-          </a:p>
-          <a:p>
-            <a:r>
-              <a:rPr lang="ko-KR" altLang="en-US" sz="2400"/>
-              <a:t> </a:t>
-            </a:r>
-            <a:r>
-              <a:rPr lang="en-US" altLang="ko-KR" sz="2400"/>
-              <a:t>margin	</a:t>
-            </a:r>
-            <a:r>
-              <a:rPr lang="ko-KR" altLang="en-US" sz="2400"/>
-              <a:t>태그와 태그간의 간격</a:t>
-            </a:r>
-            <a:endParaRPr lang="en-US" altLang="ko-KR" sz="2400"/>
-          </a:p>
-          <a:p>
-            <a:pPr marL="0" indent="0">
-              <a:buNone/>
-            </a:pPr>
-            <a:r>
-              <a:rPr lang="en-US" altLang="ko-KR" sz="2400"/>
-              <a:t>		</a:t>
-            </a:r>
-            <a:r>
-              <a:rPr lang="ko-KR" altLang="en-US" sz="2400"/>
-              <a:t>또는 태그와 화면간의 간격</a:t>
-            </a:r>
-            <a:endParaRPr lang="en-US" altLang="ko-KR" sz="2400"/>
-          </a:p>
         </p:txBody>
       </p:sp>
       <p:pic>
@@ -3491,7 +3466,7 @@
           <p:cNvPr id="5" name="그림 4">
             <a:extLst>
               <a:ext uri="{FF2B5EF4-FFF2-40B4-BE49-F238E27FC236}">
-                <a16:creationId xmlns:a16="http://schemas.microsoft.com/office/drawing/2014/main" id="{064D9407-3A0C-44AF-8F4E-20E6D004033C}"/>
+                <a16:creationId xmlns:a16="http://schemas.microsoft.com/office/drawing/2014/main" id="{A3809FD1-56B5-493E-81FB-63630BCF87EF}"/>
               </a:ext>
             </a:extLst>
           </p:cNvPr>
@@ -3508,8 +3483,38 @@
         </p:blipFill>
         <p:spPr>
           <a:xfrm>
-            <a:off x="7207037" y="2961314"/>
-            <a:ext cx="4639091" cy="3221591"/>
+            <a:off x="8872398" y="719561"/>
+            <a:ext cx="2481402" cy="2747684"/>
+          </a:xfrm>
+          <a:prstGeom prst="rect">
+            <a:avLst/>
+          </a:prstGeom>
+        </p:spPr>
+      </p:pic>
+      <p:pic>
+        <p:nvPicPr>
+          <p:cNvPr id="7" name="그림 6">
+            <a:extLst>
+              <a:ext uri="{FF2B5EF4-FFF2-40B4-BE49-F238E27FC236}">
+                <a16:creationId xmlns:a16="http://schemas.microsoft.com/office/drawing/2014/main" id="{19E0D580-D9A5-4E6E-B2D6-AA9BA457D1A5}"/>
+              </a:ext>
+            </a:extLst>
+          </p:cNvPr>
+          <p:cNvPicPr>
+            <a:picLocks noChangeAspect="1"/>
+          </p:cNvPicPr>
+          <p:nvPr/>
+        </p:nvPicPr>
+        <p:blipFill>
+          <a:blip r:embed="rId3"/>
+          <a:stretch>
+            <a:fillRect/>
+          </a:stretch>
+        </p:blipFill>
+        <p:spPr>
+          <a:xfrm>
+            <a:off x="747129" y="1514378"/>
+            <a:ext cx="5504381" cy="957539"/>
           </a:xfrm>
           <a:prstGeom prst="rect">
             <a:avLst/>
@@ -3519,7 +3524,3359 @@
     </p:spTree>
     <p:extLst>
       <p:ext uri="{BB962C8B-B14F-4D97-AF65-F5344CB8AC3E}">
-        <p14:creationId xmlns:p14="http://schemas.microsoft.com/office/powerpoint/2010/main" val="15672131"/>
+        <p14:creationId xmlns:p14="http://schemas.microsoft.com/office/powerpoint/2010/main" val="4117546069"/>
+      </p:ext>
+    </p:extLst>
+  </p:cSld>
+  <p:clrMapOvr>
+    <a:masterClrMapping/>
+  </p:clrMapOvr>
+</p:sld>
+</file>
+
+<file path=ppt/slides/slide10.xml><?xml version="1.0" encoding="utf-8"?>
+<p:sld xmlns:a="http://schemas.openxmlformats.org/drawingml/2006/main" xmlns:r="http://schemas.openxmlformats.org/officeDocument/2006/relationships" xmlns:p="http://schemas.openxmlformats.org/presentationml/2006/main">
+  <p:cSld>
+    <p:spTree>
+      <p:nvGrpSpPr>
+        <p:cNvPr id="1" name=""/>
+        <p:cNvGrpSpPr/>
+        <p:nvPr/>
+      </p:nvGrpSpPr>
+      <p:grpSpPr>
+        <a:xfrm>
+          <a:off x="0" y="0"/>
+          <a:ext cx="0" cy="0"/>
+          <a:chOff x="0" y="0"/>
+          <a:chExt cx="0" cy="0"/>
+        </a:xfrm>
+      </p:grpSpPr>
+      <p:sp>
+        <p:nvSpPr>
+          <p:cNvPr id="2" name="제목 1">
+            <a:extLst>
+              <a:ext uri="{FF2B5EF4-FFF2-40B4-BE49-F238E27FC236}">
+                <a16:creationId xmlns:a16="http://schemas.microsoft.com/office/drawing/2014/main" id="{466A3AF5-9C96-4842-A8B4-538E733FB7AF}"/>
+              </a:ext>
+            </a:extLst>
+          </p:cNvPr>
+          <p:cNvSpPr>
+            <a:spLocks noGrp="1"/>
+          </p:cNvSpPr>
+          <p:nvPr>
+            <p:ph type="title"/>
+          </p:nvPr>
+        </p:nvSpPr>
+        <p:spPr>
+          <a:xfrm>
+            <a:off x="838200" y="365126"/>
+            <a:ext cx="10515600" cy="691888"/>
+          </a:xfrm>
+        </p:spPr>
+        <p:txBody>
+          <a:bodyPr>
+            <a:normAutofit/>
+          </a:bodyPr>
+          <a:lstStyle/>
+          <a:p>
+            <a:r>
+              <a:rPr lang="en-US" altLang="ko-KR" sz="3200"/>
+              <a:t>inline-block	</a:t>
+            </a:r>
+            <a:r>
+              <a:rPr lang="ko-KR" altLang="en-US" sz="3200"/>
+              <a:t>쓰인 영역만 차지하나</a:t>
+            </a:r>
+            <a:r>
+              <a:rPr lang="en-US" altLang="ko-KR" sz="3200"/>
+              <a:t>, </a:t>
+            </a:r>
+            <a:r>
+              <a:rPr lang="ko-KR" altLang="en-US" sz="3200"/>
+              <a:t>크기 변경 가능</a:t>
+            </a:r>
+          </a:p>
+        </p:txBody>
+      </p:sp>
+      <p:pic>
+        <p:nvPicPr>
+          <p:cNvPr id="5" name="그림 4">
+            <a:extLst>
+              <a:ext uri="{FF2B5EF4-FFF2-40B4-BE49-F238E27FC236}">
+                <a16:creationId xmlns:a16="http://schemas.microsoft.com/office/drawing/2014/main" id="{23A587CD-E92C-463E-8415-E374C6B01ED8}"/>
+              </a:ext>
+            </a:extLst>
+          </p:cNvPr>
+          <p:cNvPicPr>
+            <a:picLocks noChangeAspect="1"/>
+          </p:cNvPicPr>
+          <p:nvPr/>
+        </p:nvPicPr>
+        <p:blipFill>
+          <a:blip r:embed="rId2"/>
+          <a:stretch>
+            <a:fillRect/>
+          </a:stretch>
+        </p:blipFill>
+        <p:spPr>
+          <a:xfrm>
+            <a:off x="838200" y="1157550"/>
+            <a:ext cx="4589477" cy="432840"/>
+          </a:xfrm>
+          <a:prstGeom prst="rect">
+            <a:avLst/>
+          </a:prstGeom>
+        </p:spPr>
+      </p:pic>
+      <p:sp>
+        <p:nvSpPr>
+          <p:cNvPr id="8" name="TextBox 7">
+            <a:extLst>
+              <a:ext uri="{FF2B5EF4-FFF2-40B4-BE49-F238E27FC236}">
+                <a16:creationId xmlns:a16="http://schemas.microsoft.com/office/drawing/2014/main" id="{09BA4275-10C5-44D7-AFD3-619EB6B35B17}"/>
+              </a:ext>
+            </a:extLst>
+          </p:cNvPr>
+          <p:cNvSpPr txBox="1"/>
+          <p:nvPr/>
+        </p:nvSpPr>
+        <p:spPr>
+          <a:xfrm>
+            <a:off x="838200" y="4982450"/>
+            <a:ext cx="697627" cy="369332"/>
+          </a:xfrm>
+          <a:prstGeom prst="rect">
+            <a:avLst/>
+          </a:prstGeom>
+          <a:noFill/>
+        </p:spPr>
+        <p:txBody>
+          <a:bodyPr wrap="none" rtlCol="0">
+            <a:spAutoFit/>
+          </a:bodyPr>
+          <a:lstStyle/>
+          <a:p>
+            <a:r>
+              <a:rPr lang="ko-KR" altLang="en-US"/>
+              <a:t>결과</a:t>
+            </a:r>
+            <a:r>
+              <a:rPr lang="en-US" altLang="ko-KR"/>
+              <a:t>:</a:t>
+            </a:r>
+            <a:endParaRPr lang="ko-KR" altLang="en-US"/>
+          </a:p>
+        </p:txBody>
+      </p:sp>
+      <p:pic>
+        <p:nvPicPr>
+          <p:cNvPr id="10" name="그림 9">
+            <a:extLst>
+              <a:ext uri="{FF2B5EF4-FFF2-40B4-BE49-F238E27FC236}">
+                <a16:creationId xmlns:a16="http://schemas.microsoft.com/office/drawing/2014/main" id="{B5498C01-FD21-46E0-9F97-ECB66C27B9ED}"/>
+              </a:ext>
+            </a:extLst>
+          </p:cNvPr>
+          <p:cNvPicPr>
+            <a:picLocks noChangeAspect="1"/>
+          </p:cNvPicPr>
+          <p:nvPr/>
+        </p:nvPicPr>
+        <p:blipFill>
+          <a:blip r:embed="rId3"/>
+          <a:stretch>
+            <a:fillRect/>
+          </a:stretch>
+        </p:blipFill>
+        <p:spPr>
+          <a:xfrm>
+            <a:off x="838200" y="5351782"/>
+            <a:ext cx="1966228" cy="1345816"/>
+          </a:xfrm>
+          <a:prstGeom prst="rect">
+            <a:avLst/>
+          </a:prstGeom>
+        </p:spPr>
+      </p:pic>
+      <p:pic>
+        <p:nvPicPr>
+          <p:cNvPr id="12" name="그림 11">
+            <a:extLst>
+              <a:ext uri="{FF2B5EF4-FFF2-40B4-BE49-F238E27FC236}">
+                <a16:creationId xmlns:a16="http://schemas.microsoft.com/office/drawing/2014/main" id="{884FEA89-EC25-4575-A4F0-5651FEA2F50A}"/>
+              </a:ext>
+            </a:extLst>
+          </p:cNvPr>
+          <p:cNvPicPr>
+            <a:picLocks noChangeAspect="1"/>
+          </p:cNvPicPr>
+          <p:nvPr/>
+        </p:nvPicPr>
+        <p:blipFill>
+          <a:blip r:embed="rId4"/>
+          <a:stretch>
+            <a:fillRect/>
+          </a:stretch>
+        </p:blipFill>
+        <p:spPr>
+          <a:xfrm>
+            <a:off x="1535827" y="1671880"/>
+            <a:ext cx="6215194" cy="3093847"/>
+          </a:xfrm>
+          <a:prstGeom prst="rect">
+            <a:avLst/>
+          </a:prstGeom>
+        </p:spPr>
+      </p:pic>
+      <p:sp>
+        <p:nvSpPr>
+          <p:cNvPr id="13" name="TextBox 12">
+            <a:extLst>
+              <a:ext uri="{FF2B5EF4-FFF2-40B4-BE49-F238E27FC236}">
+                <a16:creationId xmlns:a16="http://schemas.microsoft.com/office/drawing/2014/main" id="{1B4CE9C4-CC0C-462C-9E61-3B39EE408A70}"/>
+              </a:ext>
+            </a:extLst>
+          </p:cNvPr>
+          <p:cNvSpPr txBox="1"/>
+          <p:nvPr/>
+        </p:nvSpPr>
+        <p:spPr>
+          <a:xfrm>
+            <a:off x="2952925" y="5762169"/>
+            <a:ext cx="2808461" cy="369332"/>
+          </a:xfrm>
+          <a:prstGeom prst="rect">
+            <a:avLst/>
+          </a:prstGeom>
+          <a:noFill/>
+        </p:spPr>
+        <p:txBody>
+          <a:bodyPr wrap="none" rtlCol="0">
+            <a:spAutoFit/>
+          </a:bodyPr>
+          <a:lstStyle/>
+          <a:p>
+            <a:r>
+              <a:rPr lang="ko-KR" altLang="en-US"/>
+              <a:t>대표적인 태그</a:t>
+            </a:r>
+            <a:r>
+              <a:rPr lang="en-US" altLang="ko-KR"/>
+              <a:t>: &lt;button&gt;</a:t>
+            </a:r>
+            <a:endParaRPr lang="ko-KR" altLang="en-US"/>
+          </a:p>
+        </p:txBody>
+      </p:sp>
+    </p:spTree>
+    <p:extLst>
+      <p:ext uri="{BB962C8B-B14F-4D97-AF65-F5344CB8AC3E}">
+        <p14:creationId xmlns:p14="http://schemas.microsoft.com/office/powerpoint/2010/main" val="1380106565"/>
+      </p:ext>
+    </p:extLst>
+  </p:cSld>
+  <p:clrMapOvr>
+    <a:masterClrMapping/>
+  </p:clrMapOvr>
+</p:sld>
+</file>
+
+<file path=ppt/slides/slide11.xml><?xml version="1.0" encoding="utf-8"?>
+<p:sld xmlns:a="http://schemas.openxmlformats.org/drawingml/2006/main" xmlns:r="http://schemas.openxmlformats.org/officeDocument/2006/relationships" xmlns:p="http://schemas.openxmlformats.org/presentationml/2006/main">
+  <p:cSld>
+    <p:spTree>
+      <p:nvGrpSpPr>
+        <p:cNvPr id="1" name=""/>
+        <p:cNvGrpSpPr/>
+        <p:nvPr/>
+      </p:nvGrpSpPr>
+      <p:grpSpPr>
+        <a:xfrm>
+          <a:off x="0" y="0"/>
+          <a:ext cx="0" cy="0"/>
+          <a:chOff x="0" y="0"/>
+          <a:chExt cx="0" cy="0"/>
+        </a:xfrm>
+      </p:grpSpPr>
+      <p:sp>
+        <p:nvSpPr>
+          <p:cNvPr id="2" name="제목 1">
+            <a:extLst>
+              <a:ext uri="{FF2B5EF4-FFF2-40B4-BE49-F238E27FC236}">
+                <a16:creationId xmlns:a16="http://schemas.microsoft.com/office/drawing/2014/main" id="{31CE8FD6-7D88-430C-AA9F-0E1A9FC4507F}"/>
+              </a:ext>
+            </a:extLst>
+          </p:cNvPr>
+          <p:cNvSpPr>
+            <a:spLocks noGrp="1"/>
+          </p:cNvSpPr>
+          <p:nvPr>
+            <p:ph type="title"/>
+          </p:nvPr>
+        </p:nvSpPr>
+        <p:spPr/>
+        <p:txBody>
+          <a:bodyPr/>
+          <a:lstStyle/>
+          <a:p>
+            <a:r>
+              <a:rPr lang="en-US" altLang="ko-KR"/>
+              <a:t>none</a:t>
+            </a:r>
+            <a:endParaRPr lang="ko-KR" altLang="en-US"/>
+          </a:p>
+        </p:txBody>
+      </p:sp>
+      <p:sp>
+        <p:nvSpPr>
+          <p:cNvPr id="3" name="내용 개체 틀 2">
+            <a:extLst>
+              <a:ext uri="{FF2B5EF4-FFF2-40B4-BE49-F238E27FC236}">
+                <a16:creationId xmlns:a16="http://schemas.microsoft.com/office/drawing/2014/main" id="{E1E20C5F-6D65-41BB-8192-81DD322C9974}"/>
+              </a:ext>
+            </a:extLst>
+          </p:cNvPr>
+          <p:cNvSpPr>
+            <a:spLocks noGrp="1"/>
+          </p:cNvSpPr>
+          <p:nvPr>
+            <p:ph idx="1"/>
+          </p:nvPr>
+        </p:nvSpPr>
+        <p:spPr>
+          <a:xfrm>
+            <a:off x="838200" y="4206992"/>
+            <a:ext cx="10515600" cy="1107061"/>
+          </a:xfrm>
+        </p:spPr>
+        <p:txBody>
+          <a:bodyPr/>
+          <a:lstStyle/>
+          <a:p>
+            <a:r>
+              <a:rPr lang="ko-KR" altLang="en-US"/>
+              <a:t>화면에서 안 보이게 하는 것</a:t>
+            </a:r>
+            <a:endParaRPr lang="en-US" altLang="ko-KR"/>
+          </a:p>
+          <a:p>
+            <a:r>
+              <a:rPr lang="ko-KR" altLang="en-US"/>
+              <a:t>보통 </a:t>
+            </a:r>
+            <a:r>
+              <a:rPr lang="en-US" altLang="ko-KR"/>
+              <a:t>JavaScript </a:t>
+            </a:r>
+            <a:r>
+              <a:rPr lang="ko-KR" altLang="en-US"/>
+              <a:t>와 결합해 사용</a:t>
+            </a:r>
+            <a:endParaRPr lang="en-US" altLang="ko-KR"/>
+          </a:p>
+        </p:txBody>
+      </p:sp>
+      <p:pic>
+        <p:nvPicPr>
+          <p:cNvPr id="5" name="그림 4">
+            <a:extLst>
+              <a:ext uri="{FF2B5EF4-FFF2-40B4-BE49-F238E27FC236}">
+                <a16:creationId xmlns:a16="http://schemas.microsoft.com/office/drawing/2014/main" id="{EC60F5EA-D681-41BA-AE93-D05856DBFDD7}"/>
+              </a:ext>
+            </a:extLst>
+          </p:cNvPr>
+          <p:cNvPicPr>
+            <a:picLocks noChangeAspect="1"/>
+          </p:cNvPicPr>
+          <p:nvPr/>
+        </p:nvPicPr>
+        <p:blipFill>
+          <a:blip r:embed="rId2"/>
+          <a:stretch>
+            <a:fillRect/>
+          </a:stretch>
+        </p:blipFill>
+        <p:spPr>
+          <a:xfrm>
+            <a:off x="838200" y="1543946"/>
+            <a:ext cx="2735424" cy="293484"/>
+          </a:xfrm>
+          <a:prstGeom prst="rect">
+            <a:avLst/>
+          </a:prstGeom>
+        </p:spPr>
+      </p:pic>
+      <p:pic>
+        <p:nvPicPr>
+          <p:cNvPr id="7" name="그림 6">
+            <a:extLst>
+              <a:ext uri="{FF2B5EF4-FFF2-40B4-BE49-F238E27FC236}">
+                <a16:creationId xmlns:a16="http://schemas.microsoft.com/office/drawing/2014/main" id="{8D3A9CB7-40CC-40A9-B1B6-FF75C0AE89B1}"/>
+              </a:ext>
+            </a:extLst>
+          </p:cNvPr>
+          <p:cNvPicPr>
+            <a:picLocks noChangeAspect="1"/>
+          </p:cNvPicPr>
+          <p:nvPr/>
+        </p:nvPicPr>
+        <p:blipFill>
+          <a:blip r:embed="rId3"/>
+          <a:stretch>
+            <a:fillRect/>
+          </a:stretch>
+        </p:blipFill>
+        <p:spPr>
+          <a:xfrm>
+            <a:off x="1370044" y="2869509"/>
+            <a:ext cx="2203580" cy="936607"/>
+          </a:xfrm>
+          <a:prstGeom prst="rect">
+            <a:avLst/>
+          </a:prstGeom>
+        </p:spPr>
+      </p:pic>
+      <p:pic>
+        <p:nvPicPr>
+          <p:cNvPr id="9" name="그림 8">
+            <a:extLst>
+              <a:ext uri="{FF2B5EF4-FFF2-40B4-BE49-F238E27FC236}">
+                <a16:creationId xmlns:a16="http://schemas.microsoft.com/office/drawing/2014/main" id="{B2C8869B-D6EE-4DC1-91E9-B04DC48DC3EE}"/>
+              </a:ext>
+            </a:extLst>
+          </p:cNvPr>
+          <p:cNvPicPr>
+            <a:picLocks noChangeAspect="1"/>
+          </p:cNvPicPr>
+          <p:nvPr/>
+        </p:nvPicPr>
+        <p:blipFill>
+          <a:blip r:embed="rId4"/>
+          <a:stretch>
+            <a:fillRect/>
+          </a:stretch>
+        </p:blipFill>
+        <p:spPr>
+          <a:xfrm>
+            <a:off x="1297150" y="2568576"/>
+            <a:ext cx="1530276" cy="300933"/>
+          </a:xfrm>
+          <a:prstGeom prst="rect">
+            <a:avLst/>
+          </a:prstGeom>
+        </p:spPr>
+      </p:pic>
+    </p:spTree>
+    <p:extLst>
+      <p:ext uri="{BB962C8B-B14F-4D97-AF65-F5344CB8AC3E}">
+        <p14:creationId xmlns:p14="http://schemas.microsoft.com/office/powerpoint/2010/main" val="2486749740"/>
+      </p:ext>
+    </p:extLst>
+  </p:cSld>
+  <p:clrMapOvr>
+    <a:masterClrMapping/>
+  </p:clrMapOvr>
+</p:sld>
+</file>
+
+<file path=ppt/slides/slide12.xml><?xml version="1.0" encoding="utf-8"?>
+<p:sld xmlns:a="http://schemas.openxmlformats.org/drawingml/2006/main" xmlns:r="http://schemas.openxmlformats.org/officeDocument/2006/relationships" xmlns:p="http://schemas.openxmlformats.org/presentationml/2006/main">
+  <p:cSld>
+    <p:spTree>
+      <p:nvGrpSpPr>
+        <p:cNvPr id="1" name=""/>
+        <p:cNvGrpSpPr/>
+        <p:nvPr/>
+      </p:nvGrpSpPr>
+      <p:grpSpPr>
+        <a:xfrm>
+          <a:off x="0" y="0"/>
+          <a:ext cx="0" cy="0"/>
+          <a:chOff x="0" y="0"/>
+          <a:chExt cx="0" cy="0"/>
+        </a:xfrm>
+      </p:grpSpPr>
+      <p:sp>
+        <p:nvSpPr>
+          <p:cNvPr id="2" name="제목 1">
+            <a:extLst>
+              <a:ext uri="{FF2B5EF4-FFF2-40B4-BE49-F238E27FC236}">
+                <a16:creationId xmlns:a16="http://schemas.microsoft.com/office/drawing/2014/main" id="{33F5E98D-3E82-4F55-96D8-C7B6AD9A70BC}"/>
+              </a:ext>
+            </a:extLst>
+          </p:cNvPr>
+          <p:cNvSpPr>
+            <a:spLocks noGrp="1"/>
+          </p:cNvSpPr>
+          <p:nvPr>
+            <p:ph type="title"/>
+          </p:nvPr>
+        </p:nvSpPr>
+        <p:spPr/>
+        <p:txBody>
+          <a:bodyPr/>
+          <a:lstStyle/>
+          <a:p>
+            <a:r>
+              <a:rPr lang="en-US" altLang="ko-KR"/>
+              <a:t>Position</a:t>
+            </a:r>
+            <a:endParaRPr lang="ko-KR" altLang="en-US"/>
+          </a:p>
+        </p:txBody>
+      </p:sp>
+      <p:sp>
+        <p:nvSpPr>
+          <p:cNvPr id="3" name="내용 개체 틀 2">
+            <a:extLst>
+              <a:ext uri="{FF2B5EF4-FFF2-40B4-BE49-F238E27FC236}">
+                <a16:creationId xmlns:a16="http://schemas.microsoft.com/office/drawing/2014/main" id="{27BB2722-7BA0-46B4-8135-3C55D02D2ADB}"/>
+              </a:ext>
+            </a:extLst>
+          </p:cNvPr>
+          <p:cNvSpPr>
+            <a:spLocks noGrp="1"/>
+          </p:cNvSpPr>
+          <p:nvPr>
+            <p:ph idx="1"/>
+          </p:nvPr>
+        </p:nvSpPr>
+        <p:spPr/>
+        <p:txBody>
+          <a:bodyPr/>
+          <a:lstStyle/>
+          <a:p>
+            <a:r>
+              <a:rPr lang="ko-KR" altLang="en-US"/>
+              <a:t>태그의 위치를 옮길 때 사용</a:t>
+            </a:r>
+            <a:endParaRPr lang="en-US" altLang="ko-KR"/>
+          </a:p>
+          <a:p>
+            <a:r>
+              <a:rPr lang="ko-KR" altLang="en-US"/>
+              <a:t>단순히 옮기면 되는 간단한 문제가 아님</a:t>
+            </a:r>
+            <a:endParaRPr lang="en-US" altLang="ko-KR"/>
+          </a:p>
+          <a:p>
+            <a:r>
+              <a:rPr lang="ko-KR" altLang="en-US">
+                <a:solidFill>
+                  <a:srgbClr val="FF0000"/>
+                </a:solidFill>
+              </a:rPr>
+              <a:t>무엇을 기준으로 </a:t>
+            </a:r>
+            <a:r>
+              <a:rPr lang="ko-KR" altLang="en-US"/>
+              <a:t>옮길 것인가</a:t>
+            </a:r>
+            <a:endParaRPr lang="en-US" altLang="ko-KR"/>
+          </a:p>
+          <a:p>
+            <a:r>
+              <a:rPr lang="ko-KR" altLang="en-US">
+                <a:solidFill>
+                  <a:srgbClr val="FF0000"/>
+                </a:solidFill>
+              </a:rPr>
+              <a:t>그 기준은 부모와 관련있다</a:t>
+            </a:r>
+          </a:p>
+        </p:txBody>
+      </p:sp>
+    </p:spTree>
+    <p:extLst>
+      <p:ext uri="{BB962C8B-B14F-4D97-AF65-F5344CB8AC3E}">
+        <p14:creationId xmlns:p14="http://schemas.microsoft.com/office/powerpoint/2010/main" val="2847319372"/>
+      </p:ext>
+    </p:extLst>
+  </p:cSld>
+  <p:clrMapOvr>
+    <a:masterClrMapping/>
+  </p:clrMapOvr>
+</p:sld>
+</file>
+
+<file path=ppt/slides/slide13.xml><?xml version="1.0" encoding="utf-8"?>
+<p:sld xmlns:a="http://schemas.openxmlformats.org/drawingml/2006/main" xmlns:r="http://schemas.openxmlformats.org/officeDocument/2006/relationships" xmlns:p="http://schemas.openxmlformats.org/presentationml/2006/main">
+  <p:cSld>
+    <p:spTree>
+      <p:nvGrpSpPr>
+        <p:cNvPr id="1" name=""/>
+        <p:cNvGrpSpPr/>
+        <p:nvPr/>
+      </p:nvGrpSpPr>
+      <p:grpSpPr>
+        <a:xfrm>
+          <a:off x="0" y="0"/>
+          <a:ext cx="0" cy="0"/>
+          <a:chOff x="0" y="0"/>
+          <a:chExt cx="0" cy="0"/>
+        </a:xfrm>
+      </p:grpSpPr>
+      <p:sp>
+        <p:nvSpPr>
+          <p:cNvPr id="4" name="Rectangle 2">
+            <a:extLst>
+              <a:ext uri="{FF2B5EF4-FFF2-40B4-BE49-F238E27FC236}">
+                <a16:creationId xmlns:a16="http://schemas.microsoft.com/office/drawing/2014/main" id="{6B2EE2BE-AD69-4111-BA88-51684C459B29}"/>
+              </a:ext>
+            </a:extLst>
+          </p:cNvPr>
+          <p:cNvSpPr>
+            <a:spLocks noChangeArrowheads="1"/>
+          </p:cNvSpPr>
+          <p:nvPr/>
+        </p:nvSpPr>
+        <p:spPr bwMode="auto">
+          <a:xfrm>
+            <a:off x="528505" y="-58723"/>
+            <a:ext cx="19770983" cy="834408"/>
+          </a:xfrm>
+          <a:prstGeom prst="rect">
+            <a:avLst/>
+          </a:prstGeom>
+          <a:noFill/>
+          <a:ln>
+            <a:noFill/>
+          </a:ln>
+          <a:effectLst/>
+          <a:extLst>
+            <a:ext uri="{909E8E84-426E-40DD-AFC4-6F175D3DCCD1}">
+              <a14:hiddenFill xmlns:a14="http://schemas.microsoft.com/office/drawing/2010/main">
+                <a:solidFill>
+                  <a:schemeClr val="accent1"/>
+                </a:solidFill>
+              </a14:hiddenFill>
+            </a:ext>
+            <a:ext uri="{91240B29-F687-4F45-9708-019B960494DF}">
+              <a14:hiddenLine xmlns:a14="http://schemas.microsoft.com/office/drawing/2010/main" w="9525">
+                <a:solidFill>
+                  <a:schemeClr val="tx1"/>
+                </a:solidFill>
+                <a:miter lim="800000"/>
+                <a:headEnd/>
+                <a:tailEnd/>
+              </a14:hiddenLine>
+            </a:ext>
+            <a:ext uri="{AF507438-7753-43E0-B8FC-AC1667EBCBE1}">
+              <a14:hiddenEffects xmlns:a14="http://schemas.microsoft.com/office/drawing/2010/main">
+                <a:effectLst>
+                  <a:outerShdw dist="35921" dir="2700000" algn="ctr" rotWithShape="0">
+                    <a:schemeClr val="bg2"/>
+                  </a:outerShdw>
+                </a:effectLst>
+              </a14:hiddenEffects>
+            </a:ext>
+          </a:extLst>
+        </p:spPr>
+        <p:txBody>
+          <a:bodyPr vert="horz" wrap="square" lIns="91440" tIns="45720" rIns="91440" bIns="45720" numCol="1" anchor="ctr" anchorCtr="0" compatLnSpc="1">
+            <a:prstTxWarp prst="textNoShape">
+              <a:avLst/>
+            </a:prstTxWarp>
+            <a:spAutoFit/>
+          </a:bodyPr>
+          <a:lstStyle/>
+          <a:p>
+            <a:endParaRPr lang="ko-KR" altLang="en-US"/>
+          </a:p>
+        </p:txBody>
+      </p:sp>
+      <p:pic>
+        <p:nvPicPr>
+          <p:cNvPr id="1025" name="_x161500320">
+            <a:extLst>
+              <a:ext uri="{FF2B5EF4-FFF2-40B4-BE49-F238E27FC236}">
+                <a16:creationId xmlns:a16="http://schemas.microsoft.com/office/drawing/2014/main" id="{7C423FFC-08D0-4B1A-A0D0-B21785F3C343}"/>
+              </a:ext>
+            </a:extLst>
+          </p:cNvPr>
+          <p:cNvPicPr>
+            <a:picLocks noChangeAspect="1" noChangeArrowheads="1"/>
+          </p:cNvPicPr>
+          <p:nvPr/>
+        </p:nvPicPr>
+        <p:blipFill>
+          <a:blip r:embed="rId2">
+            <a:extLst>
+              <a:ext uri="{28A0092B-C50C-407E-A947-70E740481C1C}">
+                <a14:useLocalDpi xmlns:a14="http://schemas.microsoft.com/office/drawing/2010/main" val="0"/>
+              </a:ext>
+            </a:extLst>
+          </a:blip>
+          <a:srcRect/>
+          <a:stretch>
+            <a:fillRect/>
+          </a:stretch>
+        </p:blipFill>
+        <p:spPr bwMode="auto">
+          <a:xfrm>
+            <a:off x="396814" y="321451"/>
+            <a:ext cx="4938482" cy="2040147"/>
+          </a:xfrm>
+          <a:prstGeom prst="rect">
+            <a:avLst/>
+          </a:prstGeom>
+          <a:noFill/>
+          <a:extLst>
+            <a:ext uri="{909E8E84-426E-40DD-AFC4-6F175D3DCCD1}">
+              <a14:hiddenFill xmlns:a14="http://schemas.microsoft.com/office/drawing/2010/main">
+                <a:solidFill>
+                  <a:srgbClr val="FFFFFF"/>
+                </a:solidFill>
+              </a14:hiddenFill>
+            </a:ext>
+          </a:extLst>
+        </p:spPr>
+      </p:pic>
+      <p:sp>
+        <p:nvSpPr>
+          <p:cNvPr id="5" name="Rectangle 4">
+            <a:extLst>
+              <a:ext uri="{FF2B5EF4-FFF2-40B4-BE49-F238E27FC236}">
+                <a16:creationId xmlns:a16="http://schemas.microsoft.com/office/drawing/2014/main" id="{E1BD3BD4-E125-446C-94AC-B9B090A63272}"/>
+              </a:ext>
+            </a:extLst>
+          </p:cNvPr>
+          <p:cNvSpPr>
+            <a:spLocks noChangeArrowheads="1"/>
+          </p:cNvSpPr>
+          <p:nvPr/>
+        </p:nvSpPr>
+        <p:spPr bwMode="auto">
+          <a:xfrm>
+            <a:off x="1992702" y="2579297"/>
+            <a:ext cx="20003358" cy="737519"/>
+          </a:xfrm>
+          <a:prstGeom prst="rect">
+            <a:avLst/>
+          </a:prstGeom>
+          <a:noFill/>
+          <a:ln>
+            <a:noFill/>
+          </a:ln>
+          <a:effectLst/>
+          <a:extLst>
+            <a:ext uri="{909E8E84-426E-40DD-AFC4-6F175D3DCCD1}">
+              <a14:hiddenFill xmlns:a14="http://schemas.microsoft.com/office/drawing/2010/main">
+                <a:solidFill>
+                  <a:schemeClr val="accent1"/>
+                </a:solidFill>
+              </a14:hiddenFill>
+            </a:ext>
+            <a:ext uri="{91240B29-F687-4F45-9708-019B960494DF}">
+              <a14:hiddenLine xmlns:a14="http://schemas.microsoft.com/office/drawing/2010/main" w="9525">
+                <a:solidFill>
+                  <a:schemeClr val="tx1"/>
+                </a:solidFill>
+                <a:miter lim="800000"/>
+                <a:headEnd/>
+                <a:tailEnd/>
+              </a14:hiddenLine>
+            </a:ext>
+            <a:ext uri="{AF507438-7753-43E0-B8FC-AC1667EBCBE1}">
+              <a14:hiddenEffects xmlns:a14="http://schemas.microsoft.com/office/drawing/2010/main">
+                <a:effectLst>
+                  <a:outerShdw dist="35921" dir="2700000" algn="ctr" rotWithShape="0">
+                    <a:schemeClr val="bg2"/>
+                  </a:outerShdw>
+                </a:effectLst>
+              </a14:hiddenEffects>
+            </a:ext>
+          </a:extLst>
+        </p:spPr>
+        <p:txBody>
+          <a:bodyPr vert="horz" wrap="square" lIns="91440" tIns="45720" rIns="91440" bIns="45720" numCol="1" anchor="ctr" anchorCtr="0" compatLnSpc="1">
+            <a:prstTxWarp prst="textNoShape">
+              <a:avLst/>
+            </a:prstTxWarp>
+            <a:spAutoFit/>
+          </a:bodyPr>
+          <a:lstStyle/>
+          <a:p>
+            <a:endParaRPr lang="ko-KR" altLang="en-US"/>
+          </a:p>
+        </p:txBody>
+      </p:sp>
+      <p:pic>
+        <p:nvPicPr>
+          <p:cNvPr id="1027" name="_x160900800">
+            <a:extLst>
+              <a:ext uri="{FF2B5EF4-FFF2-40B4-BE49-F238E27FC236}">
+                <a16:creationId xmlns:a16="http://schemas.microsoft.com/office/drawing/2014/main" id="{A0F1F2E7-3482-4F4B-83DA-C3530A4BCBB2}"/>
+              </a:ext>
+            </a:extLst>
+          </p:cNvPr>
+          <p:cNvPicPr>
+            <a:picLocks noChangeAspect="1" noChangeArrowheads="1"/>
+          </p:cNvPicPr>
+          <p:nvPr/>
+        </p:nvPicPr>
+        <p:blipFill>
+          <a:blip r:embed="rId3">
+            <a:extLst>
+              <a:ext uri="{28A0092B-C50C-407E-A947-70E740481C1C}">
+                <a14:useLocalDpi xmlns:a14="http://schemas.microsoft.com/office/drawing/2010/main" val="0"/>
+              </a:ext>
+            </a:extLst>
+          </a:blip>
+          <a:srcRect/>
+          <a:stretch>
+            <a:fillRect/>
+          </a:stretch>
+        </p:blipFill>
+        <p:spPr bwMode="auto">
+          <a:xfrm>
+            <a:off x="2996195" y="2504784"/>
+            <a:ext cx="4938482" cy="2416600"/>
+          </a:xfrm>
+          <a:prstGeom prst="rect">
+            <a:avLst/>
+          </a:prstGeom>
+          <a:noFill/>
+          <a:extLst>
+            <a:ext uri="{909E8E84-426E-40DD-AFC4-6F175D3DCCD1}">
+              <a14:hiddenFill xmlns:a14="http://schemas.microsoft.com/office/drawing/2010/main">
+                <a:solidFill>
+                  <a:srgbClr val="FFFFFF"/>
+                </a:solidFill>
+              </a14:hiddenFill>
+            </a:ext>
+          </a:extLst>
+        </p:spPr>
+      </p:pic>
+      <p:sp>
+        <p:nvSpPr>
+          <p:cNvPr id="6" name="Rectangle 6">
+            <a:extLst>
+              <a:ext uri="{FF2B5EF4-FFF2-40B4-BE49-F238E27FC236}">
+                <a16:creationId xmlns:a16="http://schemas.microsoft.com/office/drawing/2014/main" id="{655C11AE-824E-47C1-8AE3-AC8522D4B23D}"/>
+              </a:ext>
+            </a:extLst>
+          </p:cNvPr>
+          <p:cNvSpPr>
+            <a:spLocks noChangeArrowheads="1"/>
+          </p:cNvSpPr>
+          <p:nvPr/>
+        </p:nvSpPr>
+        <p:spPr bwMode="auto">
+          <a:xfrm>
+            <a:off x="396814" y="5214699"/>
+            <a:ext cx="8646497" cy="312903"/>
+          </a:xfrm>
+          <a:prstGeom prst="rect">
+            <a:avLst/>
+          </a:prstGeom>
+          <a:noFill/>
+          <a:ln>
+            <a:noFill/>
+          </a:ln>
+          <a:effectLst/>
+          <a:extLst>
+            <a:ext uri="{909E8E84-426E-40DD-AFC4-6F175D3DCCD1}">
+              <a14:hiddenFill xmlns:a14="http://schemas.microsoft.com/office/drawing/2010/main">
+                <a:solidFill>
+                  <a:schemeClr val="accent1"/>
+                </a:solidFill>
+              </a14:hiddenFill>
+            </a:ext>
+            <a:ext uri="{91240B29-F687-4F45-9708-019B960494DF}">
+              <a14:hiddenLine xmlns:a14="http://schemas.microsoft.com/office/drawing/2010/main" w="9525">
+                <a:solidFill>
+                  <a:schemeClr val="tx1"/>
+                </a:solidFill>
+                <a:miter lim="800000"/>
+                <a:headEnd/>
+                <a:tailEnd/>
+              </a14:hiddenLine>
+            </a:ext>
+            <a:ext uri="{AF507438-7753-43E0-B8FC-AC1667EBCBE1}">
+              <a14:hiddenEffects xmlns:a14="http://schemas.microsoft.com/office/drawing/2010/main">
+                <a:effectLst>
+                  <a:outerShdw dist="35921" dir="2700000" algn="ctr" rotWithShape="0">
+                    <a:schemeClr val="bg2"/>
+                  </a:outerShdw>
+                </a:effectLst>
+              </a14:hiddenEffects>
+            </a:ext>
+          </a:extLst>
+        </p:spPr>
+        <p:txBody>
+          <a:bodyPr vert="horz" wrap="square" lIns="91440" tIns="45720" rIns="91440" bIns="45720" numCol="1" anchor="ctr" anchorCtr="0" compatLnSpc="1">
+            <a:prstTxWarp prst="textNoShape">
+              <a:avLst/>
+            </a:prstTxWarp>
+            <a:spAutoFit/>
+          </a:bodyPr>
+          <a:lstStyle/>
+          <a:p>
+            <a:endParaRPr lang="ko-KR" altLang="en-US"/>
+          </a:p>
+        </p:txBody>
+      </p:sp>
+      <p:pic>
+        <p:nvPicPr>
+          <p:cNvPr id="1029" name="_x161497520">
+            <a:extLst>
+              <a:ext uri="{FF2B5EF4-FFF2-40B4-BE49-F238E27FC236}">
+                <a16:creationId xmlns:a16="http://schemas.microsoft.com/office/drawing/2014/main" id="{718E14E2-20B6-400A-8134-87487D7D5FCB}"/>
+              </a:ext>
+            </a:extLst>
+          </p:cNvPr>
+          <p:cNvPicPr>
+            <a:picLocks noChangeAspect="1" noChangeArrowheads="1"/>
+          </p:cNvPicPr>
+          <p:nvPr/>
+        </p:nvPicPr>
+        <p:blipFill>
+          <a:blip r:embed="rId4">
+            <a:extLst>
+              <a:ext uri="{28A0092B-C50C-407E-A947-70E740481C1C}">
+                <a14:useLocalDpi xmlns:a14="http://schemas.microsoft.com/office/drawing/2010/main" val="0"/>
+              </a:ext>
+            </a:extLst>
+          </a:blip>
+          <a:srcRect/>
+          <a:stretch>
+            <a:fillRect/>
+          </a:stretch>
+        </p:blipFill>
+        <p:spPr bwMode="auto">
+          <a:xfrm>
+            <a:off x="327804" y="5552477"/>
+            <a:ext cx="3830128" cy="864650"/>
+          </a:xfrm>
+          <a:prstGeom prst="rect">
+            <a:avLst/>
+          </a:prstGeom>
+          <a:noFill/>
+          <a:extLst>
+            <a:ext uri="{909E8E84-426E-40DD-AFC4-6F175D3DCCD1}">
+              <a14:hiddenFill xmlns:a14="http://schemas.microsoft.com/office/drawing/2010/main">
+                <a:solidFill>
+                  <a:srgbClr val="FFFFFF"/>
+                </a:solidFill>
+              </a14:hiddenFill>
+            </a:ext>
+          </a:extLst>
+        </p:spPr>
+      </p:pic>
+      <p:sp>
+        <p:nvSpPr>
+          <p:cNvPr id="7" name="TextBox 6">
+            <a:extLst>
+              <a:ext uri="{FF2B5EF4-FFF2-40B4-BE49-F238E27FC236}">
+                <a16:creationId xmlns:a16="http://schemas.microsoft.com/office/drawing/2014/main" id="{AC0E3161-B1B3-4676-83EB-9943442B2503}"/>
+              </a:ext>
+            </a:extLst>
+          </p:cNvPr>
+          <p:cNvSpPr txBox="1"/>
+          <p:nvPr/>
+        </p:nvSpPr>
+        <p:spPr>
+          <a:xfrm>
+            <a:off x="310551" y="5064570"/>
+            <a:ext cx="779381" cy="369332"/>
+          </a:xfrm>
+          <a:prstGeom prst="rect">
+            <a:avLst/>
+          </a:prstGeom>
+          <a:noFill/>
+        </p:spPr>
+        <p:txBody>
+          <a:bodyPr wrap="none" rtlCol="0">
+            <a:spAutoFit/>
+          </a:bodyPr>
+          <a:lstStyle/>
+          <a:p>
+            <a:r>
+              <a:rPr lang="ko-KR" altLang="en-US"/>
+              <a:t>결과</a:t>
+            </a:r>
+            <a:r>
+              <a:rPr lang="en-US" altLang="ko-KR"/>
+              <a:t>: </a:t>
+            </a:r>
+            <a:endParaRPr lang="ko-KR" altLang="en-US"/>
+          </a:p>
+        </p:txBody>
+      </p:sp>
+      <p:sp>
+        <p:nvSpPr>
+          <p:cNvPr id="8" name="TextBox 7">
+            <a:extLst>
+              <a:ext uri="{FF2B5EF4-FFF2-40B4-BE49-F238E27FC236}">
+                <a16:creationId xmlns:a16="http://schemas.microsoft.com/office/drawing/2014/main" id="{F1F6D784-14EE-4D62-AFC4-30A658C0DE94}"/>
+              </a:ext>
+            </a:extLst>
+          </p:cNvPr>
+          <p:cNvSpPr txBox="1"/>
+          <p:nvPr/>
+        </p:nvSpPr>
+        <p:spPr>
+          <a:xfrm>
+            <a:off x="7570199" y="4170138"/>
+            <a:ext cx="3251211" cy="646331"/>
+          </a:xfrm>
+          <a:prstGeom prst="rect">
+            <a:avLst/>
+          </a:prstGeom>
+          <a:noFill/>
+        </p:spPr>
+        <p:txBody>
+          <a:bodyPr wrap="none" rtlCol="0">
+            <a:spAutoFit/>
+          </a:bodyPr>
+          <a:lstStyle/>
+          <a:p>
+            <a:r>
+              <a:rPr lang="en-US" altLang="ko-KR"/>
+              <a:t>position</a:t>
+            </a:r>
+            <a:r>
+              <a:rPr lang="ko-KR" altLang="en-US"/>
+              <a:t>의 기본값</a:t>
+            </a:r>
+            <a:r>
+              <a:rPr lang="en-US" altLang="ko-KR"/>
+              <a:t>: static</a:t>
+            </a:r>
+          </a:p>
+          <a:p>
+            <a:r>
+              <a:rPr lang="ko-KR" altLang="en-US"/>
+              <a:t>이 경우</a:t>
+            </a:r>
+            <a:r>
+              <a:rPr lang="en-US" altLang="ko-KR"/>
+              <a:t>, </a:t>
+            </a:r>
+            <a:r>
+              <a:rPr lang="ko-KR" altLang="en-US"/>
+              <a:t>움직이는것은 불가능</a:t>
+            </a:r>
+          </a:p>
+        </p:txBody>
+      </p:sp>
+    </p:spTree>
+    <p:extLst>
+      <p:ext uri="{BB962C8B-B14F-4D97-AF65-F5344CB8AC3E}">
+        <p14:creationId xmlns:p14="http://schemas.microsoft.com/office/powerpoint/2010/main" val="1668602607"/>
+      </p:ext>
+    </p:extLst>
+  </p:cSld>
+  <p:clrMapOvr>
+    <a:masterClrMapping/>
+  </p:clrMapOvr>
+</p:sld>
+</file>
+
+<file path=ppt/slides/slide14.xml><?xml version="1.0" encoding="utf-8"?>
+<p:sld xmlns:a="http://schemas.openxmlformats.org/drawingml/2006/main" xmlns:r="http://schemas.openxmlformats.org/officeDocument/2006/relationships" xmlns:p="http://schemas.openxmlformats.org/presentationml/2006/main">
+  <p:cSld>
+    <p:spTree>
+      <p:nvGrpSpPr>
+        <p:cNvPr id="1" name=""/>
+        <p:cNvGrpSpPr/>
+        <p:nvPr/>
+      </p:nvGrpSpPr>
+      <p:grpSpPr>
+        <a:xfrm>
+          <a:off x="0" y="0"/>
+          <a:ext cx="0" cy="0"/>
+          <a:chOff x="0" y="0"/>
+          <a:chExt cx="0" cy="0"/>
+        </a:xfrm>
+      </p:grpSpPr>
+      <p:sp>
+        <p:nvSpPr>
+          <p:cNvPr id="2" name="제목 1">
+            <a:extLst>
+              <a:ext uri="{FF2B5EF4-FFF2-40B4-BE49-F238E27FC236}">
+                <a16:creationId xmlns:a16="http://schemas.microsoft.com/office/drawing/2014/main" id="{4895510D-FE77-4799-BBEB-ABCF68413FA9}"/>
+              </a:ext>
+            </a:extLst>
+          </p:cNvPr>
+          <p:cNvSpPr>
+            <a:spLocks noGrp="1"/>
+          </p:cNvSpPr>
+          <p:nvPr>
+            <p:ph type="title"/>
+          </p:nvPr>
+        </p:nvSpPr>
+        <p:spPr/>
+        <p:txBody>
+          <a:bodyPr/>
+          <a:lstStyle/>
+          <a:p>
+            <a:r>
+              <a:rPr lang="en-US" altLang="ko-KR"/>
+              <a:t>1. relative</a:t>
+            </a:r>
+            <a:endParaRPr lang="ko-KR" altLang="en-US"/>
+          </a:p>
+        </p:txBody>
+      </p:sp>
+      <p:sp>
+        <p:nvSpPr>
+          <p:cNvPr id="4" name="Rectangle 2">
+            <a:extLst>
+              <a:ext uri="{FF2B5EF4-FFF2-40B4-BE49-F238E27FC236}">
+                <a16:creationId xmlns:a16="http://schemas.microsoft.com/office/drawing/2014/main" id="{E4BED216-FC18-48F2-8828-5A5B5C12165F}"/>
+              </a:ext>
+            </a:extLst>
+          </p:cNvPr>
+          <p:cNvSpPr>
+            <a:spLocks noChangeArrowheads="1"/>
+          </p:cNvSpPr>
+          <p:nvPr/>
+        </p:nvSpPr>
+        <p:spPr bwMode="auto">
+          <a:xfrm>
+            <a:off x="939566" y="1233488"/>
+            <a:ext cx="14154515" cy="645266"/>
+          </a:xfrm>
+          <a:prstGeom prst="rect">
+            <a:avLst/>
+          </a:prstGeom>
+          <a:noFill/>
+          <a:ln>
+            <a:noFill/>
+          </a:ln>
+          <a:effectLst/>
+          <a:extLst>
+            <a:ext uri="{909E8E84-426E-40DD-AFC4-6F175D3DCCD1}">
+              <a14:hiddenFill xmlns:a14="http://schemas.microsoft.com/office/drawing/2010/main">
+                <a:solidFill>
+                  <a:schemeClr val="accent1"/>
+                </a:solidFill>
+              </a14:hiddenFill>
+            </a:ext>
+            <a:ext uri="{91240B29-F687-4F45-9708-019B960494DF}">
+              <a14:hiddenLine xmlns:a14="http://schemas.microsoft.com/office/drawing/2010/main" w="9525">
+                <a:solidFill>
+                  <a:schemeClr val="tx1"/>
+                </a:solidFill>
+                <a:miter lim="800000"/>
+                <a:headEnd/>
+                <a:tailEnd/>
+              </a14:hiddenLine>
+            </a:ext>
+            <a:ext uri="{AF507438-7753-43E0-B8FC-AC1667EBCBE1}">
+              <a14:hiddenEffects xmlns:a14="http://schemas.microsoft.com/office/drawing/2010/main">
+                <a:effectLst>
+                  <a:outerShdw dist="35921" dir="2700000" algn="ctr" rotWithShape="0">
+                    <a:schemeClr val="bg2"/>
+                  </a:outerShdw>
+                </a:effectLst>
+              </a14:hiddenEffects>
+            </a:ext>
+          </a:extLst>
+        </p:spPr>
+        <p:txBody>
+          <a:bodyPr vert="horz" wrap="square" lIns="91440" tIns="45720" rIns="91440" bIns="45720" numCol="1" anchor="ctr" anchorCtr="0" compatLnSpc="1">
+            <a:prstTxWarp prst="textNoShape">
+              <a:avLst/>
+            </a:prstTxWarp>
+            <a:spAutoFit/>
+          </a:bodyPr>
+          <a:lstStyle/>
+          <a:p>
+            <a:endParaRPr lang="ko-KR" altLang="en-US"/>
+          </a:p>
+        </p:txBody>
+      </p:sp>
+      <p:sp>
+        <p:nvSpPr>
+          <p:cNvPr id="5" name="Rectangle 4">
+            <a:extLst>
+              <a:ext uri="{FF2B5EF4-FFF2-40B4-BE49-F238E27FC236}">
+                <a16:creationId xmlns:a16="http://schemas.microsoft.com/office/drawing/2014/main" id="{34F00DFC-4620-43F7-9C09-72B5D44F2262}"/>
+              </a:ext>
+            </a:extLst>
+          </p:cNvPr>
+          <p:cNvSpPr>
+            <a:spLocks noChangeArrowheads="1"/>
+          </p:cNvSpPr>
+          <p:nvPr/>
+        </p:nvSpPr>
+        <p:spPr bwMode="auto">
+          <a:xfrm>
+            <a:off x="939566" y="1421554"/>
+            <a:ext cx="15362836" cy="694429"/>
+          </a:xfrm>
+          <a:prstGeom prst="rect">
+            <a:avLst/>
+          </a:prstGeom>
+          <a:noFill/>
+          <a:ln>
+            <a:noFill/>
+          </a:ln>
+          <a:effectLst/>
+          <a:extLst>
+            <a:ext uri="{909E8E84-426E-40DD-AFC4-6F175D3DCCD1}">
+              <a14:hiddenFill xmlns:a14="http://schemas.microsoft.com/office/drawing/2010/main">
+                <a:solidFill>
+                  <a:schemeClr val="accent1"/>
+                </a:solidFill>
+              </a14:hiddenFill>
+            </a:ext>
+            <a:ext uri="{91240B29-F687-4F45-9708-019B960494DF}">
+              <a14:hiddenLine xmlns:a14="http://schemas.microsoft.com/office/drawing/2010/main" w="9525">
+                <a:solidFill>
+                  <a:schemeClr val="tx1"/>
+                </a:solidFill>
+                <a:miter lim="800000"/>
+                <a:headEnd/>
+                <a:tailEnd/>
+              </a14:hiddenLine>
+            </a:ext>
+            <a:ext uri="{AF507438-7753-43E0-B8FC-AC1667EBCBE1}">
+              <a14:hiddenEffects xmlns:a14="http://schemas.microsoft.com/office/drawing/2010/main">
+                <a:effectLst>
+                  <a:outerShdw dist="35921" dir="2700000" algn="ctr" rotWithShape="0">
+                    <a:schemeClr val="bg2"/>
+                  </a:outerShdw>
+                </a:effectLst>
+              </a14:hiddenEffects>
+            </a:ext>
+          </a:extLst>
+        </p:spPr>
+        <p:txBody>
+          <a:bodyPr vert="horz" wrap="square" lIns="91440" tIns="45720" rIns="91440" bIns="45720" numCol="1" anchor="ctr" anchorCtr="0" compatLnSpc="1">
+            <a:prstTxWarp prst="textNoShape">
+              <a:avLst/>
+            </a:prstTxWarp>
+            <a:spAutoFit/>
+          </a:bodyPr>
+          <a:lstStyle/>
+          <a:p>
+            <a:endParaRPr lang="ko-KR" altLang="en-US"/>
+          </a:p>
+        </p:txBody>
+      </p:sp>
+      <p:pic>
+        <p:nvPicPr>
+          <p:cNvPr id="2051" name="_x54964888">
+            <a:extLst>
+              <a:ext uri="{FF2B5EF4-FFF2-40B4-BE49-F238E27FC236}">
+                <a16:creationId xmlns:a16="http://schemas.microsoft.com/office/drawing/2014/main" id="{E505105C-D104-4D3C-97E7-BEF0C0D1047A}"/>
+              </a:ext>
+            </a:extLst>
+          </p:cNvPr>
+          <p:cNvPicPr>
+            <a:picLocks noChangeAspect="1" noChangeArrowheads="1"/>
+          </p:cNvPicPr>
+          <p:nvPr/>
+        </p:nvPicPr>
+        <p:blipFill>
+          <a:blip r:embed="rId2">
+            <a:extLst>
+              <a:ext uri="{28A0092B-C50C-407E-A947-70E740481C1C}">
+                <a14:useLocalDpi xmlns:a14="http://schemas.microsoft.com/office/drawing/2010/main" val="0"/>
+              </a:ext>
+            </a:extLst>
+          </a:blip>
+          <a:srcRect/>
+          <a:stretch>
+            <a:fillRect/>
+          </a:stretch>
+        </p:blipFill>
+        <p:spPr bwMode="auto">
+          <a:xfrm>
+            <a:off x="930942" y="2037267"/>
+            <a:ext cx="5147935" cy="2141155"/>
+          </a:xfrm>
+          <a:prstGeom prst="rect">
+            <a:avLst/>
+          </a:prstGeom>
+          <a:noFill/>
+          <a:extLst>
+            <a:ext uri="{909E8E84-426E-40DD-AFC4-6F175D3DCCD1}">
+              <a14:hiddenFill xmlns:a14="http://schemas.microsoft.com/office/drawing/2010/main">
+                <a:solidFill>
+                  <a:srgbClr val="FFFFFF"/>
+                </a:solidFill>
+              </a14:hiddenFill>
+            </a:ext>
+          </a:extLst>
+        </p:spPr>
+      </p:pic>
+      <p:sp>
+        <p:nvSpPr>
+          <p:cNvPr id="6" name="TextBox 5">
+            <a:extLst>
+              <a:ext uri="{FF2B5EF4-FFF2-40B4-BE49-F238E27FC236}">
+                <a16:creationId xmlns:a16="http://schemas.microsoft.com/office/drawing/2014/main" id="{0642800E-C7DC-49A9-A970-A0890D6C6020}"/>
+              </a:ext>
+            </a:extLst>
+          </p:cNvPr>
+          <p:cNvSpPr txBox="1"/>
+          <p:nvPr/>
+        </p:nvSpPr>
+        <p:spPr>
+          <a:xfrm>
+            <a:off x="4586427" y="3199207"/>
+            <a:ext cx="4402808" cy="646331"/>
+          </a:xfrm>
+          <a:prstGeom prst="rect">
+            <a:avLst/>
+          </a:prstGeom>
+          <a:noFill/>
+        </p:spPr>
+        <p:txBody>
+          <a:bodyPr wrap="none" rtlCol="0">
+            <a:spAutoFit/>
+          </a:bodyPr>
+          <a:lstStyle/>
+          <a:p>
+            <a:r>
+              <a:rPr lang="en-US" altLang="ko-KR"/>
+              <a:t>px</a:t>
+            </a:r>
+            <a:r>
+              <a:rPr lang="ko-KR" altLang="en-US"/>
+              <a:t>등의 값을 안 주면 아무 변화 없음</a:t>
+            </a:r>
+            <a:endParaRPr lang="en-US" altLang="ko-KR"/>
+          </a:p>
+          <a:p>
+            <a:r>
+              <a:rPr lang="ko-KR" altLang="en-US"/>
+              <a:t>움직임은 </a:t>
+            </a:r>
+            <a:r>
+              <a:rPr lang="en-US" altLang="ko-KR"/>
+              <a:t>top, right, bottom, left </a:t>
+            </a:r>
+            <a:r>
+              <a:rPr lang="ko-KR" altLang="en-US"/>
+              <a:t>로 지정</a:t>
+            </a:r>
+          </a:p>
+        </p:txBody>
+      </p:sp>
+      <p:sp>
+        <p:nvSpPr>
+          <p:cNvPr id="9" name="TextBox 8">
+            <a:extLst>
+              <a:ext uri="{FF2B5EF4-FFF2-40B4-BE49-F238E27FC236}">
+                <a16:creationId xmlns:a16="http://schemas.microsoft.com/office/drawing/2014/main" id="{DE20FCEF-D6E7-4774-92B4-F466397C2C0B}"/>
+              </a:ext>
+            </a:extLst>
+          </p:cNvPr>
+          <p:cNvSpPr txBox="1"/>
+          <p:nvPr/>
+        </p:nvSpPr>
+        <p:spPr>
+          <a:xfrm>
+            <a:off x="939566" y="4411140"/>
+            <a:ext cx="697627" cy="369332"/>
+          </a:xfrm>
+          <a:prstGeom prst="rect">
+            <a:avLst/>
+          </a:prstGeom>
+          <a:noFill/>
+        </p:spPr>
+        <p:txBody>
+          <a:bodyPr wrap="none" rtlCol="0">
+            <a:spAutoFit/>
+          </a:bodyPr>
+          <a:lstStyle/>
+          <a:p>
+            <a:r>
+              <a:rPr lang="ko-KR" altLang="en-US"/>
+              <a:t>결과</a:t>
+            </a:r>
+            <a:r>
+              <a:rPr lang="en-US" altLang="ko-KR"/>
+              <a:t>:</a:t>
+            </a:r>
+          </a:p>
+        </p:txBody>
+      </p:sp>
+      <p:sp>
+        <p:nvSpPr>
+          <p:cNvPr id="7" name="Rectangle 6">
+            <a:extLst>
+              <a:ext uri="{FF2B5EF4-FFF2-40B4-BE49-F238E27FC236}">
+                <a16:creationId xmlns:a16="http://schemas.microsoft.com/office/drawing/2014/main" id="{DEAF47C6-74C7-4D53-8C78-07DE565596BB}"/>
+              </a:ext>
+            </a:extLst>
+          </p:cNvPr>
+          <p:cNvSpPr>
+            <a:spLocks noChangeArrowheads="1"/>
+          </p:cNvSpPr>
+          <p:nvPr/>
+        </p:nvSpPr>
+        <p:spPr bwMode="auto">
+          <a:xfrm>
+            <a:off x="939566" y="4397303"/>
+            <a:ext cx="12192000" cy="457200"/>
+          </a:xfrm>
+          <a:prstGeom prst="rect">
+            <a:avLst/>
+          </a:prstGeom>
+          <a:noFill/>
+          <a:ln>
+            <a:noFill/>
+          </a:ln>
+          <a:effectLst/>
+          <a:extLst>
+            <a:ext uri="{909E8E84-426E-40DD-AFC4-6F175D3DCCD1}">
+              <a14:hiddenFill xmlns:a14="http://schemas.microsoft.com/office/drawing/2010/main">
+                <a:solidFill>
+                  <a:schemeClr val="accent1"/>
+                </a:solidFill>
+              </a14:hiddenFill>
+            </a:ext>
+            <a:ext uri="{91240B29-F687-4F45-9708-019B960494DF}">
+              <a14:hiddenLine xmlns:a14="http://schemas.microsoft.com/office/drawing/2010/main" w="9525">
+                <a:solidFill>
+                  <a:schemeClr val="tx1"/>
+                </a:solidFill>
+                <a:miter lim="800000"/>
+                <a:headEnd/>
+                <a:tailEnd/>
+              </a14:hiddenLine>
+            </a:ext>
+            <a:ext uri="{AF507438-7753-43E0-B8FC-AC1667EBCBE1}">
+              <a14:hiddenEffects xmlns:a14="http://schemas.microsoft.com/office/drawing/2010/main">
+                <a:effectLst>
+                  <a:outerShdw dist="35921" dir="2700000" algn="ctr" rotWithShape="0">
+                    <a:schemeClr val="bg2"/>
+                  </a:outerShdw>
+                </a:effectLst>
+              </a14:hiddenEffects>
+            </a:ext>
+          </a:extLst>
+        </p:spPr>
+        <p:txBody>
+          <a:bodyPr vert="horz" wrap="none" lIns="91440" tIns="45720" rIns="91440" bIns="45720" numCol="1" anchor="ctr" anchorCtr="0" compatLnSpc="1">
+            <a:prstTxWarp prst="textNoShape">
+              <a:avLst/>
+            </a:prstTxWarp>
+            <a:spAutoFit/>
+          </a:bodyPr>
+          <a:lstStyle/>
+          <a:p>
+            <a:endParaRPr lang="ko-KR" altLang="en-US"/>
+          </a:p>
+        </p:txBody>
+      </p:sp>
+      <p:pic>
+        <p:nvPicPr>
+          <p:cNvPr id="2053" name="_x160898960">
+            <a:extLst>
+              <a:ext uri="{FF2B5EF4-FFF2-40B4-BE49-F238E27FC236}">
+                <a16:creationId xmlns:a16="http://schemas.microsoft.com/office/drawing/2014/main" id="{7A96DD16-9A8E-4F0E-A4FD-642C954D1A81}"/>
+              </a:ext>
+            </a:extLst>
+          </p:cNvPr>
+          <p:cNvPicPr>
+            <a:picLocks noChangeAspect="1" noChangeArrowheads="1"/>
+          </p:cNvPicPr>
+          <p:nvPr/>
+        </p:nvPicPr>
+        <p:blipFill>
+          <a:blip r:embed="rId3">
+            <a:extLst>
+              <a:ext uri="{28A0092B-C50C-407E-A947-70E740481C1C}">
+                <a14:useLocalDpi xmlns:a14="http://schemas.microsoft.com/office/drawing/2010/main" val="0"/>
+              </a:ext>
+            </a:extLst>
+          </a:blip>
+          <a:srcRect/>
+          <a:stretch>
+            <a:fillRect/>
+          </a:stretch>
+        </p:blipFill>
+        <p:spPr bwMode="auto">
+          <a:xfrm>
+            <a:off x="939566" y="4854503"/>
+            <a:ext cx="5400675" cy="1101725"/>
+          </a:xfrm>
+          <a:prstGeom prst="rect">
+            <a:avLst/>
+          </a:prstGeom>
+          <a:noFill/>
+          <a:extLst>
+            <a:ext uri="{909E8E84-426E-40DD-AFC4-6F175D3DCCD1}">
+              <a14:hiddenFill xmlns:a14="http://schemas.microsoft.com/office/drawing/2010/main">
+                <a:solidFill>
+                  <a:srgbClr val="FFFFFF"/>
+                </a:solidFill>
+              </a14:hiddenFill>
+            </a:ext>
+          </a:extLst>
+        </p:spPr>
+      </p:pic>
+      <p:sp>
+        <p:nvSpPr>
+          <p:cNvPr id="8" name="직사각형 7">
+            <a:extLst>
+              <a:ext uri="{FF2B5EF4-FFF2-40B4-BE49-F238E27FC236}">
+                <a16:creationId xmlns:a16="http://schemas.microsoft.com/office/drawing/2014/main" id="{404CFC17-F943-4E38-813B-0E2231C3AA41}"/>
+              </a:ext>
+            </a:extLst>
+          </p:cNvPr>
+          <p:cNvSpPr/>
+          <p:nvPr/>
+        </p:nvSpPr>
+        <p:spPr>
+          <a:xfrm>
+            <a:off x="1064093" y="5581775"/>
+            <a:ext cx="224286" cy="228912"/>
+          </a:xfrm>
+          <a:prstGeom prst="rect">
+            <a:avLst/>
+          </a:prstGeom>
+        </p:spPr>
+        <p:style>
+          <a:lnRef idx="2">
+            <a:schemeClr val="accent1">
+              <a:shade val="50000"/>
+            </a:schemeClr>
+          </a:lnRef>
+          <a:fillRef idx="1">
+            <a:schemeClr val="accent1"/>
+          </a:fillRef>
+          <a:effectRef idx="0">
+            <a:schemeClr val="accent1"/>
+          </a:effectRef>
+          <a:fontRef idx="minor">
+            <a:schemeClr val="lt1"/>
+          </a:fontRef>
+        </p:style>
+        <p:txBody>
+          <a:bodyPr rtlCol="0" anchor="ctr"/>
+          <a:lstStyle/>
+          <a:p>
+            <a:pPr algn="ctr"/>
+            <a:endParaRPr lang="ko-KR" altLang="en-US"/>
+          </a:p>
+        </p:txBody>
+      </p:sp>
+      <p:sp>
+        <p:nvSpPr>
+          <p:cNvPr id="10" name="화살표: 오른쪽 9">
+            <a:extLst>
+              <a:ext uri="{FF2B5EF4-FFF2-40B4-BE49-F238E27FC236}">
+                <a16:creationId xmlns:a16="http://schemas.microsoft.com/office/drawing/2014/main" id="{3C6CE5AD-2662-4FCE-A3F5-B279F6CD189F}"/>
+              </a:ext>
+            </a:extLst>
+          </p:cNvPr>
+          <p:cNvSpPr/>
+          <p:nvPr/>
+        </p:nvSpPr>
+        <p:spPr>
+          <a:xfrm>
+            <a:off x="1371602" y="5643495"/>
+            <a:ext cx="914400" cy="150424"/>
+          </a:xfrm>
+          <a:prstGeom prst="rightArrow">
+            <a:avLst/>
+          </a:prstGeom>
+        </p:spPr>
+        <p:style>
+          <a:lnRef idx="2">
+            <a:schemeClr val="accent1">
+              <a:shade val="50000"/>
+            </a:schemeClr>
+          </a:lnRef>
+          <a:fillRef idx="1">
+            <a:schemeClr val="accent1"/>
+          </a:fillRef>
+          <a:effectRef idx="0">
+            <a:schemeClr val="accent1"/>
+          </a:effectRef>
+          <a:fontRef idx="minor">
+            <a:schemeClr val="lt1"/>
+          </a:fontRef>
+        </p:style>
+        <p:txBody>
+          <a:bodyPr rtlCol="0" anchor="ctr"/>
+          <a:lstStyle/>
+          <a:p>
+            <a:pPr algn="ctr"/>
+            <a:endParaRPr lang="ko-KR" altLang="en-US"/>
+          </a:p>
+        </p:txBody>
+      </p:sp>
+      <p:sp>
+        <p:nvSpPr>
+          <p:cNvPr id="11" name="TextBox 10">
+            <a:extLst>
+              <a:ext uri="{FF2B5EF4-FFF2-40B4-BE49-F238E27FC236}">
+                <a16:creationId xmlns:a16="http://schemas.microsoft.com/office/drawing/2014/main" id="{56C4D8F9-EC98-4866-B993-A52D0A48B2E5}"/>
+              </a:ext>
+            </a:extLst>
+          </p:cNvPr>
+          <p:cNvSpPr txBox="1"/>
+          <p:nvPr/>
+        </p:nvSpPr>
+        <p:spPr>
+          <a:xfrm>
+            <a:off x="6773404" y="4942936"/>
+            <a:ext cx="4498539" cy="1200329"/>
+          </a:xfrm>
+          <a:prstGeom prst="rect">
+            <a:avLst/>
+          </a:prstGeom>
+          <a:noFill/>
+        </p:spPr>
+        <p:txBody>
+          <a:bodyPr wrap="none" rtlCol="0">
+            <a:spAutoFit/>
+          </a:bodyPr>
+          <a:lstStyle/>
+          <a:p>
+            <a:r>
+              <a:rPr lang="en-US" altLang="ko-KR"/>
+              <a:t>left:</a:t>
+            </a:r>
+            <a:r>
+              <a:rPr lang="ko-KR" altLang="en-US"/>
+              <a:t> </a:t>
+            </a:r>
+            <a:r>
+              <a:rPr lang="en-US" altLang="ko-KR"/>
+              <a:t>100px</a:t>
+            </a:r>
+          </a:p>
+          <a:p>
+            <a:r>
+              <a:rPr lang="ko-KR" altLang="en-US"/>
+              <a:t>이것은 왼쪽으로 </a:t>
+            </a:r>
+            <a:r>
+              <a:rPr lang="en-US" altLang="ko-KR"/>
+              <a:t>100px</a:t>
+            </a:r>
+            <a:r>
+              <a:rPr lang="ko-KR" altLang="en-US"/>
+              <a:t> 가라는 게 아니고</a:t>
+            </a:r>
+            <a:r>
+              <a:rPr lang="en-US" altLang="ko-KR"/>
+              <a:t>,</a:t>
+            </a:r>
+          </a:p>
+          <a:p>
+            <a:r>
+              <a:rPr lang="ko-KR" altLang="en-US">
+                <a:solidFill>
+                  <a:srgbClr val="FF0000"/>
+                </a:solidFill>
+              </a:rPr>
+              <a:t>왼쪽에 </a:t>
+            </a:r>
+            <a:r>
+              <a:rPr lang="en-US" altLang="ko-KR">
+                <a:solidFill>
+                  <a:srgbClr val="FF0000"/>
+                </a:solidFill>
+              </a:rPr>
+              <a:t>100px</a:t>
+            </a:r>
+            <a:r>
+              <a:rPr lang="ko-KR" altLang="en-US">
+                <a:solidFill>
+                  <a:srgbClr val="FF0000"/>
+                </a:solidFill>
+              </a:rPr>
+              <a:t>의 여백을 둔다는 뜻</a:t>
+            </a:r>
+            <a:endParaRPr lang="en-US" altLang="ko-KR">
+              <a:solidFill>
+                <a:srgbClr val="FF0000"/>
+              </a:solidFill>
+            </a:endParaRPr>
+          </a:p>
+          <a:p>
+            <a:r>
+              <a:rPr lang="ko-KR" altLang="en-US">
+                <a:solidFill>
+                  <a:srgbClr val="FF0000"/>
+                </a:solidFill>
+              </a:rPr>
+              <a:t>부모 태그로부터 자신의 위치 결정</a:t>
+            </a:r>
+          </a:p>
+        </p:txBody>
+      </p:sp>
+    </p:spTree>
+    <p:extLst>
+      <p:ext uri="{BB962C8B-B14F-4D97-AF65-F5344CB8AC3E}">
+        <p14:creationId xmlns:p14="http://schemas.microsoft.com/office/powerpoint/2010/main" val="3060794662"/>
+      </p:ext>
+    </p:extLst>
+  </p:cSld>
+  <p:clrMapOvr>
+    <a:masterClrMapping/>
+  </p:clrMapOvr>
+</p:sld>
+</file>
+
+<file path=ppt/slides/slide15.xml><?xml version="1.0" encoding="utf-8"?>
+<p:sld xmlns:a="http://schemas.openxmlformats.org/drawingml/2006/main" xmlns:r="http://schemas.openxmlformats.org/officeDocument/2006/relationships" xmlns:p="http://schemas.openxmlformats.org/presentationml/2006/main">
+  <p:cSld>
+    <p:spTree>
+      <p:nvGrpSpPr>
+        <p:cNvPr id="1" name=""/>
+        <p:cNvGrpSpPr/>
+        <p:nvPr/>
+      </p:nvGrpSpPr>
+      <p:grpSpPr>
+        <a:xfrm>
+          <a:off x="0" y="0"/>
+          <a:ext cx="0" cy="0"/>
+          <a:chOff x="0" y="0"/>
+          <a:chExt cx="0" cy="0"/>
+        </a:xfrm>
+      </p:grpSpPr>
+      <p:sp>
+        <p:nvSpPr>
+          <p:cNvPr id="2" name="제목 1">
+            <a:extLst>
+              <a:ext uri="{FF2B5EF4-FFF2-40B4-BE49-F238E27FC236}">
+                <a16:creationId xmlns:a16="http://schemas.microsoft.com/office/drawing/2014/main" id="{2C72F89E-DF10-4D0B-8E9C-6B7DD27A7ADB}"/>
+              </a:ext>
+            </a:extLst>
+          </p:cNvPr>
+          <p:cNvSpPr>
+            <a:spLocks noGrp="1"/>
+          </p:cNvSpPr>
+          <p:nvPr>
+            <p:ph type="title"/>
+          </p:nvPr>
+        </p:nvSpPr>
+        <p:spPr/>
+        <p:txBody>
+          <a:bodyPr/>
+          <a:lstStyle/>
+          <a:p>
+            <a:r>
+              <a:rPr lang="en-US" altLang="ko-KR"/>
+              <a:t>2. absolute</a:t>
+            </a:r>
+            <a:endParaRPr lang="ko-KR" altLang="en-US"/>
+          </a:p>
+        </p:txBody>
+      </p:sp>
+      <p:sp>
+        <p:nvSpPr>
+          <p:cNvPr id="3" name="내용 개체 틀 2">
+            <a:extLst>
+              <a:ext uri="{FF2B5EF4-FFF2-40B4-BE49-F238E27FC236}">
+                <a16:creationId xmlns:a16="http://schemas.microsoft.com/office/drawing/2014/main" id="{285285AB-A950-4C15-BA13-163EE395EB3B}"/>
+              </a:ext>
+            </a:extLst>
+          </p:cNvPr>
+          <p:cNvSpPr>
+            <a:spLocks noGrp="1"/>
+          </p:cNvSpPr>
+          <p:nvPr>
+            <p:ph idx="1"/>
+          </p:nvPr>
+        </p:nvSpPr>
+        <p:spPr/>
+        <p:txBody>
+          <a:bodyPr/>
+          <a:lstStyle/>
+          <a:p>
+            <a:r>
+              <a:rPr lang="en-US" altLang="ko-KR"/>
+              <a:t>static</a:t>
+            </a:r>
+            <a:r>
+              <a:rPr lang="ko-KR" altLang="en-US"/>
+              <a:t>이 </a:t>
+            </a:r>
+            <a:r>
+              <a:rPr lang="ko-KR" altLang="en-US">
+                <a:solidFill>
+                  <a:srgbClr val="FF0000"/>
+                </a:solidFill>
+              </a:rPr>
+              <a:t>아닌</a:t>
+            </a:r>
+            <a:r>
+              <a:rPr lang="ko-KR" altLang="en-US"/>
+              <a:t> 부모가 기준</a:t>
+            </a:r>
+            <a:endParaRPr lang="en-US" altLang="ko-KR"/>
+          </a:p>
+          <a:p>
+            <a:r>
+              <a:rPr lang="ko-KR" altLang="en-US"/>
+              <a:t>케이스별로 나눠서 살펴보자</a:t>
+            </a:r>
+          </a:p>
+        </p:txBody>
+      </p:sp>
+    </p:spTree>
+    <p:extLst>
+      <p:ext uri="{BB962C8B-B14F-4D97-AF65-F5344CB8AC3E}">
+        <p14:creationId xmlns:p14="http://schemas.microsoft.com/office/powerpoint/2010/main" val="736200099"/>
+      </p:ext>
+    </p:extLst>
+  </p:cSld>
+  <p:clrMapOvr>
+    <a:masterClrMapping/>
+  </p:clrMapOvr>
+</p:sld>
+</file>
+
+<file path=ppt/slides/slide16.xml><?xml version="1.0" encoding="utf-8"?>
+<p:sld xmlns:a="http://schemas.openxmlformats.org/drawingml/2006/main" xmlns:r="http://schemas.openxmlformats.org/officeDocument/2006/relationships" xmlns:p="http://schemas.openxmlformats.org/presentationml/2006/main">
+  <p:cSld>
+    <p:spTree>
+      <p:nvGrpSpPr>
+        <p:cNvPr id="1" name=""/>
+        <p:cNvGrpSpPr/>
+        <p:nvPr/>
+      </p:nvGrpSpPr>
+      <p:grpSpPr>
+        <a:xfrm>
+          <a:off x="0" y="0"/>
+          <a:ext cx="0" cy="0"/>
+          <a:chOff x="0" y="0"/>
+          <a:chExt cx="0" cy="0"/>
+        </a:xfrm>
+      </p:grpSpPr>
+      <p:sp>
+        <p:nvSpPr>
+          <p:cNvPr id="2" name="제목 1">
+            <a:extLst>
+              <a:ext uri="{FF2B5EF4-FFF2-40B4-BE49-F238E27FC236}">
+                <a16:creationId xmlns:a16="http://schemas.microsoft.com/office/drawing/2014/main" id="{C35D10E5-6CD2-45DF-9BD7-D178E9AADD8D}"/>
+              </a:ext>
+            </a:extLst>
+          </p:cNvPr>
+          <p:cNvSpPr>
+            <a:spLocks noGrp="1"/>
+          </p:cNvSpPr>
+          <p:nvPr>
+            <p:ph type="title"/>
+          </p:nvPr>
+        </p:nvSpPr>
+        <p:spPr/>
+        <p:txBody>
+          <a:bodyPr/>
+          <a:lstStyle/>
+          <a:p>
+            <a:r>
+              <a:rPr lang="en-US" altLang="ko-KR"/>
+              <a:t>absolute case1: 	</a:t>
+            </a:r>
+            <a:r>
+              <a:rPr lang="ko-KR" altLang="en-US"/>
+              <a:t>부모가 </a:t>
+            </a:r>
+            <a:r>
+              <a:rPr lang="en-US" altLang="ko-KR"/>
+              <a:t>relative</a:t>
+            </a:r>
+            <a:endParaRPr lang="ko-KR" altLang="en-US"/>
+          </a:p>
+        </p:txBody>
+      </p:sp>
+      <p:sp>
+        <p:nvSpPr>
+          <p:cNvPr id="4" name="Rectangle 2">
+            <a:extLst>
+              <a:ext uri="{FF2B5EF4-FFF2-40B4-BE49-F238E27FC236}">
+                <a16:creationId xmlns:a16="http://schemas.microsoft.com/office/drawing/2014/main" id="{03E4C2D0-0E9C-4653-9D2A-E43130DC54CA}"/>
+              </a:ext>
+            </a:extLst>
+          </p:cNvPr>
+          <p:cNvSpPr>
+            <a:spLocks noChangeArrowheads="1"/>
+          </p:cNvSpPr>
+          <p:nvPr/>
+        </p:nvSpPr>
+        <p:spPr bwMode="auto">
+          <a:xfrm>
+            <a:off x="973122" y="1192211"/>
+            <a:ext cx="18863481" cy="686195"/>
+          </a:xfrm>
+          <a:prstGeom prst="rect">
+            <a:avLst/>
+          </a:prstGeom>
+          <a:noFill/>
+          <a:ln>
+            <a:noFill/>
+          </a:ln>
+          <a:effectLst/>
+          <a:extLst>
+            <a:ext uri="{909E8E84-426E-40DD-AFC4-6F175D3DCCD1}">
+              <a14:hiddenFill xmlns:a14="http://schemas.microsoft.com/office/drawing/2010/main">
+                <a:solidFill>
+                  <a:schemeClr val="accent1"/>
+                </a:solidFill>
+              </a14:hiddenFill>
+            </a:ext>
+            <a:ext uri="{91240B29-F687-4F45-9708-019B960494DF}">
+              <a14:hiddenLine xmlns:a14="http://schemas.microsoft.com/office/drawing/2010/main" w="9525">
+                <a:solidFill>
+                  <a:schemeClr val="tx1"/>
+                </a:solidFill>
+                <a:miter lim="800000"/>
+                <a:headEnd/>
+                <a:tailEnd/>
+              </a14:hiddenLine>
+            </a:ext>
+            <a:ext uri="{AF507438-7753-43E0-B8FC-AC1667EBCBE1}">
+              <a14:hiddenEffects xmlns:a14="http://schemas.microsoft.com/office/drawing/2010/main">
+                <a:effectLst>
+                  <a:outerShdw dist="35921" dir="2700000" algn="ctr" rotWithShape="0">
+                    <a:schemeClr val="bg2"/>
+                  </a:outerShdw>
+                </a:effectLst>
+              </a14:hiddenEffects>
+            </a:ext>
+          </a:extLst>
+        </p:spPr>
+        <p:txBody>
+          <a:bodyPr vert="horz" wrap="square" lIns="91440" tIns="45720" rIns="91440" bIns="45720" numCol="1" anchor="ctr" anchorCtr="0" compatLnSpc="1">
+            <a:prstTxWarp prst="textNoShape">
+              <a:avLst/>
+            </a:prstTxWarp>
+            <a:spAutoFit/>
+          </a:bodyPr>
+          <a:lstStyle/>
+          <a:p>
+            <a:endParaRPr lang="ko-KR" altLang="en-US"/>
+          </a:p>
+        </p:txBody>
+      </p:sp>
+      <p:pic>
+        <p:nvPicPr>
+          <p:cNvPr id="3073" name="_x54965208">
+            <a:extLst>
+              <a:ext uri="{FF2B5EF4-FFF2-40B4-BE49-F238E27FC236}">
+                <a16:creationId xmlns:a16="http://schemas.microsoft.com/office/drawing/2014/main" id="{DC148F73-4D48-4A06-91F3-5AD51CA22C83}"/>
+              </a:ext>
+            </a:extLst>
+          </p:cNvPr>
+          <p:cNvPicPr>
+            <a:picLocks noChangeAspect="1" noChangeArrowheads="1"/>
+          </p:cNvPicPr>
+          <p:nvPr/>
+        </p:nvPicPr>
+        <p:blipFill>
+          <a:blip r:embed="rId2">
+            <a:extLst>
+              <a:ext uri="{28A0092B-C50C-407E-A947-70E740481C1C}">
+                <a14:useLocalDpi xmlns:a14="http://schemas.microsoft.com/office/drawing/2010/main" val="0"/>
+              </a:ext>
+            </a:extLst>
+          </a:blip>
+          <a:srcRect/>
+          <a:stretch>
+            <a:fillRect/>
+          </a:stretch>
+        </p:blipFill>
+        <p:spPr bwMode="auto">
+          <a:xfrm>
+            <a:off x="973123" y="1649411"/>
+            <a:ext cx="3473042" cy="2753381"/>
+          </a:xfrm>
+          <a:prstGeom prst="rect">
+            <a:avLst/>
+          </a:prstGeom>
+          <a:noFill/>
+          <a:extLst>
+            <a:ext uri="{909E8E84-426E-40DD-AFC4-6F175D3DCCD1}">
+              <a14:hiddenFill xmlns:a14="http://schemas.microsoft.com/office/drawing/2010/main">
+                <a:solidFill>
+                  <a:srgbClr val="FFFFFF"/>
+                </a:solidFill>
+              </a14:hiddenFill>
+            </a:ext>
+          </a:extLst>
+        </p:spPr>
+      </p:pic>
+      <p:sp>
+        <p:nvSpPr>
+          <p:cNvPr id="5" name="Rectangle 4">
+            <a:extLst>
+              <a:ext uri="{FF2B5EF4-FFF2-40B4-BE49-F238E27FC236}">
+                <a16:creationId xmlns:a16="http://schemas.microsoft.com/office/drawing/2014/main" id="{6606FC2F-8EB8-4B36-9D6B-34B0510A1DB7}"/>
+              </a:ext>
+            </a:extLst>
+          </p:cNvPr>
+          <p:cNvSpPr>
+            <a:spLocks noChangeArrowheads="1"/>
+          </p:cNvSpPr>
+          <p:nvPr/>
+        </p:nvSpPr>
+        <p:spPr bwMode="auto">
+          <a:xfrm>
+            <a:off x="5503652" y="1192210"/>
+            <a:ext cx="14975333" cy="506825"/>
+          </a:xfrm>
+          <a:prstGeom prst="rect">
+            <a:avLst/>
+          </a:prstGeom>
+          <a:noFill/>
+          <a:ln>
+            <a:noFill/>
+          </a:ln>
+          <a:effectLst/>
+          <a:extLst>
+            <a:ext uri="{909E8E84-426E-40DD-AFC4-6F175D3DCCD1}">
+              <a14:hiddenFill xmlns:a14="http://schemas.microsoft.com/office/drawing/2010/main">
+                <a:solidFill>
+                  <a:schemeClr val="accent1"/>
+                </a:solidFill>
+              </a14:hiddenFill>
+            </a:ext>
+            <a:ext uri="{91240B29-F687-4F45-9708-019B960494DF}">
+              <a14:hiddenLine xmlns:a14="http://schemas.microsoft.com/office/drawing/2010/main" w="9525">
+                <a:solidFill>
+                  <a:schemeClr val="tx1"/>
+                </a:solidFill>
+                <a:miter lim="800000"/>
+                <a:headEnd/>
+                <a:tailEnd/>
+              </a14:hiddenLine>
+            </a:ext>
+            <a:ext uri="{AF507438-7753-43E0-B8FC-AC1667EBCBE1}">
+              <a14:hiddenEffects xmlns:a14="http://schemas.microsoft.com/office/drawing/2010/main">
+                <a:effectLst>
+                  <a:outerShdw dist="35921" dir="2700000" algn="ctr" rotWithShape="0">
+                    <a:schemeClr val="bg2"/>
+                  </a:outerShdw>
+                </a:effectLst>
+              </a14:hiddenEffects>
+            </a:ext>
+          </a:extLst>
+        </p:spPr>
+        <p:txBody>
+          <a:bodyPr vert="horz" wrap="square" lIns="91440" tIns="45720" rIns="91440" bIns="45720" numCol="1" anchor="ctr" anchorCtr="0" compatLnSpc="1">
+            <a:prstTxWarp prst="textNoShape">
+              <a:avLst/>
+            </a:prstTxWarp>
+            <a:spAutoFit/>
+          </a:bodyPr>
+          <a:lstStyle/>
+          <a:p>
+            <a:endParaRPr lang="ko-KR" altLang="en-US"/>
+          </a:p>
+        </p:txBody>
+      </p:sp>
+      <p:pic>
+        <p:nvPicPr>
+          <p:cNvPr id="3075" name="_x54964968">
+            <a:extLst>
+              <a:ext uri="{FF2B5EF4-FFF2-40B4-BE49-F238E27FC236}">
+                <a16:creationId xmlns:a16="http://schemas.microsoft.com/office/drawing/2014/main" id="{4B4E8F85-BEE7-42A4-8AC4-BCF4A10D0FDF}"/>
+              </a:ext>
+            </a:extLst>
+          </p:cNvPr>
+          <p:cNvPicPr>
+            <a:picLocks noChangeAspect="1" noChangeArrowheads="1"/>
+          </p:cNvPicPr>
+          <p:nvPr/>
+        </p:nvPicPr>
+        <p:blipFill>
+          <a:blip r:embed="rId3">
+            <a:extLst>
+              <a:ext uri="{28A0092B-C50C-407E-A947-70E740481C1C}">
+                <a14:useLocalDpi xmlns:a14="http://schemas.microsoft.com/office/drawing/2010/main" val="0"/>
+              </a:ext>
+            </a:extLst>
+          </a:blip>
+          <a:srcRect/>
+          <a:stretch>
+            <a:fillRect/>
+          </a:stretch>
+        </p:blipFill>
+        <p:spPr bwMode="auto">
+          <a:xfrm>
+            <a:off x="5503653" y="1649411"/>
+            <a:ext cx="2156604" cy="2530987"/>
+          </a:xfrm>
+          <a:prstGeom prst="rect">
+            <a:avLst/>
+          </a:prstGeom>
+          <a:noFill/>
+          <a:extLst>
+            <a:ext uri="{909E8E84-426E-40DD-AFC4-6F175D3DCCD1}">
+              <a14:hiddenFill xmlns:a14="http://schemas.microsoft.com/office/drawing/2010/main">
+                <a:solidFill>
+                  <a:srgbClr val="FFFFFF"/>
+                </a:solidFill>
+              </a14:hiddenFill>
+            </a:ext>
+          </a:extLst>
+        </p:spPr>
+      </p:pic>
+      <p:sp>
+        <p:nvSpPr>
+          <p:cNvPr id="6" name="직사각형 5">
+            <a:extLst>
+              <a:ext uri="{FF2B5EF4-FFF2-40B4-BE49-F238E27FC236}">
+                <a16:creationId xmlns:a16="http://schemas.microsoft.com/office/drawing/2014/main" id="{F3E80F21-82C8-4707-8E9C-C14E9630BFA3}"/>
+              </a:ext>
+            </a:extLst>
+          </p:cNvPr>
+          <p:cNvSpPr/>
+          <p:nvPr/>
+        </p:nvSpPr>
+        <p:spPr>
+          <a:xfrm>
+            <a:off x="5702060" y="2286000"/>
+            <a:ext cx="393940" cy="319177"/>
+          </a:xfrm>
+          <a:prstGeom prst="rect">
+            <a:avLst/>
+          </a:prstGeom>
+        </p:spPr>
+        <p:style>
+          <a:lnRef idx="2">
+            <a:schemeClr val="accent1">
+              <a:shade val="50000"/>
+            </a:schemeClr>
+          </a:lnRef>
+          <a:fillRef idx="1">
+            <a:schemeClr val="accent1"/>
+          </a:fillRef>
+          <a:effectRef idx="0">
+            <a:schemeClr val="accent1"/>
+          </a:effectRef>
+          <a:fontRef idx="minor">
+            <a:schemeClr val="lt1"/>
+          </a:fontRef>
+        </p:style>
+        <p:txBody>
+          <a:bodyPr rtlCol="0" anchor="ctr"/>
+          <a:lstStyle/>
+          <a:p>
+            <a:pPr algn="ctr"/>
+            <a:endParaRPr lang="ko-KR" altLang="en-US"/>
+          </a:p>
+        </p:txBody>
+      </p:sp>
+      <p:sp>
+        <p:nvSpPr>
+          <p:cNvPr id="7" name="화살표: 아래쪽 6">
+            <a:extLst>
+              <a:ext uri="{FF2B5EF4-FFF2-40B4-BE49-F238E27FC236}">
+                <a16:creationId xmlns:a16="http://schemas.microsoft.com/office/drawing/2014/main" id="{55CD8B33-6FDD-4F6F-888B-596783664541}"/>
+              </a:ext>
+            </a:extLst>
+          </p:cNvPr>
+          <p:cNvSpPr/>
+          <p:nvPr/>
+        </p:nvSpPr>
+        <p:spPr>
+          <a:xfrm>
+            <a:off x="5817079" y="2648893"/>
+            <a:ext cx="163901" cy="491706"/>
+          </a:xfrm>
+          <a:prstGeom prst="downArrow">
+            <a:avLst/>
+          </a:prstGeom>
+        </p:spPr>
+        <p:style>
+          <a:lnRef idx="2">
+            <a:schemeClr val="accent1">
+              <a:shade val="50000"/>
+            </a:schemeClr>
+          </a:lnRef>
+          <a:fillRef idx="1">
+            <a:schemeClr val="accent1"/>
+          </a:fillRef>
+          <a:effectRef idx="0">
+            <a:schemeClr val="accent1"/>
+          </a:effectRef>
+          <a:fontRef idx="minor">
+            <a:schemeClr val="lt1"/>
+          </a:fontRef>
+        </p:style>
+        <p:txBody>
+          <a:bodyPr rtlCol="0" anchor="ctr"/>
+          <a:lstStyle/>
+          <a:p>
+            <a:pPr algn="ctr"/>
+            <a:endParaRPr lang="ko-KR" altLang="en-US"/>
+          </a:p>
+        </p:txBody>
+      </p:sp>
+      <p:sp>
+        <p:nvSpPr>
+          <p:cNvPr id="8" name="TextBox 7">
+            <a:extLst>
+              <a:ext uri="{FF2B5EF4-FFF2-40B4-BE49-F238E27FC236}">
+                <a16:creationId xmlns:a16="http://schemas.microsoft.com/office/drawing/2014/main" id="{38F9AC33-AE64-4599-BF20-AEB5B49DD2CC}"/>
+              </a:ext>
+            </a:extLst>
+          </p:cNvPr>
+          <p:cNvSpPr txBox="1"/>
+          <p:nvPr/>
+        </p:nvSpPr>
+        <p:spPr>
+          <a:xfrm>
+            <a:off x="5503652" y="4388859"/>
+            <a:ext cx="5589992" cy="646331"/>
+          </a:xfrm>
+          <a:prstGeom prst="rect">
+            <a:avLst/>
+          </a:prstGeom>
+          <a:noFill/>
+        </p:spPr>
+        <p:txBody>
+          <a:bodyPr wrap="none" rtlCol="0">
+            <a:spAutoFit/>
+          </a:bodyPr>
+          <a:lstStyle/>
+          <a:p>
+            <a:r>
+              <a:rPr lang="ko-KR" altLang="en-US"/>
+              <a:t>이 경우</a:t>
+            </a:r>
+            <a:r>
+              <a:rPr lang="en-US" altLang="ko-KR"/>
+              <a:t>, </a:t>
+            </a:r>
+            <a:r>
+              <a:rPr lang="ko-KR" altLang="en-US"/>
+              <a:t>부모가 </a:t>
+            </a:r>
+            <a:r>
+              <a:rPr lang="en-US" altLang="ko-KR"/>
+              <a:t>static </a:t>
+            </a:r>
+            <a:r>
+              <a:rPr lang="ko-KR" altLang="en-US"/>
+              <a:t>이 아니기 때문에 부모가 기준</a:t>
+            </a:r>
+            <a:endParaRPr lang="en-US" altLang="ko-KR"/>
+          </a:p>
+          <a:p>
+            <a:r>
+              <a:rPr lang="en-US" altLang="ko-KR"/>
+              <a:t>parent </a:t>
+            </a:r>
+            <a:r>
+              <a:rPr lang="ko-KR" altLang="en-US"/>
+              <a:t>를 기준으로</a:t>
+            </a:r>
+            <a:r>
+              <a:rPr lang="en-US" altLang="ko-KR"/>
+              <a:t>, </a:t>
+            </a:r>
+            <a:r>
+              <a:rPr lang="ko-KR" altLang="en-US"/>
+              <a:t>아래로 </a:t>
+            </a:r>
+            <a:r>
+              <a:rPr lang="en-US" altLang="ko-KR"/>
+              <a:t>50px</a:t>
+            </a:r>
+            <a:r>
+              <a:rPr lang="ko-KR" altLang="en-US"/>
+              <a:t> 내려옴</a:t>
+            </a:r>
+          </a:p>
+        </p:txBody>
+      </p:sp>
+    </p:spTree>
+    <p:extLst>
+      <p:ext uri="{BB962C8B-B14F-4D97-AF65-F5344CB8AC3E}">
+        <p14:creationId xmlns:p14="http://schemas.microsoft.com/office/powerpoint/2010/main" val="4199451639"/>
+      </p:ext>
+    </p:extLst>
+  </p:cSld>
+  <p:clrMapOvr>
+    <a:masterClrMapping/>
+  </p:clrMapOvr>
+</p:sld>
+</file>
+
+<file path=ppt/slides/slide17.xml><?xml version="1.0" encoding="utf-8"?>
+<p:sld xmlns:a="http://schemas.openxmlformats.org/drawingml/2006/main" xmlns:r="http://schemas.openxmlformats.org/officeDocument/2006/relationships" xmlns:p="http://schemas.openxmlformats.org/presentationml/2006/main">
+  <p:cSld>
+    <p:spTree>
+      <p:nvGrpSpPr>
+        <p:cNvPr id="1" name=""/>
+        <p:cNvGrpSpPr/>
+        <p:nvPr/>
+      </p:nvGrpSpPr>
+      <p:grpSpPr>
+        <a:xfrm>
+          <a:off x="0" y="0"/>
+          <a:ext cx="0" cy="0"/>
+          <a:chOff x="0" y="0"/>
+          <a:chExt cx="0" cy="0"/>
+        </a:xfrm>
+      </p:grpSpPr>
+      <p:sp>
+        <p:nvSpPr>
+          <p:cNvPr id="2" name="제목 1">
+            <a:extLst>
+              <a:ext uri="{FF2B5EF4-FFF2-40B4-BE49-F238E27FC236}">
+                <a16:creationId xmlns:a16="http://schemas.microsoft.com/office/drawing/2014/main" id="{51E7CB3C-422A-4997-B0DC-A47499FA98C5}"/>
+              </a:ext>
+            </a:extLst>
+          </p:cNvPr>
+          <p:cNvSpPr>
+            <a:spLocks noGrp="1"/>
+          </p:cNvSpPr>
+          <p:nvPr>
+            <p:ph type="title"/>
+          </p:nvPr>
+        </p:nvSpPr>
+        <p:spPr/>
+        <p:txBody>
+          <a:bodyPr>
+            <a:normAutofit/>
+          </a:bodyPr>
+          <a:lstStyle/>
+          <a:p>
+            <a:r>
+              <a:rPr lang="en-US" altLang="ko-KR" sz="3200"/>
+              <a:t>absolute case 2: 	</a:t>
+            </a:r>
+            <a:br>
+              <a:rPr lang="en-US" altLang="ko-KR" sz="3200"/>
+            </a:br>
+            <a:r>
+              <a:rPr lang="en-US" altLang="ko-KR" sz="3200"/>
+              <a:t>	</a:t>
+            </a:r>
+            <a:r>
+              <a:rPr lang="ko-KR" altLang="en-US" sz="3200"/>
+              <a:t>부모가 </a:t>
+            </a:r>
+            <a:r>
+              <a:rPr lang="en-US" altLang="ko-KR" sz="3200"/>
+              <a:t>static </a:t>
+            </a:r>
+            <a:r>
+              <a:rPr lang="ko-KR" altLang="en-US" sz="3200"/>
+              <a:t>이면서 조부모가 </a:t>
+            </a:r>
+            <a:r>
+              <a:rPr lang="en-US" altLang="ko-KR" sz="3200"/>
+              <a:t>static </a:t>
+            </a:r>
+            <a:r>
+              <a:rPr lang="ko-KR" altLang="en-US" sz="3200"/>
+              <a:t>아닌 경우</a:t>
+            </a:r>
+          </a:p>
+        </p:txBody>
+      </p:sp>
+      <p:sp>
+        <p:nvSpPr>
+          <p:cNvPr id="4" name="Rectangle 2">
+            <a:extLst>
+              <a:ext uri="{FF2B5EF4-FFF2-40B4-BE49-F238E27FC236}">
+                <a16:creationId xmlns:a16="http://schemas.microsoft.com/office/drawing/2014/main" id="{4EE96C10-F070-4E6A-8BC3-8C743D015B02}"/>
+              </a:ext>
+            </a:extLst>
+          </p:cNvPr>
+          <p:cNvSpPr>
+            <a:spLocks noChangeArrowheads="1"/>
+          </p:cNvSpPr>
+          <p:nvPr/>
+        </p:nvSpPr>
+        <p:spPr bwMode="auto">
+          <a:xfrm>
+            <a:off x="981511" y="1233487"/>
+            <a:ext cx="19227993" cy="797017"/>
+          </a:xfrm>
+          <a:prstGeom prst="rect">
+            <a:avLst/>
+          </a:prstGeom>
+          <a:noFill/>
+          <a:ln>
+            <a:noFill/>
+          </a:ln>
+          <a:effectLst/>
+          <a:extLst>
+            <a:ext uri="{909E8E84-426E-40DD-AFC4-6F175D3DCCD1}">
+              <a14:hiddenFill xmlns:a14="http://schemas.microsoft.com/office/drawing/2010/main">
+                <a:solidFill>
+                  <a:schemeClr val="accent1"/>
+                </a:solidFill>
+              </a14:hiddenFill>
+            </a:ext>
+            <a:ext uri="{91240B29-F687-4F45-9708-019B960494DF}">
+              <a14:hiddenLine xmlns:a14="http://schemas.microsoft.com/office/drawing/2010/main" w="9525">
+                <a:solidFill>
+                  <a:schemeClr val="tx1"/>
+                </a:solidFill>
+                <a:miter lim="800000"/>
+                <a:headEnd/>
+                <a:tailEnd/>
+              </a14:hiddenLine>
+            </a:ext>
+            <a:ext uri="{AF507438-7753-43E0-B8FC-AC1667EBCBE1}">
+              <a14:hiddenEffects xmlns:a14="http://schemas.microsoft.com/office/drawing/2010/main">
+                <a:effectLst>
+                  <a:outerShdw dist="35921" dir="2700000" algn="ctr" rotWithShape="0">
+                    <a:schemeClr val="bg2"/>
+                  </a:outerShdw>
+                </a:effectLst>
+              </a14:hiddenEffects>
+            </a:ext>
+          </a:extLst>
+        </p:spPr>
+        <p:txBody>
+          <a:bodyPr vert="horz" wrap="square" lIns="91440" tIns="45720" rIns="91440" bIns="45720" numCol="1" anchor="ctr" anchorCtr="0" compatLnSpc="1">
+            <a:prstTxWarp prst="textNoShape">
+              <a:avLst/>
+            </a:prstTxWarp>
+            <a:spAutoFit/>
+          </a:bodyPr>
+          <a:lstStyle/>
+          <a:p>
+            <a:endParaRPr lang="ko-KR" altLang="en-US"/>
+          </a:p>
+        </p:txBody>
+      </p:sp>
+      <p:pic>
+        <p:nvPicPr>
+          <p:cNvPr id="4097" name="_x54965128">
+            <a:extLst>
+              <a:ext uri="{FF2B5EF4-FFF2-40B4-BE49-F238E27FC236}">
+                <a16:creationId xmlns:a16="http://schemas.microsoft.com/office/drawing/2014/main" id="{C131A07D-64A1-4D1A-9117-92EA88B73241}"/>
+              </a:ext>
+            </a:extLst>
+          </p:cNvPr>
+          <p:cNvPicPr>
+            <a:picLocks noChangeAspect="1" noChangeArrowheads="1"/>
+          </p:cNvPicPr>
+          <p:nvPr/>
+        </p:nvPicPr>
+        <p:blipFill>
+          <a:blip r:embed="rId2">
+            <a:extLst>
+              <a:ext uri="{28A0092B-C50C-407E-A947-70E740481C1C}">
+                <a14:useLocalDpi xmlns:a14="http://schemas.microsoft.com/office/drawing/2010/main" val="0"/>
+              </a:ext>
+            </a:extLst>
+          </a:blip>
+          <a:srcRect/>
+          <a:stretch>
+            <a:fillRect/>
+          </a:stretch>
+        </p:blipFill>
+        <p:spPr bwMode="auto">
+          <a:xfrm>
+            <a:off x="981512" y="1690688"/>
+            <a:ext cx="3913134" cy="3107815"/>
+          </a:xfrm>
+          <a:prstGeom prst="rect">
+            <a:avLst/>
+          </a:prstGeom>
+          <a:noFill/>
+          <a:extLst>
+            <a:ext uri="{909E8E84-426E-40DD-AFC4-6F175D3DCCD1}">
+              <a14:hiddenFill xmlns:a14="http://schemas.microsoft.com/office/drawing/2010/main">
+                <a:solidFill>
+                  <a:srgbClr val="FFFFFF"/>
+                </a:solidFill>
+              </a14:hiddenFill>
+            </a:ext>
+          </a:extLst>
+        </p:spPr>
+      </p:pic>
+      <p:sp>
+        <p:nvSpPr>
+          <p:cNvPr id="5" name="Rectangle 4">
+            <a:extLst>
+              <a:ext uri="{FF2B5EF4-FFF2-40B4-BE49-F238E27FC236}">
+                <a16:creationId xmlns:a16="http://schemas.microsoft.com/office/drawing/2014/main" id="{F00EF250-9C52-4164-A9B1-C76C73D86196}"/>
+              </a:ext>
+            </a:extLst>
+          </p:cNvPr>
+          <p:cNvSpPr>
+            <a:spLocks noChangeArrowheads="1"/>
+          </p:cNvSpPr>
+          <p:nvPr/>
+        </p:nvSpPr>
+        <p:spPr bwMode="auto">
+          <a:xfrm>
+            <a:off x="0" y="0"/>
+            <a:ext cx="12192000" cy="457200"/>
+          </a:xfrm>
+          <a:prstGeom prst="rect">
+            <a:avLst/>
+          </a:prstGeom>
+          <a:noFill/>
+          <a:ln>
+            <a:noFill/>
+          </a:ln>
+          <a:effectLst/>
+          <a:extLst>
+            <a:ext uri="{909E8E84-426E-40DD-AFC4-6F175D3DCCD1}">
+              <a14:hiddenFill xmlns:a14="http://schemas.microsoft.com/office/drawing/2010/main">
+                <a:solidFill>
+                  <a:schemeClr val="accent1"/>
+                </a:solidFill>
+              </a14:hiddenFill>
+            </a:ext>
+            <a:ext uri="{91240B29-F687-4F45-9708-019B960494DF}">
+              <a14:hiddenLine xmlns:a14="http://schemas.microsoft.com/office/drawing/2010/main" w="9525">
+                <a:solidFill>
+                  <a:schemeClr val="tx1"/>
+                </a:solidFill>
+                <a:miter lim="800000"/>
+                <a:headEnd/>
+                <a:tailEnd/>
+              </a14:hiddenLine>
+            </a:ext>
+            <a:ext uri="{AF507438-7753-43E0-B8FC-AC1667EBCBE1}">
+              <a14:hiddenEffects xmlns:a14="http://schemas.microsoft.com/office/drawing/2010/main">
+                <a:effectLst>
+                  <a:outerShdw dist="35921" dir="2700000" algn="ctr" rotWithShape="0">
+                    <a:schemeClr val="bg2"/>
+                  </a:outerShdw>
+                </a:effectLst>
+              </a14:hiddenEffects>
+            </a:ext>
+          </a:extLst>
+        </p:spPr>
+        <p:txBody>
+          <a:bodyPr vert="horz" wrap="none" lIns="91440" tIns="45720" rIns="91440" bIns="45720" numCol="1" anchor="ctr" anchorCtr="0" compatLnSpc="1">
+            <a:prstTxWarp prst="textNoShape">
+              <a:avLst/>
+            </a:prstTxWarp>
+            <a:spAutoFit/>
+          </a:bodyPr>
+          <a:lstStyle/>
+          <a:p>
+            <a:endParaRPr lang="ko-KR" altLang="en-US"/>
+          </a:p>
+        </p:txBody>
+      </p:sp>
+      <p:pic>
+        <p:nvPicPr>
+          <p:cNvPr id="4099" name="_x54964408">
+            <a:extLst>
+              <a:ext uri="{FF2B5EF4-FFF2-40B4-BE49-F238E27FC236}">
+                <a16:creationId xmlns:a16="http://schemas.microsoft.com/office/drawing/2014/main" id="{E7C902C7-C640-4FBB-8E66-13E20CB6A3D6}"/>
+              </a:ext>
+            </a:extLst>
+          </p:cNvPr>
+          <p:cNvPicPr>
+            <a:picLocks noChangeAspect="1" noChangeArrowheads="1"/>
+          </p:cNvPicPr>
+          <p:nvPr/>
+        </p:nvPicPr>
+        <p:blipFill>
+          <a:blip r:embed="rId3">
+            <a:extLst>
+              <a:ext uri="{28A0092B-C50C-407E-A947-70E740481C1C}">
+                <a14:useLocalDpi xmlns:a14="http://schemas.microsoft.com/office/drawing/2010/main" val="0"/>
+              </a:ext>
+            </a:extLst>
+          </a:blip>
+          <a:srcRect/>
+          <a:stretch>
+            <a:fillRect/>
+          </a:stretch>
+        </p:blipFill>
+        <p:spPr bwMode="auto">
+          <a:xfrm>
+            <a:off x="5426015" y="1631995"/>
+            <a:ext cx="2976113" cy="2892540"/>
+          </a:xfrm>
+          <a:prstGeom prst="rect">
+            <a:avLst/>
+          </a:prstGeom>
+          <a:noFill/>
+          <a:extLst>
+            <a:ext uri="{909E8E84-426E-40DD-AFC4-6F175D3DCCD1}">
+              <a14:hiddenFill xmlns:a14="http://schemas.microsoft.com/office/drawing/2010/main">
+                <a:solidFill>
+                  <a:srgbClr val="FFFFFF"/>
+                </a:solidFill>
+              </a14:hiddenFill>
+            </a:ext>
+          </a:extLst>
+        </p:spPr>
+      </p:pic>
+      <p:sp>
+        <p:nvSpPr>
+          <p:cNvPr id="6" name="TextBox 5">
+            <a:extLst>
+              <a:ext uri="{FF2B5EF4-FFF2-40B4-BE49-F238E27FC236}">
+                <a16:creationId xmlns:a16="http://schemas.microsoft.com/office/drawing/2014/main" id="{65A27858-EC4F-4AFF-B421-C7142BA57A56}"/>
+              </a:ext>
+            </a:extLst>
+          </p:cNvPr>
+          <p:cNvSpPr txBox="1"/>
+          <p:nvPr/>
+        </p:nvSpPr>
+        <p:spPr>
+          <a:xfrm>
+            <a:off x="4468411" y="4475337"/>
+            <a:ext cx="7723589" cy="923330"/>
+          </a:xfrm>
+          <a:prstGeom prst="rect">
+            <a:avLst/>
+          </a:prstGeom>
+          <a:noFill/>
+        </p:spPr>
+        <p:txBody>
+          <a:bodyPr wrap="none" rtlCol="0">
+            <a:spAutoFit/>
+          </a:bodyPr>
+          <a:lstStyle/>
+          <a:p>
+            <a:r>
+              <a:rPr lang="ko-KR" altLang="en-US"/>
+              <a:t>이 경우</a:t>
+            </a:r>
+            <a:r>
+              <a:rPr lang="en-US" altLang="ko-KR"/>
+              <a:t>, </a:t>
+            </a:r>
+            <a:r>
+              <a:rPr lang="ko-KR" altLang="en-US"/>
+              <a:t>부모는 </a:t>
+            </a:r>
+            <a:r>
+              <a:rPr lang="en-US" altLang="ko-KR"/>
+              <a:t>stati</a:t>
+            </a:r>
+            <a:r>
+              <a:rPr lang="ko-KR" altLang="en-US"/>
+              <a:t>이고 </a:t>
+            </a:r>
+            <a:r>
+              <a:rPr lang="ko-KR" altLang="en-US">
+                <a:solidFill>
+                  <a:srgbClr val="FF0000"/>
+                </a:solidFill>
+              </a:rPr>
+              <a:t>조부모가 </a:t>
+            </a:r>
+            <a:r>
+              <a:rPr lang="en-US" altLang="ko-KR">
+                <a:solidFill>
+                  <a:srgbClr val="FF0000"/>
+                </a:solidFill>
+              </a:rPr>
+              <a:t>static</a:t>
+            </a:r>
+            <a:r>
+              <a:rPr lang="ko-KR" altLang="en-US">
+                <a:solidFill>
+                  <a:srgbClr val="FF0000"/>
+                </a:solidFill>
+              </a:rPr>
+              <a:t>이 아니기 때문에 </a:t>
+            </a:r>
+            <a:r>
+              <a:rPr lang="ko-KR" altLang="en-US"/>
+              <a:t>조부모가 기준</a:t>
+            </a:r>
+            <a:endParaRPr lang="en-US" altLang="ko-KR"/>
+          </a:p>
+          <a:p>
+            <a:endParaRPr lang="en-US" altLang="ko-KR"/>
+          </a:p>
+          <a:p>
+            <a:r>
+              <a:rPr lang="ko-KR" altLang="en-US"/>
+              <a:t>조부모를 기준으로 </a:t>
+            </a:r>
+            <a:r>
+              <a:rPr lang="en-US" altLang="ko-KR"/>
+              <a:t>50px</a:t>
+            </a:r>
+            <a:r>
+              <a:rPr lang="ko-KR" altLang="en-US"/>
+              <a:t> 내려옴</a:t>
+            </a:r>
+          </a:p>
+        </p:txBody>
+      </p:sp>
+      <p:sp>
+        <p:nvSpPr>
+          <p:cNvPr id="9" name="직사각형 8">
+            <a:extLst>
+              <a:ext uri="{FF2B5EF4-FFF2-40B4-BE49-F238E27FC236}">
+                <a16:creationId xmlns:a16="http://schemas.microsoft.com/office/drawing/2014/main" id="{6371C367-3636-4789-A14D-E7BB0D5E6D40}"/>
+              </a:ext>
+            </a:extLst>
+          </p:cNvPr>
+          <p:cNvSpPr/>
+          <p:nvPr/>
+        </p:nvSpPr>
+        <p:spPr>
+          <a:xfrm>
+            <a:off x="5702059" y="1870915"/>
+            <a:ext cx="586597" cy="511748"/>
+          </a:xfrm>
+          <a:prstGeom prst="rect">
+            <a:avLst/>
+          </a:prstGeom>
+        </p:spPr>
+        <p:style>
+          <a:lnRef idx="2">
+            <a:schemeClr val="accent1">
+              <a:shade val="50000"/>
+            </a:schemeClr>
+          </a:lnRef>
+          <a:fillRef idx="1">
+            <a:schemeClr val="accent1"/>
+          </a:fillRef>
+          <a:effectRef idx="0">
+            <a:schemeClr val="accent1"/>
+          </a:effectRef>
+          <a:fontRef idx="minor">
+            <a:schemeClr val="lt1"/>
+          </a:fontRef>
+        </p:style>
+        <p:txBody>
+          <a:bodyPr rtlCol="0" anchor="ctr"/>
+          <a:lstStyle/>
+          <a:p>
+            <a:pPr algn="ctr"/>
+            <a:endParaRPr lang="ko-KR" altLang="en-US"/>
+          </a:p>
+        </p:txBody>
+      </p:sp>
+      <p:sp>
+        <p:nvSpPr>
+          <p:cNvPr id="10" name="화살표: 아래쪽 9">
+            <a:extLst>
+              <a:ext uri="{FF2B5EF4-FFF2-40B4-BE49-F238E27FC236}">
+                <a16:creationId xmlns:a16="http://schemas.microsoft.com/office/drawing/2014/main" id="{63D85A25-3DAD-458F-B9C2-98A53BAC5994}"/>
+              </a:ext>
+            </a:extLst>
+          </p:cNvPr>
+          <p:cNvSpPr/>
+          <p:nvPr/>
+        </p:nvSpPr>
+        <p:spPr>
+          <a:xfrm>
+            <a:off x="5855896" y="2368968"/>
+            <a:ext cx="346495" cy="1150609"/>
+          </a:xfrm>
+          <a:prstGeom prst="downArrow">
+            <a:avLst/>
+          </a:prstGeom>
+        </p:spPr>
+        <p:style>
+          <a:lnRef idx="2">
+            <a:schemeClr val="accent1">
+              <a:shade val="50000"/>
+            </a:schemeClr>
+          </a:lnRef>
+          <a:fillRef idx="1">
+            <a:schemeClr val="accent1"/>
+          </a:fillRef>
+          <a:effectRef idx="0">
+            <a:schemeClr val="accent1"/>
+          </a:effectRef>
+          <a:fontRef idx="minor">
+            <a:schemeClr val="lt1"/>
+          </a:fontRef>
+        </p:style>
+        <p:txBody>
+          <a:bodyPr rtlCol="0" anchor="ctr"/>
+          <a:lstStyle/>
+          <a:p>
+            <a:pPr algn="ctr"/>
+            <a:endParaRPr lang="ko-KR" altLang="en-US"/>
+          </a:p>
+        </p:txBody>
+      </p:sp>
+    </p:spTree>
+    <p:extLst>
+      <p:ext uri="{BB962C8B-B14F-4D97-AF65-F5344CB8AC3E}">
+        <p14:creationId xmlns:p14="http://schemas.microsoft.com/office/powerpoint/2010/main" val="3498372040"/>
+      </p:ext>
+    </p:extLst>
+  </p:cSld>
+  <p:clrMapOvr>
+    <a:masterClrMapping/>
+  </p:clrMapOvr>
+</p:sld>
+</file>
+
+<file path=ppt/slides/slide18.xml><?xml version="1.0" encoding="utf-8"?>
+<p:sld xmlns:a="http://schemas.openxmlformats.org/drawingml/2006/main" xmlns:r="http://schemas.openxmlformats.org/officeDocument/2006/relationships" xmlns:p="http://schemas.openxmlformats.org/presentationml/2006/main">
+  <p:cSld>
+    <p:spTree>
+      <p:nvGrpSpPr>
+        <p:cNvPr id="1" name=""/>
+        <p:cNvGrpSpPr/>
+        <p:nvPr/>
+      </p:nvGrpSpPr>
+      <p:grpSpPr>
+        <a:xfrm>
+          <a:off x="0" y="0"/>
+          <a:ext cx="0" cy="0"/>
+          <a:chOff x="0" y="0"/>
+          <a:chExt cx="0" cy="0"/>
+        </a:xfrm>
+      </p:grpSpPr>
+      <p:sp>
+        <p:nvSpPr>
+          <p:cNvPr id="2" name="제목 1">
+            <a:extLst>
+              <a:ext uri="{FF2B5EF4-FFF2-40B4-BE49-F238E27FC236}">
+                <a16:creationId xmlns:a16="http://schemas.microsoft.com/office/drawing/2014/main" id="{48880563-09F0-4910-AFAF-EFE27FF5E084}"/>
+              </a:ext>
+            </a:extLst>
+          </p:cNvPr>
+          <p:cNvSpPr>
+            <a:spLocks noGrp="1"/>
+          </p:cNvSpPr>
+          <p:nvPr>
+            <p:ph type="title"/>
+          </p:nvPr>
+        </p:nvSpPr>
+        <p:spPr/>
+        <p:txBody>
+          <a:bodyPr>
+            <a:normAutofit/>
+          </a:bodyPr>
+          <a:lstStyle/>
+          <a:p>
+            <a:r>
+              <a:rPr lang="en-US" altLang="ko-KR" sz="3600"/>
+              <a:t>absolute case 3:	</a:t>
+            </a:r>
+            <a:r>
+              <a:rPr lang="ko-KR" altLang="en-US" sz="3600"/>
+              <a:t>부모에게 아무것도 지정 안함</a:t>
+            </a:r>
+          </a:p>
+        </p:txBody>
+      </p:sp>
+      <p:sp>
+        <p:nvSpPr>
+          <p:cNvPr id="4" name="Rectangle 2">
+            <a:extLst>
+              <a:ext uri="{FF2B5EF4-FFF2-40B4-BE49-F238E27FC236}">
+                <a16:creationId xmlns:a16="http://schemas.microsoft.com/office/drawing/2014/main" id="{36DA9A3C-999D-48EC-ADC1-550CE2AA9814}"/>
+              </a:ext>
+            </a:extLst>
+          </p:cNvPr>
+          <p:cNvSpPr>
+            <a:spLocks noChangeArrowheads="1"/>
+          </p:cNvSpPr>
+          <p:nvPr/>
+        </p:nvSpPr>
+        <p:spPr bwMode="auto">
+          <a:xfrm>
+            <a:off x="1048624" y="1098957"/>
+            <a:ext cx="12192000" cy="457200"/>
+          </a:xfrm>
+          <a:prstGeom prst="rect">
+            <a:avLst/>
+          </a:prstGeom>
+          <a:noFill/>
+          <a:ln>
+            <a:noFill/>
+          </a:ln>
+          <a:effectLst/>
+          <a:extLst>
+            <a:ext uri="{909E8E84-426E-40DD-AFC4-6F175D3DCCD1}">
+              <a14:hiddenFill xmlns:a14="http://schemas.microsoft.com/office/drawing/2010/main">
+                <a:solidFill>
+                  <a:schemeClr val="accent1"/>
+                </a:solidFill>
+              </a14:hiddenFill>
+            </a:ext>
+            <a:ext uri="{91240B29-F687-4F45-9708-019B960494DF}">
+              <a14:hiddenLine xmlns:a14="http://schemas.microsoft.com/office/drawing/2010/main" w="9525">
+                <a:solidFill>
+                  <a:schemeClr val="tx1"/>
+                </a:solidFill>
+                <a:miter lim="800000"/>
+                <a:headEnd/>
+                <a:tailEnd/>
+              </a14:hiddenLine>
+            </a:ext>
+            <a:ext uri="{AF507438-7753-43E0-B8FC-AC1667EBCBE1}">
+              <a14:hiddenEffects xmlns:a14="http://schemas.microsoft.com/office/drawing/2010/main">
+                <a:effectLst>
+                  <a:outerShdw dist="35921" dir="2700000" algn="ctr" rotWithShape="0">
+                    <a:schemeClr val="bg2"/>
+                  </a:outerShdw>
+                </a:effectLst>
+              </a14:hiddenEffects>
+            </a:ext>
+          </a:extLst>
+        </p:spPr>
+        <p:txBody>
+          <a:bodyPr vert="horz" wrap="none" lIns="91440" tIns="45720" rIns="91440" bIns="45720" numCol="1" anchor="ctr" anchorCtr="0" compatLnSpc="1">
+            <a:prstTxWarp prst="textNoShape">
+              <a:avLst/>
+            </a:prstTxWarp>
+            <a:spAutoFit/>
+          </a:bodyPr>
+          <a:lstStyle/>
+          <a:p>
+            <a:endParaRPr lang="ko-KR" altLang="en-US"/>
+          </a:p>
+        </p:txBody>
+      </p:sp>
+      <p:pic>
+        <p:nvPicPr>
+          <p:cNvPr id="5121" name="_x54964888">
+            <a:extLst>
+              <a:ext uri="{FF2B5EF4-FFF2-40B4-BE49-F238E27FC236}">
+                <a16:creationId xmlns:a16="http://schemas.microsoft.com/office/drawing/2014/main" id="{7C116461-7E2F-427B-95EC-58ADA08B5172}"/>
+              </a:ext>
+            </a:extLst>
+          </p:cNvPr>
+          <p:cNvPicPr>
+            <a:picLocks noChangeAspect="1" noChangeArrowheads="1"/>
+          </p:cNvPicPr>
+          <p:nvPr/>
+        </p:nvPicPr>
+        <p:blipFill>
+          <a:blip r:embed="rId2">
+            <a:extLst>
+              <a:ext uri="{28A0092B-C50C-407E-A947-70E740481C1C}">
+                <a14:useLocalDpi xmlns:a14="http://schemas.microsoft.com/office/drawing/2010/main" val="0"/>
+              </a:ext>
+            </a:extLst>
+          </a:blip>
+          <a:srcRect/>
+          <a:stretch>
+            <a:fillRect/>
+          </a:stretch>
+        </p:blipFill>
+        <p:spPr bwMode="auto">
+          <a:xfrm>
+            <a:off x="962360" y="1885560"/>
+            <a:ext cx="4653058" cy="1872843"/>
+          </a:xfrm>
+          <a:prstGeom prst="rect">
+            <a:avLst/>
+          </a:prstGeom>
+          <a:noFill/>
+          <a:extLst>
+            <a:ext uri="{909E8E84-426E-40DD-AFC4-6F175D3DCCD1}">
+              <a14:hiddenFill xmlns:a14="http://schemas.microsoft.com/office/drawing/2010/main">
+                <a:solidFill>
+                  <a:srgbClr val="FFFFFF"/>
+                </a:solidFill>
+              </a14:hiddenFill>
+            </a:ext>
+          </a:extLst>
+        </p:spPr>
+      </p:pic>
+      <p:sp>
+        <p:nvSpPr>
+          <p:cNvPr id="5" name="Rectangle 4">
+            <a:extLst>
+              <a:ext uri="{FF2B5EF4-FFF2-40B4-BE49-F238E27FC236}">
+                <a16:creationId xmlns:a16="http://schemas.microsoft.com/office/drawing/2014/main" id="{B7AB2CF1-4358-4406-9DCA-AA566EEE1156}"/>
+              </a:ext>
+            </a:extLst>
+          </p:cNvPr>
+          <p:cNvSpPr>
+            <a:spLocks noChangeArrowheads="1"/>
+          </p:cNvSpPr>
+          <p:nvPr/>
+        </p:nvSpPr>
+        <p:spPr bwMode="auto">
+          <a:xfrm>
+            <a:off x="6420159" y="1026543"/>
+            <a:ext cx="12192000" cy="457200"/>
+          </a:xfrm>
+          <a:prstGeom prst="rect">
+            <a:avLst/>
+          </a:prstGeom>
+          <a:noFill/>
+          <a:ln>
+            <a:noFill/>
+          </a:ln>
+          <a:effectLst/>
+          <a:extLst>
+            <a:ext uri="{909E8E84-426E-40DD-AFC4-6F175D3DCCD1}">
+              <a14:hiddenFill xmlns:a14="http://schemas.microsoft.com/office/drawing/2010/main">
+                <a:solidFill>
+                  <a:schemeClr val="accent1"/>
+                </a:solidFill>
+              </a14:hiddenFill>
+            </a:ext>
+            <a:ext uri="{91240B29-F687-4F45-9708-019B960494DF}">
+              <a14:hiddenLine xmlns:a14="http://schemas.microsoft.com/office/drawing/2010/main" w="9525">
+                <a:solidFill>
+                  <a:schemeClr val="tx1"/>
+                </a:solidFill>
+                <a:miter lim="800000"/>
+                <a:headEnd/>
+                <a:tailEnd/>
+              </a14:hiddenLine>
+            </a:ext>
+            <a:ext uri="{AF507438-7753-43E0-B8FC-AC1667EBCBE1}">
+              <a14:hiddenEffects xmlns:a14="http://schemas.microsoft.com/office/drawing/2010/main">
+                <a:effectLst>
+                  <a:outerShdw dist="35921" dir="2700000" algn="ctr" rotWithShape="0">
+                    <a:schemeClr val="bg2"/>
+                  </a:outerShdw>
+                </a:effectLst>
+              </a14:hiddenEffects>
+            </a:ext>
+          </a:extLst>
+        </p:spPr>
+        <p:txBody>
+          <a:bodyPr vert="horz" wrap="none" lIns="91440" tIns="45720" rIns="91440" bIns="45720" numCol="1" anchor="ctr" anchorCtr="0" compatLnSpc="1">
+            <a:prstTxWarp prst="textNoShape">
+              <a:avLst/>
+            </a:prstTxWarp>
+            <a:spAutoFit/>
+          </a:bodyPr>
+          <a:lstStyle/>
+          <a:p>
+            <a:endParaRPr lang="ko-KR" altLang="en-US"/>
+          </a:p>
+        </p:txBody>
+      </p:sp>
+      <p:pic>
+        <p:nvPicPr>
+          <p:cNvPr id="5123" name="_x160901360">
+            <a:extLst>
+              <a:ext uri="{FF2B5EF4-FFF2-40B4-BE49-F238E27FC236}">
+                <a16:creationId xmlns:a16="http://schemas.microsoft.com/office/drawing/2014/main" id="{9AF8ADBE-0F52-47C8-BBDB-69BD261A3C02}"/>
+              </a:ext>
+            </a:extLst>
+          </p:cNvPr>
+          <p:cNvPicPr>
+            <a:picLocks noChangeAspect="1" noChangeArrowheads="1"/>
+          </p:cNvPicPr>
+          <p:nvPr/>
+        </p:nvPicPr>
+        <p:blipFill>
+          <a:blip r:embed="rId3">
+            <a:extLst>
+              <a:ext uri="{28A0092B-C50C-407E-A947-70E740481C1C}">
+                <a14:useLocalDpi xmlns:a14="http://schemas.microsoft.com/office/drawing/2010/main" val="0"/>
+              </a:ext>
+            </a:extLst>
+          </a:blip>
+          <a:srcRect/>
+          <a:stretch>
+            <a:fillRect/>
+          </a:stretch>
+        </p:blipFill>
+        <p:spPr bwMode="auto">
+          <a:xfrm>
+            <a:off x="6420159" y="1851745"/>
+            <a:ext cx="2758347" cy="2503043"/>
+          </a:xfrm>
+          <a:prstGeom prst="rect">
+            <a:avLst/>
+          </a:prstGeom>
+          <a:noFill/>
+          <a:extLst>
+            <a:ext uri="{909E8E84-426E-40DD-AFC4-6F175D3DCCD1}">
+              <a14:hiddenFill xmlns:a14="http://schemas.microsoft.com/office/drawing/2010/main">
+                <a:solidFill>
+                  <a:srgbClr val="FFFFFF"/>
+                </a:solidFill>
+              </a14:hiddenFill>
+            </a:ext>
+          </a:extLst>
+        </p:spPr>
+      </p:pic>
+      <p:sp>
+        <p:nvSpPr>
+          <p:cNvPr id="8" name="직사각형 7">
+            <a:extLst>
+              <a:ext uri="{FF2B5EF4-FFF2-40B4-BE49-F238E27FC236}">
+                <a16:creationId xmlns:a16="http://schemas.microsoft.com/office/drawing/2014/main" id="{6A0CC669-2CC6-466A-836E-C3F827476862}"/>
+              </a:ext>
+            </a:extLst>
+          </p:cNvPr>
+          <p:cNvSpPr/>
+          <p:nvPr/>
+        </p:nvSpPr>
+        <p:spPr>
+          <a:xfrm>
+            <a:off x="6530195" y="1434814"/>
+            <a:ext cx="586597" cy="489558"/>
+          </a:xfrm>
+          <a:prstGeom prst="rect">
+            <a:avLst/>
+          </a:prstGeom>
+        </p:spPr>
+        <p:style>
+          <a:lnRef idx="2">
+            <a:schemeClr val="accent1">
+              <a:shade val="50000"/>
+            </a:schemeClr>
+          </a:lnRef>
+          <a:fillRef idx="1">
+            <a:schemeClr val="accent1"/>
+          </a:fillRef>
+          <a:effectRef idx="0">
+            <a:schemeClr val="accent1"/>
+          </a:effectRef>
+          <a:fontRef idx="minor">
+            <a:schemeClr val="lt1"/>
+          </a:fontRef>
+        </p:style>
+        <p:txBody>
+          <a:bodyPr rtlCol="0" anchor="ctr"/>
+          <a:lstStyle/>
+          <a:p>
+            <a:pPr algn="ctr"/>
+            <a:endParaRPr lang="ko-KR" altLang="en-US"/>
+          </a:p>
+        </p:txBody>
+      </p:sp>
+      <p:sp>
+        <p:nvSpPr>
+          <p:cNvPr id="9" name="화살표: 아래쪽 8">
+            <a:extLst>
+              <a:ext uri="{FF2B5EF4-FFF2-40B4-BE49-F238E27FC236}">
+                <a16:creationId xmlns:a16="http://schemas.microsoft.com/office/drawing/2014/main" id="{D289D185-33C9-4299-84AE-87BCBEB16F5B}"/>
+              </a:ext>
+            </a:extLst>
+          </p:cNvPr>
+          <p:cNvSpPr/>
+          <p:nvPr/>
+        </p:nvSpPr>
+        <p:spPr>
+          <a:xfrm>
+            <a:off x="6650245" y="1851745"/>
+            <a:ext cx="346495" cy="1805856"/>
+          </a:xfrm>
+          <a:prstGeom prst="downArrow">
+            <a:avLst/>
+          </a:prstGeom>
+        </p:spPr>
+        <p:style>
+          <a:lnRef idx="2">
+            <a:schemeClr val="accent1">
+              <a:shade val="50000"/>
+            </a:schemeClr>
+          </a:lnRef>
+          <a:fillRef idx="1">
+            <a:schemeClr val="accent1"/>
+          </a:fillRef>
+          <a:effectRef idx="0">
+            <a:schemeClr val="accent1"/>
+          </a:effectRef>
+          <a:fontRef idx="minor">
+            <a:schemeClr val="lt1"/>
+          </a:fontRef>
+        </p:style>
+        <p:txBody>
+          <a:bodyPr rtlCol="0" anchor="ctr"/>
+          <a:lstStyle/>
+          <a:p>
+            <a:pPr algn="ctr"/>
+            <a:endParaRPr lang="ko-KR" altLang="en-US"/>
+          </a:p>
+        </p:txBody>
+      </p:sp>
+      <p:sp>
+        <p:nvSpPr>
+          <p:cNvPr id="6" name="TextBox 5">
+            <a:extLst>
+              <a:ext uri="{FF2B5EF4-FFF2-40B4-BE49-F238E27FC236}">
+                <a16:creationId xmlns:a16="http://schemas.microsoft.com/office/drawing/2014/main" id="{96672EC3-EA48-4570-AC21-6B7F1E12A115}"/>
+              </a:ext>
+            </a:extLst>
+          </p:cNvPr>
+          <p:cNvSpPr txBox="1"/>
+          <p:nvPr/>
+        </p:nvSpPr>
+        <p:spPr>
+          <a:xfrm>
+            <a:off x="3459192" y="4459857"/>
+            <a:ext cx="7914346" cy="923330"/>
+          </a:xfrm>
+          <a:prstGeom prst="rect">
+            <a:avLst/>
+          </a:prstGeom>
+          <a:noFill/>
+        </p:spPr>
+        <p:txBody>
+          <a:bodyPr wrap="none" rtlCol="0">
+            <a:spAutoFit/>
+          </a:bodyPr>
+          <a:lstStyle/>
+          <a:p>
+            <a:r>
+              <a:rPr lang="ko-KR" altLang="en-US"/>
+              <a:t>이 경우</a:t>
+            </a:r>
+            <a:r>
+              <a:rPr lang="en-US" altLang="ko-KR"/>
+              <a:t>, </a:t>
+            </a:r>
+            <a:r>
+              <a:rPr lang="ko-KR" altLang="en-US"/>
+              <a:t>부모도 </a:t>
+            </a:r>
+            <a:r>
+              <a:rPr lang="en-US" altLang="ko-KR"/>
+              <a:t>static</a:t>
+            </a:r>
+            <a:r>
+              <a:rPr lang="ko-KR" altLang="en-US"/>
+              <a:t>이고 조부모도 </a:t>
+            </a:r>
+            <a:r>
+              <a:rPr lang="en-US" altLang="ko-KR"/>
+              <a:t>static</a:t>
+            </a:r>
+            <a:r>
+              <a:rPr lang="ko-KR" altLang="en-US"/>
+              <a:t>이기 때문에 화면 왼쪽 위가 기준</a:t>
+            </a:r>
+            <a:endParaRPr lang="en-US" altLang="ko-KR"/>
+          </a:p>
+          <a:p>
+            <a:endParaRPr lang="en-US" altLang="ko-KR"/>
+          </a:p>
+          <a:p>
+            <a:r>
+              <a:rPr lang="ko-KR" altLang="en-US"/>
+              <a:t>화면 왼쪽 끝을 기준으로 </a:t>
+            </a:r>
+            <a:r>
+              <a:rPr lang="en-US" altLang="ko-KR"/>
+              <a:t>50px </a:t>
+            </a:r>
+            <a:r>
+              <a:rPr lang="ko-KR" altLang="en-US"/>
+              <a:t>내려옴</a:t>
+            </a:r>
+          </a:p>
+        </p:txBody>
+      </p:sp>
+    </p:spTree>
+    <p:extLst>
+      <p:ext uri="{BB962C8B-B14F-4D97-AF65-F5344CB8AC3E}">
+        <p14:creationId xmlns:p14="http://schemas.microsoft.com/office/powerpoint/2010/main" val="3912018626"/>
+      </p:ext>
+    </p:extLst>
+  </p:cSld>
+  <p:clrMapOvr>
+    <a:masterClrMapping/>
+  </p:clrMapOvr>
+</p:sld>
+</file>
+
+<file path=ppt/slides/slide19.xml><?xml version="1.0" encoding="utf-8"?>
+<p:sld xmlns:a="http://schemas.openxmlformats.org/drawingml/2006/main" xmlns:r="http://schemas.openxmlformats.org/officeDocument/2006/relationships" xmlns:p="http://schemas.openxmlformats.org/presentationml/2006/main">
+  <p:cSld>
+    <p:spTree>
+      <p:nvGrpSpPr>
+        <p:cNvPr id="1" name=""/>
+        <p:cNvGrpSpPr/>
+        <p:nvPr/>
+      </p:nvGrpSpPr>
+      <p:grpSpPr>
+        <a:xfrm>
+          <a:off x="0" y="0"/>
+          <a:ext cx="0" cy="0"/>
+          <a:chOff x="0" y="0"/>
+          <a:chExt cx="0" cy="0"/>
+        </a:xfrm>
+      </p:grpSpPr>
+      <p:sp>
+        <p:nvSpPr>
+          <p:cNvPr id="2" name="제목 1">
+            <a:extLst>
+              <a:ext uri="{FF2B5EF4-FFF2-40B4-BE49-F238E27FC236}">
+                <a16:creationId xmlns:a16="http://schemas.microsoft.com/office/drawing/2014/main" id="{F3ADA2C5-E22C-41FD-847B-9EF1B0B31DD9}"/>
+              </a:ext>
+            </a:extLst>
+          </p:cNvPr>
+          <p:cNvSpPr>
+            <a:spLocks noGrp="1"/>
+          </p:cNvSpPr>
+          <p:nvPr>
+            <p:ph type="title"/>
+          </p:nvPr>
+        </p:nvSpPr>
+        <p:spPr/>
+        <p:txBody>
+          <a:bodyPr/>
+          <a:lstStyle/>
+          <a:p>
+            <a:r>
+              <a:rPr lang="en-US" altLang="ko-KR"/>
+              <a:t>3. fixed</a:t>
+            </a:r>
+            <a:endParaRPr lang="ko-KR" altLang="en-US"/>
+          </a:p>
+        </p:txBody>
+      </p:sp>
+      <p:sp>
+        <p:nvSpPr>
+          <p:cNvPr id="3" name="내용 개체 틀 2">
+            <a:extLst>
+              <a:ext uri="{FF2B5EF4-FFF2-40B4-BE49-F238E27FC236}">
+                <a16:creationId xmlns:a16="http://schemas.microsoft.com/office/drawing/2014/main" id="{5C0F60A0-C8B0-498B-BE4B-F92FF31F341A}"/>
+              </a:ext>
+            </a:extLst>
+          </p:cNvPr>
+          <p:cNvSpPr>
+            <a:spLocks noGrp="1"/>
+          </p:cNvSpPr>
+          <p:nvPr>
+            <p:ph idx="1"/>
+          </p:nvPr>
+        </p:nvSpPr>
+        <p:spPr/>
+        <p:txBody>
+          <a:bodyPr/>
+          <a:lstStyle/>
+          <a:p>
+            <a:r>
+              <a:rPr lang="ko-KR" altLang="en-US"/>
+              <a:t>시조 태그의 위치가 기준</a:t>
+            </a:r>
+            <a:endParaRPr lang="en-US" altLang="ko-KR"/>
+          </a:p>
+          <a:p>
+            <a:r>
+              <a:rPr lang="ko-KR" altLang="en-US"/>
+              <a:t>스크롤도 무시</a:t>
+            </a:r>
+            <a:endParaRPr lang="en-US" altLang="ko-KR"/>
+          </a:p>
+          <a:p>
+            <a:r>
+              <a:rPr lang="en-US" altLang="ko-KR"/>
+              <a:t>display</a:t>
+            </a:r>
+            <a:r>
+              <a:rPr lang="ko-KR" altLang="en-US"/>
+              <a:t>는 더 이상 </a:t>
+            </a:r>
+            <a:r>
+              <a:rPr lang="en-US" altLang="ko-KR"/>
+              <a:t>block </a:t>
+            </a:r>
+            <a:r>
+              <a:rPr lang="ko-KR" altLang="en-US"/>
+              <a:t>이 아님</a:t>
+            </a:r>
+          </a:p>
+        </p:txBody>
+      </p:sp>
+    </p:spTree>
+    <p:extLst>
+      <p:ext uri="{BB962C8B-B14F-4D97-AF65-F5344CB8AC3E}">
+        <p14:creationId xmlns:p14="http://schemas.microsoft.com/office/powerpoint/2010/main" val="4227503718"/>
       </p:ext>
     </p:extLst>
   </p:cSld>
@@ -3546,117 +6903,12 @@
           <a:chExt cx="0" cy="0"/>
         </a:xfrm>
       </p:grpSpPr>
-      <p:sp>
-        <p:nvSpPr>
-          <p:cNvPr id="3" name="내용 개체 틀 2">
-            <a:extLst>
-              <a:ext uri="{FF2B5EF4-FFF2-40B4-BE49-F238E27FC236}">
-                <a16:creationId xmlns:a16="http://schemas.microsoft.com/office/drawing/2014/main" id="{936E4CD2-E240-4C05-A072-9FCDED74C856}"/>
-              </a:ext>
-            </a:extLst>
-          </p:cNvPr>
-          <p:cNvSpPr>
-            <a:spLocks noGrp="1"/>
-          </p:cNvSpPr>
-          <p:nvPr>
-            <p:ph idx="1"/>
-          </p:nvPr>
-        </p:nvSpPr>
-        <p:spPr>
-          <a:xfrm>
-            <a:off x="8020078" y="1891309"/>
-            <a:ext cx="3662964" cy="2042336"/>
-          </a:xfrm>
-        </p:spPr>
-        <p:txBody>
-          <a:bodyPr>
-            <a:normAutofit/>
-          </a:bodyPr>
-          <a:lstStyle/>
-          <a:p>
-            <a:r>
-              <a:rPr lang="en-US" altLang="ko-KR" sz="1400"/>
-              <a:t>border</a:t>
-            </a:r>
-            <a:r>
-              <a:rPr lang="ko-KR" altLang="en-US" sz="1400"/>
-              <a:t>는 경계선</a:t>
-            </a:r>
-            <a:endParaRPr lang="en-US" altLang="ko-KR" sz="1400"/>
-          </a:p>
-          <a:p>
-            <a:r>
-              <a:rPr lang="en-US" altLang="ko-KR" sz="1400"/>
-              <a:t>margin</a:t>
-            </a:r>
-            <a:r>
-              <a:rPr lang="ko-KR" altLang="en-US" sz="1400"/>
-              <a:t>의 순서는</a:t>
-            </a:r>
-            <a:endParaRPr lang="en-US" altLang="ko-KR" sz="1400"/>
-          </a:p>
-          <a:p>
-            <a:pPr lvl="1"/>
-            <a:r>
-              <a:rPr lang="en-US" altLang="ko-KR" sz="1400"/>
-              <a:t>top</a:t>
-            </a:r>
-          </a:p>
-          <a:p>
-            <a:pPr lvl="1"/>
-            <a:r>
-              <a:rPr lang="en-US" altLang="ko-KR" sz="1400"/>
-              <a:t>right</a:t>
-            </a:r>
-          </a:p>
-          <a:p>
-            <a:pPr lvl="1"/>
-            <a:r>
-              <a:rPr lang="en-US" altLang="ko-KR" sz="1400"/>
-              <a:t>bottom</a:t>
-            </a:r>
-          </a:p>
-          <a:p>
-            <a:pPr lvl="1"/>
-            <a:r>
-              <a:rPr lang="en-US" altLang="ko-KR" sz="1400"/>
-              <a:t>left</a:t>
-            </a:r>
-          </a:p>
-          <a:p>
-            <a:r>
-              <a:rPr lang="ko-KR" altLang="en-US" sz="1400"/>
-              <a:t>즉</a:t>
-            </a:r>
-            <a:r>
-              <a:rPr lang="en-US" altLang="ko-KR" sz="1400"/>
-              <a:t>, </a:t>
-            </a:r>
-            <a:r>
-              <a:rPr lang="ko-KR" altLang="en-US" sz="1400"/>
-              <a:t>시계방향이며</a:t>
-            </a:r>
-            <a:r>
-              <a:rPr lang="en-US" altLang="ko-KR" sz="1400"/>
-              <a:t>, </a:t>
-            </a:r>
-            <a:r>
-              <a:rPr lang="ko-KR" altLang="en-US" sz="1400"/>
-              <a:t>분리해서 쓸수도 있다</a:t>
-            </a:r>
-            <a:r>
-              <a:rPr lang="en-US" altLang="ko-KR" sz="1400"/>
-              <a:t>.</a:t>
-            </a:r>
-          </a:p>
-        </p:txBody>
-      </p:sp>
       <p:pic>
         <p:nvPicPr>
           <p:cNvPr id="5" name="그림 4">
             <a:extLst>
               <a:ext uri="{FF2B5EF4-FFF2-40B4-BE49-F238E27FC236}">
-                <a16:creationId xmlns:a16="http://schemas.microsoft.com/office/drawing/2014/main" id="{8EBC0B00-EEBB-4A3B-9FAD-80EE0EBB55D0}"/>
+                <a16:creationId xmlns:a16="http://schemas.microsoft.com/office/drawing/2014/main" id="{B3C8CF4B-3A9F-4A06-98E8-CF56B517E000}"/>
               </a:ext>
             </a:extLst>
           </p:cNvPr>
@@ -3673,8 +6925,8 @@
         </p:blipFill>
         <p:spPr>
           <a:xfrm>
-            <a:off x="3002511" y="1823465"/>
-            <a:ext cx="4546373" cy="3433167"/>
+            <a:off x="598422" y="670832"/>
+            <a:ext cx="10696575" cy="552450"/>
           </a:xfrm>
           <a:prstGeom prst="rect">
             <a:avLst/>
@@ -3686,7 +6938,7 @@
           <p:cNvPr id="7" name="그림 6">
             <a:extLst>
               <a:ext uri="{FF2B5EF4-FFF2-40B4-BE49-F238E27FC236}">
-                <a16:creationId xmlns:a16="http://schemas.microsoft.com/office/drawing/2014/main" id="{5F6F5C0C-35B7-43B1-8CCA-A9D5BEF532C0}"/>
+                <a16:creationId xmlns:a16="http://schemas.microsoft.com/office/drawing/2014/main" id="{767C8BC7-FC73-4995-9E81-87717B235B49}"/>
               </a:ext>
             </a:extLst>
           </p:cNvPr>
@@ -3703,8 +6955,8 @@
         </p:blipFill>
         <p:spPr>
           <a:xfrm>
-            <a:off x="419450" y="228068"/>
-            <a:ext cx="7033774" cy="1663241"/>
+            <a:off x="598422" y="1670180"/>
+            <a:ext cx="4362450" cy="2333625"/>
           </a:xfrm>
           <a:prstGeom prst="rect">
             <a:avLst/>
@@ -3716,7 +6968,7 @@
           <p:cNvPr id="9" name="그림 8">
             <a:extLst>
               <a:ext uri="{FF2B5EF4-FFF2-40B4-BE49-F238E27FC236}">
-                <a16:creationId xmlns:a16="http://schemas.microsoft.com/office/drawing/2014/main" id="{7F9F53E1-5845-4030-8946-3E7AC2EB1713}"/>
+                <a16:creationId xmlns:a16="http://schemas.microsoft.com/office/drawing/2014/main" id="{EECE3559-27B1-4AE0-AA2E-881D2E5C6A10}"/>
               </a:ext>
             </a:extLst>
           </p:cNvPr>
@@ -3733,20 +6985,50 @@
         </p:blipFill>
         <p:spPr>
           <a:xfrm>
-            <a:off x="483766" y="5188787"/>
-            <a:ext cx="4267200" cy="1590675"/>
+            <a:off x="6689368" y="2836992"/>
+            <a:ext cx="1743075" cy="571500"/>
           </a:xfrm>
           <a:prstGeom prst="rect">
             <a:avLst/>
           </a:prstGeom>
         </p:spPr>
       </p:pic>
+      <p:pic>
+        <p:nvPicPr>
+          <p:cNvPr id="11" name="그림 10">
+            <a:extLst>
+              <a:ext uri="{FF2B5EF4-FFF2-40B4-BE49-F238E27FC236}">
+                <a16:creationId xmlns:a16="http://schemas.microsoft.com/office/drawing/2014/main" id="{547EC71C-7EA5-4034-8820-56908A5228AC}"/>
+              </a:ext>
+            </a:extLst>
+          </p:cNvPr>
+          <p:cNvPicPr>
+            <a:picLocks noChangeAspect="1"/>
+          </p:cNvPicPr>
+          <p:nvPr/>
+        </p:nvPicPr>
+        <p:blipFill>
+          <a:blip r:embed="rId5"/>
+          <a:stretch>
+            <a:fillRect/>
+          </a:stretch>
+        </p:blipFill>
+        <p:spPr>
+          <a:xfrm>
+            <a:off x="598422" y="5044168"/>
+            <a:ext cx="5229225" cy="1143000"/>
+          </a:xfrm>
+          <a:prstGeom prst="rect">
+            <a:avLst/>
+          </a:prstGeom>
+        </p:spPr>
+      </p:pic>
       <p:sp>
         <p:nvSpPr>
           <p:cNvPr id="12" name="TextBox 11">
             <a:extLst>
               <a:ext uri="{FF2B5EF4-FFF2-40B4-BE49-F238E27FC236}">
-                <a16:creationId xmlns:a16="http://schemas.microsoft.com/office/drawing/2014/main" id="{7915C8E0-020E-47D2-ACAB-D70ED0A556BE}"/>
+                <a16:creationId xmlns:a16="http://schemas.microsoft.com/office/drawing/2014/main" id="{E8F5B2C1-7917-465F-B301-1736181167F2}"/>
               </a:ext>
             </a:extLst>
           </p:cNvPr>
@@ -3755,7 +7037,7 @@
         </p:nvSpPr>
         <p:spPr>
           <a:xfrm>
-            <a:off x="483766" y="4748625"/>
+            <a:off x="598422" y="4818488"/>
             <a:ext cx="697627" cy="369332"/>
           </a:xfrm>
           <a:prstGeom prst="rect">
@@ -3781,12 +7063,390 @@
           </a:p>
         </p:txBody>
       </p:sp>
-      <p:sp>
-        <p:nvSpPr>
-          <p:cNvPr id="13" name="TextBox 12">
-            <a:extLst>
-              <a:ext uri="{FF2B5EF4-FFF2-40B4-BE49-F238E27FC236}">
-                <a16:creationId xmlns:a16="http://schemas.microsoft.com/office/drawing/2014/main" id="{F56C234A-0DEA-4849-9107-64294D40E7BD}"/>
+    </p:spTree>
+    <p:extLst>
+      <p:ext uri="{BB962C8B-B14F-4D97-AF65-F5344CB8AC3E}">
+        <p14:creationId xmlns:p14="http://schemas.microsoft.com/office/powerpoint/2010/main" val="3973144925"/>
+      </p:ext>
+    </p:extLst>
+  </p:cSld>
+  <p:clrMapOvr>
+    <a:masterClrMapping/>
+  </p:clrMapOvr>
+</p:sld>
+</file>
+
+<file path=ppt/slides/slide20.xml><?xml version="1.0" encoding="utf-8"?>
+<p:sld xmlns:a="http://schemas.openxmlformats.org/drawingml/2006/main" xmlns:r="http://schemas.openxmlformats.org/officeDocument/2006/relationships" xmlns:p="http://schemas.openxmlformats.org/presentationml/2006/main">
+  <p:cSld>
+    <p:spTree>
+      <p:nvGrpSpPr>
+        <p:cNvPr id="1" name=""/>
+        <p:cNvGrpSpPr/>
+        <p:nvPr/>
+      </p:nvGrpSpPr>
+      <p:grpSpPr>
+        <a:xfrm>
+          <a:off x="0" y="0"/>
+          <a:ext cx="0" cy="0"/>
+          <a:chOff x="0" y="0"/>
+          <a:chExt cx="0" cy="0"/>
+        </a:xfrm>
+      </p:grpSpPr>
+      <p:sp>
+        <p:nvSpPr>
+          <p:cNvPr id="4" name="Rectangle 2">
+            <a:extLst>
+              <a:ext uri="{FF2B5EF4-FFF2-40B4-BE49-F238E27FC236}">
+                <a16:creationId xmlns:a16="http://schemas.microsoft.com/office/drawing/2014/main" id="{D79AF1F8-274C-4DBE-9C71-DFA45842A26D}"/>
+              </a:ext>
+            </a:extLst>
+          </p:cNvPr>
+          <p:cNvSpPr>
+            <a:spLocks noChangeArrowheads="1"/>
+          </p:cNvSpPr>
+          <p:nvPr/>
+        </p:nvSpPr>
+        <p:spPr bwMode="auto">
+          <a:xfrm>
+            <a:off x="0" y="0"/>
+            <a:ext cx="12192000" cy="457200"/>
+          </a:xfrm>
+          <a:prstGeom prst="rect">
+            <a:avLst/>
+          </a:prstGeom>
+          <a:noFill/>
+          <a:ln>
+            <a:noFill/>
+          </a:ln>
+          <a:effectLst/>
+          <a:extLst>
+            <a:ext uri="{909E8E84-426E-40DD-AFC4-6F175D3DCCD1}">
+              <a14:hiddenFill xmlns:a14="http://schemas.microsoft.com/office/drawing/2010/main">
+                <a:solidFill>
+                  <a:schemeClr val="accent1"/>
+                </a:solidFill>
+              </a14:hiddenFill>
+            </a:ext>
+            <a:ext uri="{91240B29-F687-4F45-9708-019B960494DF}">
+              <a14:hiddenLine xmlns:a14="http://schemas.microsoft.com/office/drawing/2010/main" w="9525">
+                <a:solidFill>
+                  <a:schemeClr val="tx1"/>
+                </a:solidFill>
+                <a:miter lim="800000"/>
+                <a:headEnd/>
+                <a:tailEnd/>
+              </a14:hiddenLine>
+            </a:ext>
+            <a:ext uri="{AF507438-7753-43E0-B8FC-AC1667EBCBE1}">
+              <a14:hiddenEffects xmlns:a14="http://schemas.microsoft.com/office/drawing/2010/main">
+                <a:effectLst>
+                  <a:outerShdw dist="35921" dir="2700000" algn="ctr" rotWithShape="0">
+                    <a:schemeClr val="bg2"/>
+                  </a:outerShdw>
+                </a:effectLst>
+              </a14:hiddenEffects>
+            </a:ext>
+          </a:extLst>
+        </p:spPr>
+        <p:txBody>
+          <a:bodyPr vert="horz" wrap="none" lIns="91440" tIns="45720" rIns="91440" bIns="45720" numCol="1" anchor="ctr" anchorCtr="0" compatLnSpc="1">
+            <a:prstTxWarp prst="textNoShape">
+              <a:avLst/>
+            </a:prstTxWarp>
+            <a:spAutoFit/>
+          </a:bodyPr>
+          <a:lstStyle/>
+          <a:p>
+            <a:endParaRPr lang="ko-KR" altLang="en-US"/>
+          </a:p>
+        </p:txBody>
+      </p:sp>
+      <p:pic>
+        <p:nvPicPr>
+          <p:cNvPr id="6145" name="_x161341136">
+            <a:extLst>
+              <a:ext uri="{FF2B5EF4-FFF2-40B4-BE49-F238E27FC236}">
+                <a16:creationId xmlns:a16="http://schemas.microsoft.com/office/drawing/2014/main" id="{2D54BF34-7013-424D-B873-1859103BBDFB}"/>
+              </a:ext>
+            </a:extLst>
+          </p:cNvPr>
+          <p:cNvPicPr>
+            <a:picLocks noChangeAspect="1" noChangeArrowheads="1"/>
+          </p:cNvPicPr>
+          <p:nvPr/>
+        </p:nvPicPr>
+        <p:blipFill>
+          <a:blip r:embed="rId2">
+            <a:extLst>
+              <a:ext uri="{28A0092B-C50C-407E-A947-70E740481C1C}">
+                <a14:useLocalDpi xmlns:a14="http://schemas.microsoft.com/office/drawing/2010/main" val="0"/>
+              </a:ext>
+            </a:extLst>
+          </a:blip>
+          <a:srcRect/>
+          <a:stretch>
+            <a:fillRect/>
+          </a:stretch>
+        </p:blipFill>
+        <p:spPr bwMode="auto">
+          <a:xfrm>
+            <a:off x="695325" y="541090"/>
+            <a:ext cx="5879077" cy="3485626"/>
+          </a:xfrm>
+          <a:prstGeom prst="rect">
+            <a:avLst/>
+          </a:prstGeom>
+          <a:noFill/>
+          <a:extLst>
+            <a:ext uri="{909E8E84-426E-40DD-AFC4-6F175D3DCCD1}">
+              <a14:hiddenFill xmlns:a14="http://schemas.microsoft.com/office/drawing/2010/main">
+                <a:solidFill>
+                  <a:srgbClr val="FFFFFF"/>
+                </a:solidFill>
+              </a14:hiddenFill>
+            </a:ext>
+          </a:extLst>
+        </p:spPr>
+      </p:pic>
+      <p:sp>
+        <p:nvSpPr>
+          <p:cNvPr id="5" name="Rectangle 4">
+            <a:extLst>
+              <a:ext uri="{FF2B5EF4-FFF2-40B4-BE49-F238E27FC236}">
+                <a16:creationId xmlns:a16="http://schemas.microsoft.com/office/drawing/2014/main" id="{2CF3864F-4740-4D04-AC37-4A9BD1AC8DA1}"/>
+              </a:ext>
+            </a:extLst>
+          </p:cNvPr>
+          <p:cNvSpPr>
+            <a:spLocks noChangeArrowheads="1"/>
+          </p:cNvSpPr>
+          <p:nvPr/>
+        </p:nvSpPr>
+        <p:spPr bwMode="auto">
+          <a:xfrm>
+            <a:off x="7457812" y="629174"/>
+            <a:ext cx="12192000" cy="457200"/>
+          </a:xfrm>
+          <a:prstGeom prst="rect">
+            <a:avLst/>
+          </a:prstGeom>
+          <a:noFill/>
+          <a:ln>
+            <a:noFill/>
+          </a:ln>
+          <a:effectLst/>
+          <a:extLst>
+            <a:ext uri="{909E8E84-426E-40DD-AFC4-6F175D3DCCD1}">
+              <a14:hiddenFill xmlns:a14="http://schemas.microsoft.com/office/drawing/2010/main">
+                <a:solidFill>
+                  <a:schemeClr val="accent1"/>
+                </a:solidFill>
+              </a14:hiddenFill>
+            </a:ext>
+            <a:ext uri="{91240B29-F687-4F45-9708-019B960494DF}">
+              <a14:hiddenLine xmlns:a14="http://schemas.microsoft.com/office/drawing/2010/main" w="9525">
+                <a:solidFill>
+                  <a:schemeClr val="tx1"/>
+                </a:solidFill>
+                <a:miter lim="800000"/>
+                <a:headEnd/>
+                <a:tailEnd/>
+              </a14:hiddenLine>
+            </a:ext>
+            <a:ext uri="{AF507438-7753-43E0-B8FC-AC1667EBCBE1}">
+              <a14:hiddenEffects xmlns:a14="http://schemas.microsoft.com/office/drawing/2010/main">
+                <a:effectLst>
+                  <a:outerShdw dist="35921" dir="2700000" algn="ctr" rotWithShape="0">
+                    <a:schemeClr val="bg2"/>
+                  </a:outerShdw>
+                </a:effectLst>
+              </a14:hiddenEffects>
+            </a:ext>
+          </a:extLst>
+        </p:spPr>
+        <p:txBody>
+          <a:bodyPr vert="horz" wrap="none" lIns="91440" tIns="45720" rIns="91440" bIns="45720" numCol="1" anchor="ctr" anchorCtr="0" compatLnSpc="1">
+            <a:prstTxWarp prst="textNoShape">
+              <a:avLst/>
+            </a:prstTxWarp>
+            <a:spAutoFit/>
+          </a:bodyPr>
+          <a:lstStyle/>
+          <a:p>
+            <a:endParaRPr lang="ko-KR" altLang="en-US"/>
+          </a:p>
+        </p:txBody>
+      </p:sp>
+      <p:pic>
+        <p:nvPicPr>
+          <p:cNvPr id="6147" name="_x160899200">
+            <a:extLst>
+              <a:ext uri="{FF2B5EF4-FFF2-40B4-BE49-F238E27FC236}">
+                <a16:creationId xmlns:a16="http://schemas.microsoft.com/office/drawing/2014/main" id="{A23DEF44-37E6-42D5-BF1C-71FA7046F44D}"/>
+              </a:ext>
+            </a:extLst>
+          </p:cNvPr>
+          <p:cNvPicPr>
+            <a:picLocks noChangeAspect="1" noChangeArrowheads="1"/>
+          </p:cNvPicPr>
+          <p:nvPr/>
+        </p:nvPicPr>
+        <p:blipFill>
+          <a:blip r:embed="rId3">
+            <a:extLst>
+              <a:ext uri="{28A0092B-C50C-407E-A947-70E740481C1C}">
+                <a14:useLocalDpi xmlns:a14="http://schemas.microsoft.com/office/drawing/2010/main" val="0"/>
+              </a:ext>
+            </a:extLst>
+          </a:blip>
+          <a:srcRect/>
+          <a:stretch>
+            <a:fillRect/>
+          </a:stretch>
+        </p:blipFill>
+        <p:spPr bwMode="auto">
+          <a:xfrm>
+            <a:off x="591185" y="4424242"/>
+            <a:ext cx="4007537" cy="1717211"/>
+          </a:xfrm>
+          <a:prstGeom prst="rect">
+            <a:avLst/>
+          </a:prstGeom>
+          <a:noFill/>
+          <a:extLst>
+            <a:ext uri="{909E8E84-426E-40DD-AFC4-6F175D3DCCD1}">
+              <a14:hiddenFill xmlns:a14="http://schemas.microsoft.com/office/drawing/2010/main">
+                <a:solidFill>
+                  <a:srgbClr val="FFFFFF"/>
+                </a:solidFill>
+              </a14:hiddenFill>
+            </a:ext>
+          </a:extLst>
+        </p:spPr>
+      </p:pic>
+      <p:sp>
+        <p:nvSpPr>
+          <p:cNvPr id="6" name="Rectangle 6">
+            <a:extLst>
+              <a:ext uri="{FF2B5EF4-FFF2-40B4-BE49-F238E27FC236}">
+                <a16:creationId xmlns:a16="http://schemas.microsoft.com/office/drawing/2014/main" id="{EB5D0745-3BD1-4882-8E3D-38026A7E3577}"/>
+              </a:ext>
+            </a:extLst>
+          </p:cNvPr>
+          <p:cNvSpPr>
+            <a:spLocks noChangeArrowheads="1"/>
+          </p:cNvSpPr>
+          <p:nvPr/>
+        </p:nvSpPr>
+        <p:spPr bwMode="auto">
+          <a:xfrm>
+            <a:off x="7884543" y="541090"/>
+            <a:ext cx="12192000" cy="457200"/>
+          </a:xfrm>
+          <a:prstGeom prst="rect">
+            <a:avLst/>
+          </a:prstGeom>
+          <a:noFill/>
+          <a:ln>
+            <a:noFill/>
+          </a:ln>
+          <a:effectLst/>
+          <a:extLst>
+            <a:ext uri="{909E8E84-426E-40DD-AFC4-6F175D3DCCD1}">
+              <a14:hiddenFill xmlns:a14="http://schemas.microsoft.com/office/drawing/2010/main">
+                <a:solidFill>
+                  <a:schemeClr val="accent1"/>
+                </a:solidFill>
+              </a14:hiddenFill>
+            </a:ext>
+            <a:ext uri="{91240B29-F687-4F45-9708-019B960494DF}">
+              <a14:hiddenLine xmlns:a14="http://schemas.microsoft.com/office/drawing/2010/main" w="9525">
+                <a:solidFill>
+                  <a:schemeClr val="tx1"/>
+                </a:solidFill>
+                <a:miter lim="800000"/>
+                <a:headEnd/>
+                <a:tailEnd/>
+              </a14:hiddenLine>
+            </a:ext>
+            <a:ext uri="{AF507438-7753-43E0-B8FC-AC1667EBCBE1}">
+              <a14:hiddenEffects xmlns:a14="http://schemas.microsoft.com/office/drawing/2010/main">
+                <a:effectLst>
+                  <a:outerShdw dist="35921" dir="2700000" algn="ctr" rotWithShape="0">
+                    <a:schemeClr val="bg2"/>
+                  </a:outerShdw>
+                </a:effectLst>
+              </a14:hiddenEffects>
+            </a:ext>
+          </a:extLst>
+        </p:spPr>
+        <p:txBody>
+          <a:bodyPr vert="horz" wrap="none" lIns="91440" tIns="45720" rIns="91440" bIns="45720" numCol="1" anchor="ctr" anchorCtr="0" compatLnSpc="1">
+            <a:prstTxWarp prst="textNoShape">
+              <a:avLst/>
+            </a:prstTxWarp>
+            <a:spAutoFit/>
+          </a:bodyPr>
+          <a:lstStyle/>
+          <a:p>
+            <a:endParaRPr lang="ko-KR" altLang="en-US"/>
+          </a:p>
+        </p:txBody>
+      </p:sp>
+      <p:pic>
+        <p:nvPicPr>
+          <p:cNvPr id="6149" name="_x54965048">
+            <a:extLst>
+              <a:ext uri="{FF2B5EF4-FFF2-40B4-BE49-F238E27FC236}">
+                <a16:creationId xmlns:a16="http://schemas.microsoft.com/office/drawing/2014/main" id="{A8C295FB-4E6C-45B4-81BD-742D146615B5}"/>
+              </a:ext>
+            </a:extLst>
+          </p:cNvPr>
+          <p:cNvPicPr>
+            <a:picLocks noChangeAspect="1" noChangeArrowheads="1"/>
+          </p:cNvPicPr>
+          <p:nvPr/>
+        </p:nvPicPr>
+        <p:blipFill>
+          <a:blip r:embed="rId4">
+            <a:extLst>
+              <a:ext uri="{28A0092B-C50C-407E-A947-70E740481C1C}">
+                <a14:useLocalDpi xmlns:a14="http://schemas.microsoft.com/office/drawing/2010/main" val="0"/>
+              </a:ext>
+            </a:extLst>
+          </a:blip>
+          <a:srcRect/>
+          <a:stretch>
+            <a:fillRect/>
+          </a:stretch>
+        </p:blipFill>
+        <p:spPr bwMode="auto">
+          <a:xfrm>
+            <a:off x="7884543" y="998290"/>
+            <a:ext cx="3032125" cy="3551238"/>
+          </a:xfrm>
+          <a:prstGeom prst="rect">
+            <a:avLst/>
+          </a:prstGeom>
+          <a:noFill/>
+          <a:extLst>
+            <a:ext uri="{909E8E84-426E-40DD-AFC4-6F175D3DCCD1}">
+              <a14:hiddenFill xmlns:a14="http://schemas.microsoft.com/office/drawing/2010/main">
+                <a:solidFill>
+                  <a:srgbClr val="FFFFFF"/>
+                </a:solidFill>
+              </a14:hiddenFill>
+            </a:ext>
+          </a:extLst>
+        </p:spPr>
+      </p:pic>
+      <p:sp>
+        <p:nvSpPr>
+          <p:cNvPr id="7" name="TextBox 6">
+            <a:extLst>
+              <a:ext uri="{FF2B5EF4-FFF2-40B4-BE49-F238E27FC236}">
+                <a16:creationId xmlns:a16="http://schemas.microsoft.com/office/drawing/2014/main" id="{B832140A-8298-40FA-A219-81BA458DA8D3}"/>
               </a:ext>
             </a:extLst>
           </p:cNvPr>
@@ -3795,8 +7455,8 @@
         </p:nvSpPr>
         <p:spPr>
           <a:xfrm>
-            <a:off x="5193103" y="5660958"/>
-            <a:ext cx="3927678" cy="646331"/>
+            <a:off x="7884543" y="456984"/>
+            <a:ext cx="697627" cy="369332"/>
           </a:xfrm>
           <a:prstGeom prst="rect">
             <a:avLst/>
@@ -3811,38 +7471,1430 @@
           <a:p>
             <a:r>
               <a:rPr lang="ko-KR" altLang="en-US"/>
-              <a:t>이 경우</a:t>
+              <a:t>결과</a:t>
             </a:r>
             <a:r>
               <a:rPr lang="en-US" altLang="ko-KR"/>
-              <a:t>, </a:t>
-            </a:r>
-            <a:r>
-              <a:rPr lang="ko-KR" altLang="en-US"/>
-              <a:t>마진 겹침 현상이 나타난다</a:t>
+              <a:t>:</a:t>
+            </a:r>
+            <a:endParaRPr lang="ko-KR" altLang="en-US"/>
+          </a:p>
+        </p:txBody>
+      </p:sp>
+      <p:sp>
+        <p:nvSpPr>
+          <p:cNvPr id="8" name="TextBox 7">
+            <a:extLst>
+              <a:ext uri="{FF2B5EF4-FFF2-40B4-BE49-F238E27FC236}">
+                <a16:creationId xmlns:a16="http://schemas.microsoft.com/office/drawing/2014/main" id="{7EAB72EA-2689-4079-85BD-F4644B81738D}"/>
+              </a:ext>
+            </a:extLst>
+          </p:cNvPr>
+          <p:cNvSpPr txBox="1"/>
+          <p:nvPr/>
+        </p:nvSpPr>
+        <p:spPr>
+          <a:xfrm>
+            <a:off x="7884543" y="4886991"/>
+            <a:ext cx="3430747" cy="646331"/>
+          </a:xfrm>
+          <a:prstGeom prst="rect">
+            <a:avLst/>
+          </a:prstGeom>
+          <a:noFill/>
+        </p:spPr>
+        <p:txBody>
+          <a:bodyPr wrap="none" rtlCol="0">
+            <a:spAutoFit/>
+          </a:bodyPr>
+          <a:lstStyle/>
+          <a:p>
+            <a:r>
+              <a:rPr lang="ko-KR" altLang="en-US"/>
+              <a:t>시조 태그를 기준으로 </a:t>
             </a:r>
             <a:r>
               <a:rPr lang="en-US" altLang="ko-KR"/>
-              <a:t>.</a:t>
-            </a:r>
-          </a:p>
-          <a:p>
-            <a:r>
-              <a:rPr lang="ko-KR" altLang="en-US"/>
-              <a:t>마진이 큰 쪽의 태그를 따른다</a:t>
-            </a:r>
-            <a:r>
-              <a:rPr lang="en-US" altLang="ko-KR"/>
-              <a:t>.</a:t>
-            </a:r>
-            <a:endParaRPr lang="ko-KR" altLang="en-US"/>
+              <a:t>0px</a:t>
+            </a:r>
+          </a:p>
+          <a:p>
+            <a:r>
+              <a:rPr lang="ko-KR" altLang="en-US"/>
+              <a:t>스크롤을 내려도 움직이지 않음</a:t>
+            </a:r>
           </a:p>
         </p:txBody>
       </p:sp>
     </p:spTree>
     <p:extLst>
       <p:ext uri="{BB962C8B-B14F-4D97-AF65-F5344CB8AC3E}">
-        <p14:creationId xmlns:p14="http://schemas.microsoft.com/office/powerpoint/2010/main" val="1087538866"/>
+        <p14:creationId xmlns:p14="http://schemas.microsoft.com/office/powerpoint/2010/main" val="1860441412"/>
+      </p:ext>
+    </p:extLst>
+  </p:cSld>
+  <p:clrMapOvr>
+    <a:masterClrMapping/>
+  </p:clrMapOvr>
+</p:sld>
+</file>
+
+<file path=ppt/slides/slide21.xml><?xml version="1.0" encoding="utf-8"?>
+<p:sld xmlns:a="http://schemas.openxmlformats.org/drawingml/2006/main" xmlns:r="http://schemas.openxmlformats.org/officeDocument/2006/relationships" xmlns:p="http://schemas.openxmlformats.org/presentationml/2006/main">
+  <p:cSld>
+    <p:spTree>
+      <p:nvGrpSpPr>
+        <p:cNvPr id="1" name=""/>
+        <p:cNvGrpSpPr/>
+        <p:nvPr/>
+      </p:nvGrpSpPr>
+      <p:grpSpPr>
+        <a:xfrm>
+          <a:off x="0" y="0"/>
+          <a:ext cx="0" cy="0"/>
+          <a:chOff x="0" y="0"/>
+          <a:chExt cx="0" cy="0"/>
+        </a:xfrm>
+      </p:grpSpPr>
+      <p:sp>
+        <p:nvSpPr>
+          <p:cNvPr id="2" name="제목 1">
+            <a:extLst>
+              <a:ext uri="{FF2B5EF4-FFF2-40B4-BE49-F238E27FC236}">
+                <a16:creationId xmlns:a16="http://schemas.microsoft.com/office/drawing/2014/main" id="{51970B80-A215-44C6-AF19-226E94C24C26}"/>
+              </a:ext>
+            </a:extLst>
+          </p:cNvPr>
+          <p:cNvSpPr>
+            <a:spLocks noGrp="1"/>
+          </p:cNvSpPr>
+          <p:nvPr>
+            <p:ph type="title"/>
+          </p:nvPr>
+        </p:nvSpPr>
+        <p:spPr/>
+        <p:txBody>
+          <a:bodyPr/>
+          <a:lstStyle/>
+          <a:p>
+            <a:r>
+              <a:rPr lang="ko-KR" altLang="en-US"/>
+              <a:t>레이아웃</a:t>
+            </a:r>
+            <a:r>
+              <a:rPr lang="en-US" altLang="ko-KR"/>
+              <a:t>		grid </a:t>
+            </a:r>
+            <a:r>
+              <a:rPr lang="ko-KR" altLang="en-US"/>
+              <a:t>사용</a:t>
+            </a:r>
+          </a:p>
+        </p:txBody>
+      </p:sp>
+      <p:pic>
+        <p:nvPicPr>
+          <p:cNvPr id="5" name="그림 4">
+            <a:extLst>
+              <a:ext uri="{FF2B5EF4-FFF2-40B4-BE49-F238E27FC236}">
+                <a16:creationId xmlns:a16="http://schemas.microsoft.com/office/drawing/2014/main" id="{675C7775-C05A-4A0E-BE7A-F3823A46FA33}"/>
+              </a:ext>
+            </a:extLst>
+          </p:cNvPr>
+          <p:cNvPicPr>
+            <a:picLocks noChangeAspect="1"/>
+          </p:cNvPicPr>
+          <p:nvPr/>
+        </p:nvPicPr>
+        <p:blipFill>
+          <a:blip r:embed="rId2"/>
+          <a:stretch>
+            <a:fillRect/>
+          </a:stretch>
+        </p:blipFill>
+        <p:spPr>
+          <a:xfrm>
+            <a:off x="838200" y="1446158"/>
+            <a:ext cx="8496768" cy="5046717"/>
+          </a:xfrm>
+          <a:prstGeom prst="rect">
+            <a:avLst/>
+          </a:prstGeom>
+        </p:spPr>
+      </p:pic>
+    </p:spTree>
+    <p:extLst>
+      <p:ext uri="{BB962C8B-B14F-4D97-AF65-F5344CB8AC3E}">
+        <p14:creationId xmlns:p14="http://schemas.microsoft.com/office/powerpoint/2010/main" val="1839145969"/>
+      </p:ext>
+    </p:extLst>
+  </p:cSld>
+  <p:clrMapOvr>
+    <a:masterClrMapping/>
+  </p:clrMapOvr>
+</p:sld>
+</file>
+
+<file path=ppt/slides/slide22.xml><?xml version="1.0" encoding="utf-8"?>
+<p:sld xmlns:a="http://schemas.openxmlformats.org/drawingml/2006/main" xmlns:r="http://schemas.openxmlformats.org/officeDocument/2006/relationships" xmlns:p="http://schemas.openxmlformats.org/presentationml/2006/main">
+  <p:cSld>
+    <p:spTree>
+      <p:nvGrpSpPr>
+        <p:cNvPr id="1" name=""/>
+        <p:cNvGrpSpPr/>
+        <p:nvPr/>
+      </p:nvGrpSpPr>
+      <p:grpSpPr>
+        <a:xfrm>
+          <a:off x="0" y="0"/>
+          <a:ext cx="0" cy="0"/>
+          <a:chOff x="0" y="0"/>
+          <a:chExt cx="0" cy="0"/>
+        </a:xfrm>
+      </p:grpSpPr>
+      <p:pic>
+        <p:nvPicPr>
+          <p:cNvPr id="5" name="그림 4">
+            <a:extLst>
+              <a:ext uri="{FF2B5EF4-FFF2-40B4-BE49-F238E27FC236}">
+                <a16:creationId xmlns:a16="http://schemas.microsoft.com/office/drawing/2014/main" id="{AB76FF4C-6B7F-49AA-AE2B-AB6E0A1CA562}"/>
+              </a:ext>
+            </a:extLst>
+          </p:cNvPr>
+          <p:cNvPicPr>
+            <a:picLocks noChangeAspect="1"/>
+          </p:cNvPicPr>
+          <p:nvPr/>
+        </p:nvPicPr>
+        <p:blipFill>
+          <a:blip r:embed="rId2"/>
+          <a:stretch>
+            <a:fillRect/>
+          </a:stretch>
+        </p:blipFill>
+        <p:spPr>
+          <a:xfrm>
+            <a:off x="390697" y="608708"/>
+            <a:ext cx="4961477" cy="1723217"/>
+          </a:xfrm>
+          <a:prstGeom prst="rect">
+            <a:avLst/>
+          </a:prstGeom>
+        </p:spPr>
+      </p:pic>
+      <p:pic>
+        <p:nvPicPr>
+          <p:cNvPr id="7" name="그림 6">
+            <a:extLst>
+              <a:ext uri="{FF2B5EF4-FFF2-40B4-BE49-F238E27FC236}">
+                <a16:creationId xmlns:a16="http://schemas.microsoft.com/office/drawing/2014/main" id="{3D3E886B-2059-4F88-87B9-51F704D38028}"/>
+              </a:ext>
+            </a:extLst>
+          </p:cNvPr>
+          <p:cNvPicPr>
+            <a:picLocks noChangeAspect="1"/>
+          </p:cNvPicPr>
+          <p:nvPr/>
+        </p:nvPicPr>
+        <p:blipFill>
+          <a:blip r:embed="rId3"/>
+          <a:stretch>
+            <a:fillRect/>
+          </a:stretch>
+        </p:blipFill>
+        <p:spPr>
+          <a:xfrm>
+            <a:off x="6839827" y="415867"/>
+            <a:ext cx="3615257" cy="2108900"/>
+          </a:xfrm>
+          <a:prstGeom prst="rect">
+            <a:avLst/>
+          </a:prstGeom>
+        </p:spPr>
+      </p:pic>
+      <p:pic>
+        <p:nvPicPr>
+          <p:cNvPr id="9" name="그림 8">
+            <a:extLst>
+              <a:ext uri="{FF2B5EF4-FFF2-40B4-BE49-F238E27FC236}">
+                <a16:creationId xmlns:a16="http://schemas.microsoft.com/office/drawing/2014/main" id="{675CF3FF-F9FB-4499-8A5D-CFC0DD6AB0F2}"/>
+              </a:ext>
+            </a:extLst>
+          </p:cNvPr>
+          <p:cNvPicPr>
+            <a:picLocks noChangeAspect="1"/>
+          </p:cNvPicPr>
+          <p:nvPr/>
+        </p:nvPicPr>
+        <p:blipFill>
+          <a:blip r:embed="rId4"/>
+          <a:stretch>
+            <a:fillRect/>
+          </a:stretch>
+        </p:blipFill>
+        <p:spPr>
+          <a:xfrm>
+            <a:off x="6004753" y="3128818"/>
+            <a:ext cx="5849326" cy="2408832"/>
+          </a:xfrm>
+          <a:prstGeom prst="rect">
+            <a:avLst/>
+          </a:prstGeom>
+        </p:spPr>
+      </p:pic>
+      <p:pic>
+        <p:nvPicPr>
+          <p:cNvPr id="10" name="그림 9">
+            <a:extLst>
+              <a:ext uri="{FF2B5EF4-FFF2-40B4-BE49-F238E27FC236}">
+                <a16:creationId xmlns:a16="http://schemas.microsoft.com/office/drawing/2014/main" id="{768237FB-1809-4258-9233-BF8B245C0B76}"/>
+              </a:ext>
+            </a:extLst>
+          </p:cNvPr>
+          <p:cNvPicPr>
+            <a:picLocks noChangeAspect="1"/>
+          </p:cNvPicPr>
+          <p:nvPr/>
+        </p:nvPicPr>
+        <p:blipFill>
+          <a:blip r:embed="rId5"/>
+          <a:stretch>
+            <a:fillRect/>
+          </a:stretch>
+        </p:blipFill>
+        <p:spPr>
+          <a:xfrm>
+            <a:off x="225698" y="2771125"/>
+            <a:ext cx="5291474" cy="3142909"/>
+          </a:xfrm>
+          <a:prstGeom prst="rect">
+            <a:avLst/>
+          </a:prstGeom>
+        </p:spPr>
+      </p:pic>
+    </p:spTree>
+    <p:extLst>
+      <p:ext uri="{BB962C8B-B14F-4D97-AF65-F5344CB8AC3E}">
+        <p14:creationId xmlns:p14="http://schemas.microsoft.com/office/powerpoint/2010/main" val="1656547497"/>
+      </p:ext>
+    </p:extLst>
+  </p:cSld>
+  <p:clrMapOvr>
+    <a:masterClrMapping/>
+  </p:clrMapOvr>
+</p:sld>
+</file>
+
+<file path=ppt/slides/slide23.xml><?xml version="1.0" encoding="utf-8"?>
+<p:sld xmlns:a="http://schemas.openxmlformats.org/drawingml/2006/main" xmlns:r="http://schemas.openxmlformats.org/officeDocument/2006/relationships" xmlns:p="http://schemas.openxmlformats.org/presentationml/2006/main">
+  <p:cSld>
+    <p:spTree>
+      <p:nvGrpSpPr>
+        <p:cNvPr id="1" name=""/>
+        <p:cNvGrpSpPr/>
+        <p:nvPr/>
+      </p:nvGrpSpPr>
+      <p:grpSpPr>
+        <a:xfrm>
+          <a:off x="0" y="0"/>
+          <a:ext cx="0" cy="0"/>
+          <a:chOff x="0" y="0"/>
+          <a:chExt cx="0" cy="0"/>
+        </a:xfrm>
+      </p:grpSpPr>
+      <p:sp>
+        <p:nvSpPr>
+          <p:cNvPr id="2" name="제목 1">
+            <a:extLst>
+              <a:ext uri="{FF2B5EF4-FFF2-40B4-BE49-F238E27FC236}">
+                <a16:creationId xmlns:a16="http://schemas.microsoft.com/office/drawing/2014/main" id="{3E5575CE-B472-45B8-B72E-BFB1F2ECFF1E}"/>
+              </a:ext>
+            </a:extLst>
+          </p:cNvPr>
+          <p:cNvSpPr>
+            <a:spLocks noGrp="1"/>
+          </p:cNvSpPr>
+          <p:nvPr>
+            <p:ph type="title"/>
+          </p:nvPr>
+        </p:nvSpPr>
+        <p:spPr/>
+        <p:txBody>
+          <a:bodyPr/>
+          <a:lstStyle/>
+          <a:p>
+            <a:r>
+              <a:rPr lang="ko-KR" altLang="en-US"/>
+              <a:t>부모 태그 만들기</a:t>
+            </a:r>
+          </a:p>
+        </p:txBody>
+      </p:sp>
+      <p:sp>
+        <p:nvSpPr>
+          <p:cNvPr id="3" name="내용 개체 틀 2">
+            <a:extLst>
+              <a:ext uri="{FF2B5EF4-FFF2-40B4-BE49-F238E27FC236}">
+                <a16:creationId xmlns:a16="http://schemas.microsoft.com/office/drawing/2014/main" id="{EE6A8D14-D979-422C-ADD9-1A8C43665A62}"/>
+              </a:ext>
+            </a:extLst>
+          </p:cNvPr>
+          <p:cNvSpPr>
+            <a:spLocks noGrp="1"/>
+          </p:cNvSpPr>
+          <p:nvPr>
+            <p:ph idx="1"/>
+          </p:nvPr>
+        </p:nvSpPr>
+        <p:spPr>
+          <a:xfrm>
+            <a:off x="838200" y="1593907"/>
+            <a:ext cx="10515600" cy="623451"/>
+          </a:xfrm>
+        </p:spPr>
+        <p:txBody>
+          <a:bodyPr/>
+          <a:lstStyle/>
+          <a:p>
+            <a:r>
+              <a:rPr lang="en-US" altLang="ko-KR"/>
+              <a:t>grid</a:t>
+            </a:r>
+            <a:r>
+              <a:rPr lang="ko-KR" altLang="en-US"/>
+              <a:t> 는 부모태그에서 사용한다</a:t>
+            </a:r>
+          </a:p>
+        </p:txBody>
+      </p:sp>
+      <p:pic>
+        <p:nvPicPr>
+          <p:cNvPr id="5" name="그림 4">
+            <a:extLst>
+              <a:ext uri="{FF2B5EF4-FFF2-40B4-BE49-F238E27FC236}">
+                <a16:creationId xmlns:a16="http://schemas.microsoft.com/office/drawing/2014/main" id="{99297927-CDCF-4F7E-8E62-397459A03D44}"/>
+              </a:ext>
+            </a:extLst>
+          </p:cNvPr>
+          <p:cNvPicPr>
+            <a:picLocks noChangeAspect="1"/>
+          </p:cNvPicPr>
+          <p:nvPr/>
+        </p:nvPicPr>
+        <p:blipFill>
+          <a:blip r:embed="rId2"/>
+          <a:stretch>
+            <a:fillRect/>
+          </a:stretch>
+        </p:blipFill>
+        <p:spPr>
+          <a:xfrm>
+            <a:off x="964733" y="2326415"/>
+            <a:ext cx="5476744" cy="2542989"/>
+          </a:xfrm>
+          <a:prstGeom prst="rect">
+            <a:avLst/>
+          </a:prstGeom>
+        </p:spPr>
+      </p:pic>
+      <p:pic>
+        <p:nvPicPr>
+          <p:cNvPr id="7" name="그림 6">
+            <a:extLst>
+              <a:ext uri="{FF2B5EF4-FFF2-40B4-BE49-F238E27FC236}">
+                <a16:creationId xmlns:a16="http://schemas.microsoft.com/office/drawing/2014/main" id="{276DA148-26B8-4482-A5A8-C42E566C6DDC}"/>
+              </a:ext>
+            </a:extLst>
+          </p:cNvPr>
+          <p:cNvPicPr>
+            <a:picLocks noChangeAspect="1"/>
+          </p:cNvPicPr>
+          <p:nvPr/>
+        </p:nvPicPr>
+        <p:blipFill>
+          <a:blip r:embed="rId3"/>
+          <a:stretch>
+            <a:fillRect/>
+          </a:stretch>
+        </p:blipFill>
+        <p:spPr>
+          <a:xfrm>
+            <a:off x="6763122" y="2872153"/>
+            <a:ext cx="5324068" cy="1253023"/>
+          </a:xfrm>
+          <a:prstGeom prst="rect">
+            <a:avLst/>
+          </a:prstGeom>
+        </p:spPr>
+      </p:pic>
+      <p:pic>
+        <p:nvPicPr>
+          <p:cNvPr id="9" name="그림 8">
+            <a:extLst>
+              <a:ext uri="{FF2B5EF4-FFF2-40B4-BE49-F238E27FC236}">
+                <a16:creationId xmlns:a16="http://schemas.microsoft.com/office/drawing/2014/main" id="{4D8EF3DB-310E-4559-A742-7AD7EC691FBC}"/>
+              </a:ext>
+            </a:extLst>
+          </p:cNvPr>
+          <p:cNvPicPr>
+            <a:picLocks noChangeAspect="1"/>
+          </p:cNvPicPr>
+          <p:nvPr/>
+        </p:nvPicPr>
+        <p:blipFill>
+          <a:blip r:embed="rId4"/>
+          <a:stretch>
+            <a:fillRect/>
+          </a:stretch>
+        </p:blipFill>
+        <p:spPr>
+          <a:xfrm>
+            <a:off x="5201174" y="5049352"/>
+            <a:ext cx="6950540" cy="1808648"/>
+          </a:xfrm>
+          <a:prstGeom prst="rect">
+            <a:avLst/>
+          </a:prstGeom>
+        </p:spPr>
+      </p:pic>
+      <p:sp>
+        <p:nvSpPr>
+          <p:cNvPr id="10" name="직사각형 9">
+            <a:extLst>
+              <a:ext uri="{FF2B5EF4-FFF2-40B4-BE49-F238E27FC236}">
+                <a16:creationId xmlns:a16="http://schemas.microsoft.com/office/drawing/2014/main" id="{664B659D-912B-4097-A53C-B578298270DD}"/>
+              </a:ext>
+            </a:extLst>
+          </p:cNvPr>
+          <p:cNvSpPr/>
+          <p:nvPr/>
+        </p:nvSpPr>
+        <p:spPr>
+          <a:xfrm>
+            <a:off x="7256477" y="3197119"/>
+            <a:ext cx="4830713" cy="603093"/>
+          </a:xfrm>
+          <a:prstGeom prst="rect">
+            <a:avLst/>
+          </a:prstGeom>
+          <a:noFill/>
+          <a:ln>
+            <a:solidFill>
+              <a:srgbClr val="FF0000"/>
+            </a:solidFill>
+          </a:ln>
+        </p:spPr>
+        <p:style>
+          <a:lnRef idx="2">
+            <a:schemeClr val="accent1">
+              <a:shade val="50000"/>
+            </a:schemeClr>
+          </a:lnRef>
+          <a:fillRef idx="1">
+            <a:schemeClr val="accent1"/>
+          </a:fillRef>
+          <a:effectRef idx="0">
+            <a:schemeClr val="accent1"/>
+          </a:effectRef>
+          <a:fontRef idx="minor">
+            <a:schemeClr val="lt1"/>
+          </a:fontRef>
+        </p:style>
+        <p:txBody>
+          <a:bodyPr rtlCol="0" anchor="ctr"/>
+          <a:lstStyle/>
+          <a:p>
+            <a:pPr algn="ctr"/>
+            <a:endParaRPr lang="ko-KR" altLang="en-US"/>
+          </a:p>
+        </p:txBody>
+      </p:sp>
+      <p:sp>
+        <p:nvSpPr>
+          <p:cNvPr id="11" name="TextBox 10">
+            <a:extLst>
+              <a:ext uri="{FF2B5EF4-FFF2-40B4-BE49-F238E27FC236}">
+                <a16:creationId xmlns:a16="http://schemas.microsoft.com/office/drawing/2014/main" id="{CBA62CD6-4F58-4F46-943C-F3F4671F3579}"/>
+              </a:ext>
+            </a:extLst>
+          </p:cNvPr>
+          <p:cNvSpPr txBox="1"/>
+          <p:nvPr/>
+        </p:nvSpPr>
+        <p:spPr>
+          <a:xfrm>
+            <a:off x="8197226" y="4126022"/>
+            <a:ext cx="3969548" cy="923330"/>
+          </a:xfrm>
+          <a:prstGeom prst="rect">
+            <a:avLst/>
+          </a:prstGeom>
+          <a:noFill/>
+        </p:spPr>
+        <p:txBody>
+          <a:bodyPr wrap="none" rtlCol="0">
+            <a:spAutoFit/>
+          </a:bodyPr>
+          <a:lstStyle/>
+          <a:p>
+            <a:r>
+              <a:rPr lang="en-US" altLang="ko-KR"/>
+              <a:t>fr</a:t>
+            </a:r>
+            <a:r>
+              <a:rPr lang="ko-KR" altLang="en-US"/>
+              <a:t>은 비율 의미</a:t>
+            </a:r>
+            <a:endParaRPr lang="en-US" altLang="ko-KR"/>
+          </a:p>
+          <a:p>
+            <a:r>
+              <a:rPr lang="en-US" altLang="ko-KR"/>
+              <a:t>px </a:t>
+            </a:r>
+            <a:r>
+              <a:rPr lang="ko-KR" altLang="en-US"/>
+              <a:t>을 대신</a:t>
+            </a:r>
+            <a:r>
+              <a:rPr lang="en-US" altLang="ko-KR"/>
+              <a:t> </a:t>
+            </a:r>
+            <a:r>
+              <a:rPr lang="ko-KR" altLang="en-US"/>
+              <a:t>사용시</a:t>
+            </a:r>
+            <a:r>
+              <a:rPr lang="en-US" altLang="ko-KR"/>
+              <a:t>, </a:t>
+            </a:r>
+            <a:r>
+              <a:rPr lang="ko-KR" altLang="en-US"/>
+              <a:t>해당 크기로 고정</a:t>
+            </a:r>
+            <a:endParaRPr lang="en-US" altLang="ko-KR"/>
+          </a:p>
+          <a:p>
+            <a:r>
+              <a:rPr lang="ko-KR" altLang="en-US">
+                <a:solidFill>
+                  <a:srgbClr val="FF0000"/>
+                </a:solidFill>
+              </a:rPr>
+              <a:t>화면 크기 조절해 확인해볼 것</a:t>
+            </a:r>
+          </a:p>
+        </p:txBody>
+      </p:sp>
+      <p:pic>
+        <p:nvPicPr>
+          <p:cNvPr id="13" name="그림 12">
+            <a:extLst>
+              <a:ext uri="{FF2B5EF4-FFF2-40B4-BE49-F238E27FC236}">
+                <a16:creationId xmlns:a16="http://schemas.microsoft.com/office/drawing/2014/main" id="{3E7E76C1-1592-4BD6-AF8B-5566D5A3F377}"/>
+              </a:ext>
+            </a:extLst>
+          </p:cNvPr>
+          <p:cNvPicPr>
+            <a:picLocks noChangeAspect="1"/>
+          </p:cNvPicPr>
+          <p:nvPr/>
+        </p:nvPicPr>
+        <p:blipFill>
+          <a:blip r:embed="rId5"/>
+          <a:stretch>
+            <a:fillRect/>
+          </a:stretch>
+        </p:blipFill>
+        <p:spPr>
+          <a:xfrm>
+            <a:off x="9545186" y="723500"/>
+            <a:ext cx="2228850" cy="1571625"/>
+          </a:xfrm>
+          <a:prstGeom prst="rect">
+            <a:avLst/>
+          </a:prstGeom>
+        </p:spPr>
+      </p:pic>
+      <p:sp>
+        <p:nvSpPr>
+          <p:cNvPr id="14" name="TextBox 13">
+            <a:extLst>
+              <a:ext uri="{FF2B5EF4-FFF2-40B4-BE49-F238E27FC236}">
+                <a16:creationId xmlns:a16="http://schemas.microsoft.com/office/drawing/2014/main" id="{2D3E5CC6-9F3B-4AC3-8AEB-69D91ADD03EC}"/>
+              </a:ext>
+            </a:extLst>
+          </p:cNvPr>
+          <p:cNvSpPr txBox="1"/>
+          <p:nvPr/>
+        </p:nvSpPr>
+        <p:spPr>
+          <a:xfrm>
+            <a:off x="8676444" y="213870"/>
+            <a:ext cx="2199577" cy="369332"/>
+          </a:xfrm>
+          <a:prstGeom prst="rect">
+            <a:avLst/>
+          </a:prstGeom>
+          <a:noFill/>
+        </p:spPr>
+        <p:txBody>
+          <a:bodyPr wrap="none" rtlCol="0">
+            <a:spAutoFit/>
+          </a:bodyPr>
+          <a:lstStyle/>
+          <a:p>
+            <a:r>
+              <a:rPr lang="en-US" altLang="ko-KR"/>
+              <a:t>row</a:t>
+            </a:r>
+            <a:r>
+              <a:rPr lang="ko-KR" altLang="en-US"/>
+              <a:t> </a:t>
+            </a:r>
+            <a:r>
+              <a:rPr lang="en-US" altLang="ko-KR"/>
+              <a:t>column </a:t>
+            </a:r>
+            <a:r>
+              <a:rPr lang="ko-KR" altLang="en-US"/>
+              <a:t>외우기</a:t>
+            </a:r>
+          </a:p>
+        </p:txBody>
+      </p:sp>
+      <p:cxnSp>
+        <p:nvCxnSpPr>
+          <p:cNvPr id="16" name="직선 연결선 15">
+            <a:extLst>
+              <a:ext uri="{FF2B5EF4-FFF2-40B4-BE49-F238E27FC236}">
+                <a16:creationId xmlns:a16="http://schemas.microsoft.com/office/drawing/2014/main" id="{63F53210-57EC-4604-8B06-62B43D4658D3}"/>
+              </a:ext>
+            </a:extLst>
+          </p:cNvPr>
+          <p:cNvCxnSpPr/>
+          <p:nvPr/>
+        </p:nvCxnSpPr>
+        <p:spPr>
+          <a:xfrm>
+            <a:off x="7348756" y="1509312"/>
+            <a:ext cx="1617067" cy="0"/>
+          </a:xfrm>
+          <a:prstGeom prst="line">
+            <a:avLst/>
+          </a:prstGeom>
+        </p:spPr>
+        <p:style>
+          <a:lnRef idx="1">
+            <a:schemeClr val="accent1"/>
+          </a:lnRef>
+          <a:fillRef idx="0">
+            <a:schemeClr val="accent1"/>
+          </a:fillRef>
+          <a:effectRef idx="0">
+            <a:schemeClr val="accent1"/>
+          </a:effectRef>
+          <a:fontRef idx="minor">
+            <a:schemeClr val="tx1"/>
+          </a:fontRef>
+        </p:style>
+      </p:cxnSp>
+      <p:cxnSp>
+        <p:nvCxnSpPr>
+          <p:cNvPr id="17" name="직선 연결선 16">
+            <a:extLst>
+              <a:ext uri="{FF2B5EF4-FFF2-40B4-BE49-F238E27FC236}">
+                <a16:creationId xmlns:a16="http://schemas.microsoft.com/office/drawing/2014/main" id="{7E6195C3-CC60-4B5C-AFD9-5BCF065198C1}"/>
+              </a:ext>
+            </a:extLst>
+          </p:cNvPr>
+          <p:cNvCxnSpPr>
+            <a:cxnSpLocks/>
+          </p:cNvCxnSpPr>
+          <p:nvPr/>
+        </p:nvCxnSpPr>
+        <p:spPr>
+          <a:xfrm flipV="1">
+            <a:off x="8157289" y="736068"/>
+            <a:ext cx="0" cy="1590347"/>
+          </a:xfrm>
+          <a:prstGeom prst="line">
+            <a:avLst/>
+          </a:prstGeom>
+        </p:spPr>
+        <p:style>
+          <a:lnRef idx="1">
+            <a:schemeClr val="accent1"/>
+          </a:lnRef>
+          <a:fillRef idx="0">
+            <a:schemeClr val="accent1"/>
+          </a:fillRef>
+          <a:effectRef idx="0">
+            <a:schemeClr val="accent1"/>
+          </a:effectRef>
+          <a:fontRef idx="minor">
+            <a:schemeClr val="tx1"/>
+          </a:fontRef>
+        </p:style>
+      </p:cxnSp>
+    </p:spTree>
+    <p:extLst>
+      <p:ext uri="{BB962C8B-B14F-4D97-AF65-F5344CB8AC3E}">
+        <p14:creationId xmlns:p14="http://schemas.microsoft.com/office/powerpoint/2010/main" val="1040783565"/>
+      </p:ext>
+    </p:extLst>
+  </p:cSld>
+  <p:clrMapOvr>
+    <a:masterClrMapping/>
+  </p:clrMapOvr>
+</p:sld>
+</file>
+
+<file path=ppt/slides/slide24.xml><?xml version="1.0" encoding="utf-8"?>
+<p:sld xmlns:a="http://schemas.openxmlformats.org/drawingml/2006/main" xmlns:r="http://schemas.openxmlformats.org/officeDocument/2006/relationships" xmlns:p="http://schemas.openxmlformats.org/presentationml/2006/main">
+  <p:cSld>
+    <p:spTree>
+      <p:nvGrpSpPr>
+        <p:cNvPr id="1" name=""/>
+        <p:cNvGrpSpPr/>
+        <p:nvPr/>
+      </p:nvGrpSpPr>
+      <p:grpSpPr>
+        <a:xfrm>
+          <a:off x="0" y="0"/>
+          <a:ext cx="0" cy="0"/>
+          <a:chOff x="0" y="0"/>
+          <a:chExt cx="0" cy="0"/>
+        </a:xfrm>
+      </p:grpSpPr>
+      <p:pic>
+        <p:nvPicPr>
+          <p:cNvPr id="5" name="그림 4">
+            <a:extLst>
+              <a:ext uri="{FF2B5EF4-FFF2-40B4-BE49-F238E27FC236}">
+                <a16:creationId xmlns:a16="http://schemas.microsoft.com/office/drawing/2014/main" id="{962EF182-C6F4-4B04-8141-05EE85EBDB3D}"/>
+              </a:ext>
+            </a:extLst>
+          </p:cNvPr>
+          <p:cNvPicPr>
+            <a:picLocks noChangeAspect="1"/>
+          </p:cNvPicPr>
+          <p:nvPr/>
+        </p:nvPicPr>
+        <p:blipFill>
+          <a:blip r:embed="rId2"/>
+          <a:stretch>
+            <a:fillRect/>
+          </a:stretch>
+        </p:blipFill>
+        <p:spPr>
+          <a:xfrm>
+            <a:off x="5645789" y="3864174"/>
+            <a:ext cx="5936915" cy="1534149"/>
+          </a:xfrm>
+          <a:prstGeom prst="rect">
+            <a:avLst/>
+          </a:prstGeom>
+        </p:spPr>
+      </p:pic>
+      <p:pic>
+        <p:nvPicPr>
+          <p:cNvPr id="7" name="그림 6">
+            <a:extLst>
+              <a:ext uri="{FF2B5EF4-FFF2-40B4-BE49-F238E27FC236}">
+                <a16:creationId xmlns:a16="http://schemas.microsoft.com/office/drawing/2014/main" id="{0CFA8CDA-686C-4EF3-B859-AF781446CAB6}"/>
+              </a:ext>
+            </a:extLst>
+          </p:cNvPr>
+          <p:cNvPicPr>
+            <a:picLocks noChangeAspect="1"/>
+          </p:cNvPicPr>
+          <p:nvPr/>
+        </p:nvPicPr>
+        <p:blipFill>
+          <a:blip r:embed="rId3"/>
+          <a:stretch>
+            <a:fillRect/>
+          </a:stretch>
+        </p:blipFill>
+        <p:spPr>
+          <a:xfrm>
+            <a:off x="1319081" y="1864497"/>
+            <a:ext cx="8454093" cy="1904827"/>
+          </a:xfrm>
+          <a:prstGeom prst="rect">
+            <a:avLst/>
+          </a:prstGeom>
+        </p:spPr>
+      </p:pic>
+      <p:sp>
+        <p:nvSpPr>
+          <p:cNvPr id="8" name="직사각형 7">
+            <a:extLst>
+              <a:ext uri="{FF2B5EF4-FFF2-40B4-BE49-F238E27FC236}">
+                <a16:creationId xmlns:a16="http://schemas.microsoft.com/office/drawing/2014/main" id="{CF5E2642-9696-498F-BCFA-8C4E835F484F}"/>
+              </a:ext>
+            </a:extLst>
+          </p:cNvPr>
+          <p:cNvSpPr/>
+          <p:nvPr/>
+        </p:nvSpPr>
+        <p:spPr>
+          <a:xfrm>
+            <a:off x="6753138" y="2726422"/>
+            <a:ext cx="1174458" cy="528506"/>
+          </a:xfrm>
+          <a:prstGeom prst="rect">
+            <a:avLst/>
+          </a:prstGeom>
+          <a:noFill/>
+          <a:ln>
+            <a:solidFill>
+              <a:srgbClr val="FF0000"/>
+            </a:solidFill>
+          </a:ln>
+        </p:spPr>
+        <p:style>
+          <a:lnRef idx="2">
+            <a:schemeClr val="accent1">
+              <a:shade val="50000"/>
+            </a:schemeClr>
+          </a:lnRef>
+          <a:fillRef idx="1">
+            <a:schemeClr val="accent1"/>
+          </a:fillRef>
+          <a:effectRef idx="0">
+            <a:schemeClr val="accent1"/>
+          </a:effectRef>
+          <a:fontRef idx="minor">
+            <a:schemeClr val="lt1"/>
+          </a:fontRef>
+        </p:style>
+        <p:txBody>
+          <a:bodyPr rtlCol="0" anchor="ctr"/>
+          <a:lstStyle/>
+          <a:p>
+            <a:pPr algn="ctr"/>
+            <a:endParaRPr lang="ko-KR" altLang="en-US"/>
+          </a:p>
+        </p:txBody>
+      </p:sp>
+      <p:sp>
+        <p:nvSpPr>
+          <p:cNvPr id="9" name="TextBox 8">
+            <a:extLst>
+              <a:ext uri="{FF2B5EF4-FFF2-40B4-BE49-F238E27FC236}">
+                <a16:creationId xmlns:a16="http://schemas.microsoft.com/office/drawing/2014/main" id="{E46F0785-0008-436B-B975-CA5733FDF8F3}"/>
+              </a:ext>
+            </a:extLst>
+          </p:cNvPr>
+          <p:cNvSpPr txBox="1"/>
+          <p:nvPr/>
+        </p:nvSpPr>
+        <p:spPr>
+          <a:xfrm>
+            <a:off x="5939406" y="5670958"/>
+            <a:ext cx="4600940" cy="923330"/>
+          </a:xfrm>
+          <a:prstGeom prst="rect">
+            <a:avLst/>
+          </a:prstGeom>
+          <a:noFill/>
+        </p:spPr>
+        <p:txBody>
+          <a:bodyPr wrap="none" rtlCol="0">
+            <a:spAutoFit/>
+          </a:bodyPr>
+          <a:lstStyle/>
+          <a:p>
+            <a:r>
+              <a:rPr lang="en-US" altLang="ko-KR"/>
+              <a:t>nav</a:t>
+            </a:r>
+            <a:r>
+              <a:rPr lang="ko-KR" altLang="en-US"/>
+              <a:t> 의 너비가 </a:t>
+            </a:r>
+            <a:r>
+              <a:rPr lang="en-US" altLang="ko-KR"/>
+              <a:t>150px </a:t>
+            </a:r>
+            <a:r>
+              <a:rPr lang="ko-KR" altLang="en-US"/>
+              <a:t>로 고정되고</a:t>
+            </a:r>
+            <a:endParaRPr lang="en-US" altLang="ko-KR"/>
+          </a:p>
+          <a:p>
+            <a:r>
+              <a:rPr lang="en-US" altLang="ko-KR"/>
+              <a:t>main </a:t>
+            </a:r>
+            <a:r>
+              <a:rPr lang="ko-KR" altLang="en-US"/>
+              <a:t>과 </a:t>
+            </a:r>
+            <a:r>
+              <a:rPr lang="en-US" altLang="ko-KR"/>
+              <a:t>aside</a:t>
+            </a:r>
+            <a:r>
+              <a:rPr lang="ko-KR" altLang="en-US"/>
+              <a:t>는 남은 비율에서 </a:t>
+            </a:r>
+            <a:r>
+              <a:rPr lang="en-US" altLang="ko-KR"/>
+              <a:t>1</a:t>
+            </a:r>
+            <a:r>
+              <a:rPr lang="ko-KR" altLang="en-US"/>
+              <a:t>대 </a:t>
+            </a:r>
+            <a:r>
+              <a:rPr lang="en-US" altLang="ko-KR"/>
+              <a:t>1 </a:t>
+            </a:r>
+            <a:r>
+              <a:rPr lang="ko-KR" altLang="en-US"/>
+              <a:t>차지</a:t>
+            </a:r>
+            <a:endParaRPr lang="en-US" altLang="ko-KR"/>
+          </a:p>
+          <a:p>
+            <a:r>
+              <a:rPr lang="ko-KR" altLang="en-US">
+                <a:solidFill>
+                  <a:srgbClr val="FF0000"/>
+                </a:solidFill>
+              </a:rPr>
+              <a:t>화면 크기 조절해 확인해볼 것</a:t>
+            </a:r>
+          </a:p>
+        </p:txBody>
+      </p:sp>
+    </p:spTree>
+    <p:extLst>
+      <p:ext uri="{BB962C8B-B14F-4D97-AF65-F5344CB8AC3E}">
+        <p14:creationId xmlns:p14="http://schemas.microsoft.com/office/powerpoint/2010/main" val="1562606329"/>
+      </p:ext>
+    </p:extLst>
+  </p:cSld>
+  <p:clrMapOvr>
+    <a:masterClrMapping/>
+  </p:clrMapOvr>
+</p:sld>
+</file>
+
+<file path=ppt/slides/slide25.xml><?xml version="1.0" encoding="utf-8"?>
+<p:sld xmlns:a="http://schemas.openxmlformats.org/drawingml/2006/main" xmlns:r="http://schemas.openxmlformats.org/officeDocument/2006/relationships" xmlns:p="http://schemas.openxmlformats.org/presentationml/2006/main">
+  <p:cSld>
+    <p:spTree>
+      <p:nvGrpSpPr>
+        <p:cNvPr id="1" name=""/>
+        <p:cNvGrpSpPr/>
+        <p:nvPr/>
+      </p:nvGrpSpPr>
+      <p:grpSpPr>
+        <a:xfrm>
+          <a:off x="0" y="0"/>
+          <a:ext cx="0" cy="0"/>
+          <a:chOff x="0" y="0"/>
+          <a:chExt cx="0" cy="0"/>
+        </a:xfrm>
+      </p:grpSpPr>
+      <p:pic>
+        <p:nvPicPr>
+          <p:cNvPr id="5" name="그림 4">
+            <a:extLst>
+              <a:ext uri="{FF2B5EF4-FFF2-40B4-BE49-F238E27FC236}">
+                <a16:creationId xmlns:a16="http://schemas.microsoft.com/office/drawing/2014/main" id="{18B3C7B3-5930-4B3A-8896-C85AD361FFF0}"/>
+              </a:ext>
+            </a:extLst>
+          </p:cNvPr>
+          <p:cNvPicPr>
+            <a:picLocks noChangeAspect="1"/>
+          </p:cNvPicPr>
+          <p:nvPr/>
+        </p:nvPicPr>
+        <p:blipFill>
+          <a:blip r:embed="rId2"/>
+          <a:stretch>
+            <a:fillRect/>
+          </a:stretch>
+        </p:blipFill>
+        <p:spPr>
+          <a:xfrm>
+            <a:off x="714025" y="1064833"/>
+            <a:ext cx="9925050" cy="2295525"/>
+          </a:xfrm>
+          <a:prstGeom prst="rect">
+            <a:avLst/>
+          </a:prstGeom>
+        </p:spPr>
+      </p:pic>
+      <p:pic>
+        <p:nvPicPr>
+          <p:cNvPr id="7" name="그림 6">
+            <a:extLst>
+              <a:ext uri="{FF2B5EF4-FFF2-40B4-BE49-F238E27FC236}">
+                <a16:creationId xmlns:a16="http://schemas.microsoft.com/office/drawing/2014/main" id="{1B618C73-1E64-496D-81F2-825C72AD0D34}"/>
+              </a:ext>
+            </a:extLst>
+          </p:cNvPr>
+          <p:cNvPicPr>
+            <a:picLocks noChangeAspect="1"/>
+          </p:cNvPicPr>
+          <p:nvPr/>
+        </p:nvPicPr>
+        <p:blipFill>
+          <a:blip r:embed="rId3"/>
+          <a:stretch>
+            <a:fillRect/>
+          </a:stretch>
+        </p:blipFill>
+        <p:spPr>
+          <a:xfrm>
+            <a:off x="5740360" y="4131796"/>
+            <a:ext cx="5999246" cy="1368760"/>
+          </a:xfrm>
+          <a:prstGeom prst="rect">
+            <a:avLst/>
+          </a:prstGeom>
+        </p:spPr>
+      </p:pic>
+      <p:sp>
+        <p:nvSpPr>
+          <p:cNvPr id="8" name="TextBox 7">
+            <a:extLst>
+              <a:ext uri="{FF2B5EF4-FFF2-40B4-BE49-F238E27FC236}">
+                <a16:creationId xmlns:a16="http://schemas.microsoft.com/office/drawing/2014/main" id="{5C574C7C-856A-429C-B70B-17DC7451D622}"/>
+              </a:ext>
+            </a:extLst>
+          </p:cNvPr>
+          <p:cNvSpPr txBox="1"/>
+          <p:nvPr/>
+        </p:nvSpPr>
+        <p:spPr>
+          <a:xfrm>
+            <a:off x="7647963" y="2890468"/>
+            <a:ext cx="2507418" cy="369332"/>
+          </a:xfrm>
+          <a:prstGeom prst="rect">
+            <a:avLst/>
+          </a:prstGeom>
+          <a:noFill/>
+        </p:spPr>
+        <p:txBody>
+          <a:bodyPr wrap="none" rtlCol="0">
+            <a:spAutoFit/>
+          </a:bodyPr>
+          <a:lstStyle/>
+          <a:p>
+            <a:r>
+              <a:rPr lang="ko-KR" altLang="en-US"/>
+              <a:t>셋의 비율이 </a:t>
+            </a:r>
+            <a:r>
+              <a:rPr lang="en-US" altLang="ko-KR"/>
+              <a:t>1</a:t>
+            </a:r>
+            <a:r>
+              <a:rPr lang="ko-KR" altLang="en-US"/>
+              <a:t>대 </a:t>
+            </a:r>
+            <a:r>
+              <a:rPr lang="en-US" altLang="ko-KR"/>
+              <a:t>2</a:t>
+            </a:r>
+            <a:r>
+              <a:rPr lang="ko-KR" altLang="en-US"/>
+              <a:t>대 </a:t>
+            </a:r>
+            <a:r>
+              <a:rPr lang="en-US" altLang="ko-KR"/>
+              <a:t>1</a:t>
+            </a:r>
+          </a:p>
+        </p:txBody>
+      </p:sp>
+      <p:sp>
+        <p:nvSpPr>
+          <p:cNvPr id="9" name="TextBox 8">
+            <a:extLst>
+              <a:ext uri="{FF2B5EF4-FFF2-40B4-BE49-F238E27FC236}">
+                <a16:creationId xmlns:a16="http://schemas.microsoft.com/office/drawing/2014/main" id="{0BE37EBF-DAC1-44E6-8DF4-152A0D0CBFDD}"/>
+              </a:ext>
+            </a:extLst>
+          </p:cNvPr>
+          <p:cNvSpPr txBox="1"/>
+          <p:nvPr/>
+        </p:nvSpPr>
+        <p:spPr>
+          <a:xfrm>
+            <a:off x="5855516" y="5704514"/>
+            <a:ext cx="3281668" cy="369332"/>
+          </a:xfrm>
+          <a:prstGeom prst="rect">
+            <a:avLst/>
+          </a:prstGeom>
+          <a:noFill/>
+        </p:spPr>
+        <p:txBody>
+          <a:bodyPr wrap="none" rtlCol="0">
+            <a:spAutoFit/>
+          </a:bodyPr>
+          <a:lstStyle/>
+          <a:p>
+            <a:r>
+              <a:rPr lang="ko-KR" altLang="en-US">
+                <a:solidFill>
+                  <a:srgbClr val="FF0000"/>
+                </a:solidFill>
+              </a:rPr>
+              <a:t>화면 크기 조절해 확인해볼 것</a:t>
+            </a:r>
+          </a:p>
+        </p:txBody>
+      </p:sp>
+    </p:spTree>
+    <p:extLst>
+      <p:ext uri="{BB962C8B-B14F-4D97-AF65-F5344CB8AC3E}">
+        <p14:creationId xmlns:p14="http://schemas.microsoft.com/office/powerpoint/2010/main" val="2419233661"/>
+      </p:ext>
+    </p:extLst>
+  </p:cSld>
+  <p:clrMapOvr>
+    <a:masterClrMapping/>
+  </p:clrMapOvr>
+</p:sld>
+</file>
+
+<file path=ppt/slides/slide26.xml><?xml version="1.0" encoding="utf-8"?>
+<p:sld xmlns:a="http://schemas.openxmlformats.org/drawingml/2006/main" xmlns:r="http://schemas.openxmlformats.org/officeDocument/2006/relationships" xmlns:p="http://schemas.openxmlformats.org/presentationml/2006/main">
+  <p:cSld>
+    <p:spTree>
+      <p:nvGrpSpPr>
+        <p:cNvPr id="1" name=""/>
+        <p:cNvGrpSpPr/>
+        <p:nvPr/>
+      </p:nvGrpSpPr>
+      <p:grpSpPr>
+        <a:xfrm>
+          <a:off x="0" y="0"/>
+          <a:ext cx="0" cy="0"/>
+          <a:chOff x="0" y="0"/>
+          <a:chExt cx="0" cy="0"/>
+        </a:xfrm>
+      </p:grpSpPr>
+      <p:sp>
+        <p:nvSpPr>
+          <p:cNvPr id="2" name="제목 1">
+            <a:extLst>
+              <a:ext uri="{FF2B5EF4-FFF2-40B4-BE49-F238E27FC236}">
+                <a16:creationId xmlns:a16="http://schemas.microsoft.com/office/drawing/2014/main" id="{0778BDE3-6714-4FDC-ADCE-61F0F192D148}"/>
+              </a:ext>
+            </a:extLst>
+          </p:cNvPr>
+          <p:cNvSpPr>
+            <a:spLocks noGrp="1"/>
+          </p:cNvSpPr>
+          <p:nvPr>
+            <p:ph type="title"/>
+          </p:nvPr>
+        </p:nvSpPr>
+        <p:spPr/>
+        <p:txBody>
+          <a:bodyPr/>
+          <a:lstStyle/>
+          <a:p>
+            <a:r>
+              <a:rPr lang="en-US" altLang="ko-KR"/>
+              <a:t>column </a:t>
+            </a:r>
+            <a:r>
+              <a:rPr lang="ko-KR" altLang="en-US"/>
+              <a:t>뿐만 아니라 </a:t>
+            </a:r>
+            <a:r>
+              <a:rPr lang="en-US" altLang="ko-KR"/>
+              <a:t>row </a:t>
+            </a:r>
+            <a:r>
+              <a:rPr lang="ko-KR" altLang="en-US"/>
+              <a:t>도 있을 것</a:t>
+            </a:r>
+          </a:p>
+        </p:txBody>
+      </p:sp>
+      <p:pic>
+        <p:nvPicPr>
+          <p:cNvPr id="5" name="그림 4">
+            <a:extLst>
+              <a:ext uri="{FF2B5EF4-FFF2-40B4-BE49-F238E27FC236}">
+                <a16:creationId xmlns:a16="http://schemas.microsoft.com/office/drawing/2014/main" id="{5F91CB89-320B-4B0F-B960-FA63E34ABFD9}"/>
+              </a:ext>
+            </a:extLst>
+          </p:cNvPr>
+          <p:cNvPicPr>
+            <a:picLocks noChangeAspect="1"/>
+          </p:cNvPicPr>
+          <p:nvPr/>
+        </p:nvPicPr>
+        <p:blipFill>
+          <a:blip r:embed="rId2"/>
+          <a:stretch>
+            <a:fillRect/>
+          </a:stretch>
+        </p:blipFill>
+        <p:spPr>
+          <a:xfrm>
+            <a:off x="838200" y="1690688"/>
+            <a:ext cx="5698958" cy="3429000"/>
+          </a:xfrm>
+          <a:prstGeom prst="rect">
+            <a:avLst/>
+          </a:prstGeom>
+        </p:spPr>
+      </p:pic>
+      <p:pic>
+        <p:nvPicPr>
+          <p:cNvPr id="9" name="그림 8">
+            <a:extLst>
+              <a:ext uri="{FF2B5EF4-FFF2-40B4-BE49-F238E27FC236}">
+                <a16:creationId xmlns:a16="http://schemas.microsoft.com/office/drawing/2014/main" id="{C7F35B3A-504E-4FE3-93EB-AEB5415135A4}"/>
+              </a:ext>
+            </a:extLst>
+          </p:cNvPr>
+          <p:cNvPicPr>
+            <a:picLocks noChangeAspect="1"/>
+          </p:cNvPicPr>
+          <p:nvPr/>
+        </p:nvPicPr>
+        <p:blipFill>
+          <a:blip r:embed="rId3"/>
+          <a:stretch>
+            <a:fillRect/>
+          </a:stretch>
+        </p:blipFill>
+        <p:spPr>
+          <a:xfrm>
+            <a:off x="6761525" y="3123408"/>
+            <a:ext cx="4895850" cy="3262312"/>
+          </a:xfrm>
+          <a:prstGeom prst="rect">
+            <a:avLst/>
+          </a:prstGeom>
+        </p:spPr>
+      </p:pic>
+      <p:sp>
+        <p:nvSpPr>
+          <p:cNvPr id="11" name="TextBox 10">
+            <a:extLst>
+              <a:ext uri="{FF2B5EF4-FFF2-40B4-BE49-F238E27FC236}">
+                <a16:creationId xmlns:a16="http://schemas.microsoft.com/office/drawing/2014/main" id="{EFFC9020-9B85-4EC3-968D-4A65CE185E09}"/>
+              </a:ext>
+            </a:extLst>
+          </p:cNvPr>
+          <p:cNvSpPr txBox="1"/>
+          <p:nvPr/>
+        </p:nvSpPr>
+        <p:spPr>
+          <a:xfrm>
+            <a:off x="6761525" y="6443058"/>
+            <a:ext cx="3281668" cy="369332"/>
+          </a:xfrm>
+          <a:prstGeom prst="rect">
+            <a:avLst/>
+          </a:prstGeom>
+          <a:noFill/>
+        </p:spPr>
+        <p:txBody>
+          <a:bodyPr wrap="none" rtlCol="0">
+            <a:spAutoFit/>
+          </a:bodyPr>
+          <a:lstStyle/>
+          <a:p>
+            <a:r>
+              <a:rPr lang="ko-KR" altLang="en-US">
+                <a:solidFill>
+                  <a:srgbClr val="FF0000"/>
+                </a:solidFill>
+              </a:rPr>
+              <a:t>화면 크기 조절해 확인해볼 것</a:t>
+            </a:r>
+          </a:p>
+        </p:txBody>
+      </p:sp>
+      <p:pic>
+        <p:nvPicPr>
+          <p:cNvPr id="13" name="그림 12">
+            <a:extLst>
+              <a:ext uri="{FF2B5EF4-FFF2-40B4-BE49-F238E27FC236}">
+                <a16:creationId xmlns:a16="http://schemas.microsoft.com/office/drawing/2014/main" id="{581320DC-D8EF-4F59-927E-E03DE3FA6C9C}"/>
+              </a:ext>
+            </a:extLst>
+          </p:cNvPr>
+          <p:cNvPicPr>
+            <a:picLocks noChangeAspect="1"/>
+          </p:cNvPicPr>
+          <p:nvPr/>
+        </p:nvPicPr>
+        <p:blipFill>
+          <a:blip r:embed="rId4"/>
+          <a:stretch>
+            <a:fillRect/>
+          </a:stretch>
+        </p:blipFill>
+        <p:spPr>
+          <a:xfrm>
+            <a:off x="6537158" y="1570197"/>
+            <a:ext cx="5041733" cy="1283920"/>
+          </a:xfrm>
+          <a:prstGeom prst="rect">
+            <a:avLst/>
+          </a:prstGeom>
+        </p:spPr>
+      </p:pic>
+      <p:sp>
+        <p:nvSpPr>
+          <p:cNvPr id="10" name="TextBox 9">
+            <a:extLst>
+              <a:ext uri="{FF2B5EF4-FFF2-40B4-BE49-F238E27FC236}">
+                <a16:creationId xmlns:a16="http://schemas.microsoft.com/office/drawing/2014/main" id="{94516A0B-4678-40DA-A52F-D180D259F0A4}"/>
+              </a:ext>
+            </a:extLst>
+          </p:cNvPr>
+          <p:cNvSpPr txBox="1"/>
+          <p:nvPr/>
+        </p:nvSpPr>
+        <p:spPr>
+          <a:xfrm>
+            <a:off x="10043193" y="2412120"/>
+            <a:ext cx="1151277" cy="646331"/>
+          </a:xfrm>
+          <a:prstGeom prst="rect">
+            <a:avLst/>
+          </a:prstGeom>
+          <a:noFill/>
+        </p:spPr>
+        <p:txBody>
+          <a:bodyPr wrap="none" rtlCol="0">
+            <a:spAutoFit/>
+          </a:bodyPr>
+          <a:lstStyle/>
+          <a:p>
+            <a:r>
+              <a:rPr lang="en-US" altLang="ko-KR" sz="3600"/>
+              <a:t>1:2:1</a:t>
+            </a:r>
+            <a:endParaRPr lang="ko-KR" altLang="en-US" sz="3600"/>
+          </a:p>
+        </p:txBody>
+      </p:sp>
+    </p:spTree>
+    <p:extLst>
+      <p:ext uri="{BB962C8B-B14F-4D97-AF65-F5344CB8AC3E}">
+        <p14:creationId xmlns:p14="http://schemas.microsoft.com/office/powerpoint/2010/main" val="1903993884"/>
       </p:ext>
     </p:extLst>
   </p:cSld>
@@ -3871,10 +8923,38 @@
       </p:grpSpPr>
       <p:sp>
         <p:nvSpPr>
+          <p:cNvPr id="2" name="제목 1">
+            <a:extLst>
+              <a:ext uri="{FF2B5EF4-FFF2-40B4-BE49-F238E27FC236}">
+                <a16:creationId xmlns:a16="http://schemas.microsoft.com/office/drawing/2014/main" id="{52B4BFEA-C23C-4A89-8653-79D41DBF44D3}"/>
+              </a:ext>
+            </a:extLst>
+          </p:cNvPr>
+          <p:cNvSpPr>
+            <a:spLocks noGrp="1"/>
+          </p:cNvSpPr>
+          <p:nvPr>
+            <p:ph type="title"/>
+          </p:nvPr>
+        </p:nvSpPr>
+        <p:spPr/>
+        <p:txBody>
+          <a:bodyPr/>
+          <a:lstStyle/>
+          <a:p>
+            <a:r>
+              <a:rPr lang="ko-KR" altLang="en-US"/>
+              <a:t>박스모델</a:t>
+            </a:r>
+          </a:p>
+        </p:txBody>
+      </p:sp>
+      <p:sp>
+        <p:nvSpPr>
           <p:cNvPr id="3" name="내용 개체 틀 2">
             <a:extLst>
               <a:ext uri="{FF2B5EF4-FFF2-40B4-BE49-F238E27FC236}">
-                <a16:creationId xmlns:a16="http://schemas.microsoft.com/office/drawing/2014/main" id="{00FD663F-E9E7-4EA5-BA07-4E48A2F90DF7}"/>
+                <a16:creationId xmlns:a16="http://schemas.microsoft.com/office/drawing/2014/main" id="{29CF55FA-6EAB-41C3-A262-330B01EBF042}"/>
               </a:ext>
             </a:extLst>
           </p:cNvPr>
@@ -3887,33 +8967,119 @@
         </p:nvSpPr>
         <p:spPr>
           <a:xfrm>
-            <a:off x="4992280" y="5939250"/>
-            <a:ext cx="6911699" cy="640050"/>
+            <a:off x="838200" y="1825625"/>
+            <a:ext cx="10515600" cy="4667250"/>
           </a:xfrm>
         </p:spPr>
         <p:txBody>
           <a:bodyPr>
-            <a:normAutofit fontScale="85000" lnSpcReduction="10000"/>
+            <a:normAutofit/>
           </a:bodyPr>
           <a:lstStyle/>
           <a:p>
             <a:r>
               <a:rPr lang="ko-KR" altLang="en-US"/>
-              <a:t>즉</a:t>
+              <a:t>모든 태그는 박스</a:t>
             </a:r>
             <a:r>
               <a:rPr lang="en-US" altLang="ko-KR"/>
-              <a:t>, </a:t>
-            </a:r>
-            <a:r>
-              <a:rPr lang="ko-KR" altLang="en-US"/>
-              <a:t>패딩은 태그의 보더와 컨텐츠와의 간격이다</a:t>
+              <a:t>(Box)</a:t>
+            </a:r>
+            <a:r>
+              <a:rPr lang="ko-KR" altLang="en-US"/>
+              <a:t>로 이루어져있다</a:t>
             </a:r>
             <a:r>
               <a:rPr lang="en-US" altLang="ko-KR"/>
               <a:t>.</a:t>
             </a:r>
-            <a:endParaRPr lang="ko-KR" altLang="en-US"/>
+          </a:p>
+          <a:p>
+            <a:pPr lvl="1"/>
+            <a:r>
+              <a:rPr lang="ko-KR" altLang="en-US"/>
+              <a:t>구글 개발자도구</a:t>
+            </a:r>
+            <a:r>
+              <a:rPr lang="en-US" altLang="ko-KR"/>
+              <a:t>(F12)</a:t>
+            </a:r>
+            <a:r>
+              <a:rPr lang="ko-KR" altLang="en-US"/>
+              <a:t> </a:t>
+            </a:r>
+            <a:r>
+              <a:rPr lang="en-US" altLang="ko-KR"/>
+              <a:t>element </a:t>
+            </a:r>
+            <a:r>
+              <a:rPr lang="ko-KR" altLang="en-US"/>
+              <a:t>부분 참조</a:t>
+            </a:r>
+            <a:endParaRPr lang="en-US" altLang="ko-KR"/>
+          </a:p>
+          <a:p>
+            <a:pPr marL="457200" lvl="1" indent="0">
+              <a:buNone/>
+            </a:pPr>
+            <a:endParaRPr lang="en-US" altLang="ko-KR"/>
+          </a:p>
+          <a:p>
+            <a:r>
+              <a:rPr lang="ko-KR" altLang="en-US" sz="2400"/>
+              <a:t> </a:t>
+            </a:r>
+            <a:r>
+              <a:rPr lang="en-US" altLang="ko-KR" sz="2400"/>
+              <a:t>border	</a:t>
+            </a:r>
+            <a:r>
+              <a:rPr lang="ko-KR" altLang="en-US" sz="2400"/>
+              <a:t>태그를 둘러싸는 경계선</a:t>
+            </a:r>
+          </a:p>
+          <a:p>
+            <a:r>
+              <a:rPr lang="ko-KR" altLang="en-US" sz="2400"/>
+              <a:t> </a:t>
+            </a:r>
+            <a:r>
+              <a:rPr lang="en-US" altLang="ko-KR" sz="2400"/>
+              <a:t>padding	</a:t>
+            </a:r>
+            <a:r>
+              <a:rPr lang="ko-KR" altLang="en-US" sz="2400"/>
+              <a:t>태그의 컨텐츠와 보더간의 간격</a:t>
+            </a:r>
+          </a:p>
+          <a:p>
+            <a:r>
+              <a:rPr lang="ko-KR" altLang="en-US" sz="2400"/>
+              <a:t> </a:t>
+            </a:r>
+            <a:r>
+              <a:rPr lang="en-US" altLang="ko-KR" sz="2400"/>
+              <a:t>margin	</a:t>
+            </a:r>
+            <a:r>
+              <a:rPr lang="ko-KR" altLang="en-US" sz="2400"/>
+              <a:t>태그와 태그간의 간격</a:t>
+            </a:r>
+            <a:endParaRPr lang="en-US" altLang="ko-KR" sz="2400"/>
+          </a:p>
+          <a:p>
+            <a:pPr marL="0" indent="0">
+              <a:buNone/>
+            </a:pPr>
+            <a:r>
+              <a:rPr lang="en-US" altLang="ko-KR" sz="2400"/>
+              <a:t>		</a:t>
+            </a:r>
+            <a:r>
+              <a:rPr lang="ko-KR" altLang="en-US" sz="2400"/>
+              <a:t>또는 태그와 화면간의 간격</a:t>
+            </a:r>
+            <a:endParaRPr lang="en-US" altLang="ko-KR" sz="2400"/>
           </a:p>
         </p:txBody>
       </p:sp>
@@ -3922,7 +9088,7 @@
           <p:cNvPr id="5" name="그림 4">
             <a:extLst>
               <a:ext uri="{FF2B5EF4-FFF2-40B4-BE49-F238E27FC236}">
-                <a16:creationId xmlns:a16="http://schemas.microsoft.com/office/drawing/2014/main" id="{F87D31F1-A0DB-4103-A063-2670E7B260FC}"/>
+                <a16:creationId xmlns:a16="http://schemas.microsoft.com/office/drawing/2014/main" id="{064D9407-3A0C-44AF-8F4E-20E6D004033C}"/>
               </a:ext>
             </a:extLst>
           </p:cNvPr>
@@ -3939,118 +9105,18 @@
         </p:blipFill>
         <p:spPr>
           <a:xfrm>
-            <a:off x="389539" y="369332"/>
-            <a:ext cx="10032855" cy="1367406"/>
+            <a:off x="7207037" y="2961314"/>
+            <a:ext cx="4639091" cy="3221591"/>
           </a:xfrm>
           <a:prstGeom prst="rect">
             <a:avLst/>
           </a:prstGeom>
         </p:spPr>
       </p:pic>
-      <p:pic>
-        <p:nvPicPr>
-          <p:cNvPr id="7" name="그림 6">
-            <a:extLst>
-              <a:ext uri="{FF2B5EF4-FFF2-40B4-BE49-F238E27FC236}">
-                <a16:creationId xmlns:a16="http://schemas.microsoft.com/office/drawing/2014/main" id="{01A44132-FB65-4DF2-BF08-1D48A2C18CBE}"/>
-              </a:ext>
-            </a:extLst>
-          </p:cNvPr>
-          <p:cNvPicPr>
-            <a:picLocks noChangeAspect="1"/>
-          </p:cNvPicPr>
-          <p:nvPr/>
-        </p:nvPicPr>
-        <p:blipFill>
-          <a:blip r:embed="rId3"/>
-          <a:stretch>
-            <a:fillRect/>
-          </a:stretch>
-        </p:blipFill>
-        <p:spPr>
-          <a:xfrm>
-            <a:off x="2211373" y="2214032"/>
-            <a:ext cx="5405967" cy="2050089"/>
-          </a:xfrm>
-          <a:prstGeom prst="rect">
-            <a:avLst/>
-          </a:prstGeom>
-        </p:spPr>
-      </p:pic>
-      <p:pic>
-        <p:nvPicPr>
-          <p:cNvPr id="9" name="그림 8">
-            <a:extLst>
-              <a:ext uri="{FF2B5EF4-FFF2-40B4-BE49-F238E27FC236}">
-                <a16:creationId xmlns:a16="http://schemas.microsoft.com/office/drawing/2014/main" id="{1079AFB4-1E45-46F0-977D-D049C5D001C4}"/>
-              </a:ext>
-            </a:extLst>
-          </p:cNvPr>
-          <p:cNvPicPr>
-            <a:picLocks noChangeAspect="1"/>
-          </p:cNvPicPr>
-          <p:nvPr/>
-        </p:nvPicPr>
-        <p:blipFill>
-          <a:blip r:embed="rId4"/>
-          <a:stretch>
-            <a:fillRect/>
-          </a:stretch>
-        </p:blipFill>
-        <p:spPr>
-          <a:xfrm>
-            <a:off x="352643" y="5620468"/>
-            <a:ext cx="4238625" cy="1123950"/>
-          </a:xfrm>
-          <a:prstGeom prst="rect">
-            <a:avLst/>
-          </a:prstGeom>
-        </p:spPr>
-      </p:pic>
-      <p:sp>
-        <p:nvSpPr>
-          <p:cNvPr id="10" name="TextBox 9">
-            <a:extLst>
-              <a:ext uri="{FF2B5EF4-FFF2-40B4-BE49-F238E27FC236}">
-                <a16:creationId xmlns:a16="http://schemas.microsoft.com/office/drawing/2014/main" id="{B9DCDB54-3C8E-48F3-87F7-AA0CC325EB51}"/>
-              </a:ext>
-            </a:extLst>
-          </p:cNvPr>
-          <p:cNvSpPr txBox="1"/>
-          <p:nvPr/>
-        </p:nvSpPr>
-        <p:spPr>
-          <a:xfrm>
-            <a:off x="352643" y="4973056"/>
-            <a:ext cx="697627" cy="369332"/>
-          </a:xfrm>
-          <a:prstGeom prst="rect">
-            <a:avLst/>
-          </a:prstGeom>
-          <a:noFill/>
-        </p:spPr>
-        <p:txBody>
-          <a:bodyPr wrap="none" rtlCol="0">
-            <a:spAutoFit/>
-          </a:bodyPr>
-          <a:lstStyle/>
-          <a:p>
-            <a:r>
-              <a:rPr lang="ko-KR" altLang="en-US"/>
-              <a:t>결과</a:t>
-            </a:r>
-            <a:r>
-              <a:rPr lang="en-US" altLang="ko-KR"/>
-              <a:t>:</a:t>
-            </a:r>
-            <a:endParaRPr lang="ko-KR" altLang="en-US"/>
-          </a:p>
-        </p:txBody>
-      </p:sp>
     </p:spTree>
     <p:extLst>
       <p:ext uri="{BB962C8B-B14F-4D97-AF65-F5344CB8AC3E}">
-        <p14:creationId xmlns:p14="http://schemas.microsoft.com/office/powerpoint/2010/main" val="1024988059"/>
+        <p14:creationId xmlns:p14="http://schemas.microsoft.com/office/powerpoint/2010/main" val="15672131"/>
       </p:ext>
     </p:extLst>
   </p:cSld>
@@ -4079,6 +9145,537 @@
       </p:grpSpPr>
       <p:sp>
         <p:nvSpPr>
+          <p:cNvPr id="3" name="내용 개체 틀 2">
+            <a:extLst>
+              <a:ext uri="{FF2B5EF4-FFF2-40B4-BE49-F238E27FC236}">
+                <a16:creationId xmlns:a16="http://schemas.microsoft.com/office/drawing/2014/main" id="{936E4CD2-E240-4C05-A072-9FCDED74C856}"/>
+              </a:ext>
+            </a:extLst>
+          </p:cNvPr>
+          <p:cNvSpPr>
+            <a:spLocks noGrp="1"/>
+          </p:cNvSpPr>
+          <p:nvPr>
+            <p:ph idx="1"/>
+          </p:nvPr>
+        </p:nvSpPr>
+        <p:spPr>
+          <a:xfrm>
+            <a:off x="8020078" y="1891309"/>
+            <a:ext cx="3662964" cy="2042336"/>
+          </a:xfrm>
+        </p:spPr>
+        <p:txBody>
+          <a:bodyPr>
+            <a:normAutofit/>
+          </a:bodyPr>
+          <a:lstStyle/>
+          <a:p>
+            <a:r>
+              <a:rPr lang="en-US" altLang="ko-KR" sz="1400"/>
+              <a:t>border</a:t>
+            </a:r>
+            <a:r>
+              <a:rPr lang="ko-KR" altLang="en-US" sz="1400"/>
+              <a:t>는 경계선</a:t>
+            </a:r>
+            <a:endParaRPr lang="en-US" altLang="ko-KR" sz="1400"/>
+          </a:p>
+          <a:p>
+            <a:r>
+              <a:rPr lang="en-US" altLang="ko-KR" sz="1400"/>
+              <a:t>margin</a:t>
+            </a:r>
+            <a:r>
+              <a:rPr lang="ko-KR" altLang="en-US" sz="1400"/>
+              <a:t>의 순서는</a:t>
+            </a:r>
+            <a:endParaRPr lang="en-US" altLang="ko-KR" sz="1400"/>
+          </a:p>
+          <a:p>
+            <a:pPr lvl="1"/>
+            <a:r>
+              <a:rPr lang="en-US" altLang="ko-KR" sz="1400"/>
+              <a:t>top</a:t>
+            </a:r>
+          </a:p>
+          <a:p>
+            <a:pPr lvl="1"/>
+            <a:r>
+              <a:rPr lang="en-US" altLang="ko-KR" sz="1400"/>
+              <a:t>right</a:t>
+            </a:r>
+          </a:p>
+          <a:p>
+            <a:pPr lvl="1"/>
+            <a:r>
+              <a:rPr lang="en-US" altLang="ko-KR" sz="1400"/>
+              <a:t>bottom</a:t>
+            </a:r>
+          </a:p>
+          <a:p>
+            <a:pPr lvl="1"/>
+            <a:r>
+              <a:rPr lang="en-US" altLang="ko-KR" sz="1400"/>
+              <a:t>left</a:t>
+            </a:r>
+          </a:p>
+          <a:p>
+            <a:r>
+              <a:rPr lang="ko-KR" altLang="en-US" sz="1400"/>
+              <a:t>즉</a:t>
+            </a:r>
+            <a:r>
+              <a:rPr lang="en-US" altLang="ko-KR" sz="1400"/>
+              <a:t>, </a:t>
+            </a:r>
+            <a:r>
+              <a:rPr lang="ko-KR" altLang="en-US" sz="1400"/>
+              <a:t>시계방향이며</a:t>
+            </a:r>
+            <a:r>
+              <a:rPr lang="en-US" altLang="ko-KR" sz="1400"/>
+              <a:t>, </a:t>
+            </a:r>
+            <a:r>
+              <a:rPr lang="ko-KR" altLang="en-US" sz="1400"/>
+              <a:t>분리해서 쓸수도 있다</a:t>
+            </a:r>
+            <a:r>
+              <a:rPr lang="en-US" altLang="ko-KR" sz="1400"/>
+              <a:t>.</a:t>
+            </a:r>
+          </a:p>
+        </p:txBody>
+      </p:sp>
+      <p:pic>
+        <p:nvPicPr>
+          <p:cNvPr id="5" name="그림 4">
+            <a:extLst>
+              <a:ext uri="{FF2B5EF4-FFF2-40B4-BE49-F238E27FC236}">
+                <a16:creationId xmlns:a16="http://schemas.microsoft.com/office/drawing/2014/main" id="{8EBC0B00-EEBB-4A3B-9FAD-80EE0EBB55D0}"/>
+              </a:ext>
+            </a:extLst>
+          </p:cNvPr>
+          <p:cNvPicPr>
+            <a:picLocks noChangeAspect="1"/>
+          </p:cNvPicPr>
+          <p:nvPr/>
+        </p:nvPicPr>
+        <p:blipFill>
+          <a:blip r:embed="rId2"/>
+          <a:stretch>
+            <a:fillRect/>
+          </a:stretch>
+        </p:blipFill>
+        <p:spPr>
+          <a:xfrm>
+            <a:off x="3002511" y="1823465"/>
+            <a:ext cx="4546373" cy="3433167"/>
+          </a:xfrm>
+          <a:prstGeom prst="rect">
+            <a:avLst/>
+          </a:prstGeom>
+        </p:spPr>
+      </p:pic>
+      <p:pic>
+        <p:nvPicPr>
+          <p:cNvPr id="7" name="그림 6">
+            <a:extLst>
+              <a:ext uri="{FF2B5EF4-FFF2-40B4-BE49-F238E27FC236}">
+                <a16:creationId xmlns:a16="http://schemas.microsoft.com/office/drawing/2014/main" id="{5F6F5C0C-35B7-43B1-8CCA-A9D5BEF532C0}"/>
+              </a:ext>
+            </a:extLst>
+          </p:cNvPr>
+          <p:cNvPicPr>
+            <a:picLocks noChangeAspect="1"/>
+          </p:cNvPicPr>
+          <p:nvPr/>
+        </p:nvPicPr>
+        <p:blipFill>
+          <a:blip r:embed="rId3"/>
+          <a:stretch>
+            <a:fillRect/>
+          </a:stretch>
+        </p:blipFill>
+        <p:spPr>
+          <a:xfrm>
+            <a:off x="419450" y="228068"/>
+            <a:ext cx="7033774" cy="1663241"/>
+          </a:xfrm>
+          <a:prstGeom prst="rect">
+            <a:avLst/>
+          </a:prstGeom>
+        </p:spPr>
+      </p:pic>
+      <p:pic>
+        <p:nvPicPr>
+          <p:cNvPr id="9" name="그림 8">
+            <a:extLst>
+              <a:ext uri="{FF2B5EF4-FFF2-40B4-BE49-F238E27FC236}">
+                <a16:creationId xmlns:a16="http://schemas.microsoft.com/office/drawing/2014/main" id="{7F9F53E1-5845-4030-8946-3E7AC2EB1713}"/>
+              </a:ext>
+            </a:extLst>
+          </p:cNvPr>
+          <p:cNvPicPr>
+            <a:picLocks noChangeAspect="1"/>
+          </p:cNvPicPr>
+          <p:nvPr/>
+        </p:nvPicPr>
+        <p:blipFill>
+          <a:blip r:embed="rId4"/>
+          <a:stretch>
+            <a:fillRect/>
+          </a:stretch>
+        </p:blipFill>
+        <p:spPr>
+          <a:xfrm>
+            <a:off x="483766" y="5188787"/>
+            <a:ext cx="4267200" cy="1590675"/>
+          </a:xfrm>
+          <a:prstGeom prst="rect">
+            <a:avLst/>
+          </a:prstGeom>
+        </p:spPr>
+      </p:pic>
+      <p:sp>
+        <p:nvSpPr>
+          <p:cNvPr id="12" name="TextBox 11">
+            <a:extLst>
+              <a:ext uri="{FF2B5EF4-FFF2-40B4-BE49-F238E27FC236}">
+                <a16:creationId xmlns:a16="http://schemas.microsoft.com/office/drawing/2014/main" id="{7915C8E0-020E-47D2-ACAB-D70ED0A556BE}"/>
+              </a:ext>
+            </a:extLst>
+          </p:cNvPr>
+          <p:cNvSpPr txBox="1"/>
+          <p:nvPr/>
+        </p:nvSpPr>
+        <p:spPr>
+          <a:xfrm>
+            <a:off x="483766" y="4748625"/>
+            <a:ext cx="697627" cy="369332"/>
+          </a:xfrm>
+          <a:prstGeom prst="rect">
+            <a:avLst/>
+          </a:prstGeom>
+          <a:noFill/>
+        </p:spPr>
+        <p:txBody>
+          <a:bodyPr wrap="none" rtlCol="0">
+            <a:spAutoFit/>
+          </a:bodyPr>
+          <a:lstStyle/>
+          <a:p>
+            <a:r>
+              <a:rPr lang="ko-KR" altLang="en-US"/>
+              <a:t>결과</a:t>
+            </a:r>
+            <a:r>
+              <a:rPr lang="en-US" altLang="ko-KR"/>
+              <a:t>:</a:t>
+            </a:r>
+            <a:endParaRPr lang="ko-KR" altLang="en-US"/>
+          </a:p>
+        </p:txBody>
+      </p:sp>
+      <p:sp>
+        <p:nvSpPr>
+          <p:cNvPr id="13" name="TextBox 12">
+            <a:extLst>
+              <a:ext uri="{FF2B5EF4-FFF2-40B4-BE49-F238E27FC236}">
+                <a16:creationId xmlns:a16="http://schemas.microsoft.com/office/drawing/2014/main" id="{F56C234A-0DEA-4849-9107-64294D40E7BD}"/>
+              </a:ext>
+            </a:extLst>
+          </p:cNvPr>
+          <p:cNvSpPr txBox="1"/>
+          <p:nvPr/>
+        </p:nvSpPr>
+        <p:spPr>
+          <a:xfrm>
+            <a:off x="5193103" y="5660958"/>
+            <a:ext cx="3927678" cy="646331"/>
+          </a:xfrm>
+          <a:prstGeom prst="rect">
+            <a:avLst/>
+          </a:prstGeom>
+          <a:noFill/>
+        </p:spPr>
+        <p:txBody>
+          <a:bodyPr wrap="none" rtlCol="0">
+            <a:spAutoFit/>
+          </a:bodyPr>
+          <a:lstStyle/>
+          <a:p>
+            <a:r>
+              <a:rPr lang="ko-KR" altLang="en-US"/>
+              <a:t>이 경우</a:t>
+            </a:r>
+            <a:r>
+              <a:rPr lang="en-US" altLang="ko-KR"/>
+              <a:t>, </a:t>
+            </a:r>
+            <a:r>
+              <a:rPr lang="ko-KR" altLang="en-US"/>
+              <a:t>마진 겹침 현상이 나타난다</a:t>
+            </a:r>
+            <a:r>
+              <a:rPr lang="en-US" altLang="ko-KR"/>
+              <a:t>.</a:t>
+            </a:r>
+          </a:p>
+          <a:p>
+            <a:r>
+              <a:rPr lang="ko-KR" altLang="en-US"/>
+              <a:t>마진이 큰 쪽의 태그를 따른다</a:t>
+            </a:r>
+            <a:r>
+              <a:rPr lang="en-US" altLang="ko-KR"/>
+              <a:t>.</a:t>
+            </a:r>
+            <a:endParaRPr lang="ko-KR" altLang="en-US"/>
+          </a:p>
+        </p:txBody>
+      </p:sp>
+    </p:spTree>
+    <p:extLst>
+      <p:ext uri="{BB962C8B-B14F-4D97-AF65-F5344CB8AC3E}">
+        <p14:creationId xmlns:p14="http://schemas.microsoft.com/office/powerpoint/2010/main" val="1087538866"/>
+      </p:ext>
+    </p:extLst>
+  </p:cSld>
+  <p:clrMapOvr>
+    <a:masterClrMapping/>
+  </p:clrMapOvr>
+</p:sld>
+</file>
+
+<file path=ppt/slides/slide5.xml><?xml version="1.0" encoding="utf-8"?>
+<p:sld xmlns:a="http://schemas.openxmlformats.org/drawingml/2006/main" xmlns:r="http://schemas.openxmlformats.org/officeDocument/2006/relationships" xmlns:p="http://schemas.openxmlformats.org/presentationml/2006/main">
+  <p:cSld>
+    <p:spTree>
+      <p:nvGrpSpPr>
+        <p:cNvPr id="1" name=""/>
+        <p:cNvGrpSpPr/>
+        <p:nvPr/>
+      </p:nvGrpSpPr>
+      <p:grpSpPr>
+        <a:xfrm>
+          <a:off x="0" y="0"/>
+          <a:ext cx="0" cy="0"/>
+          <a:chOff x="0" y="0"/>
+          <a:chExt cx="0" cy="0"/>
+        </a:xfrm>
+      </p:grpSpPr>
+      <p:sp>
+        <p:nvSpPr>
+          <p:cNvPr id="3" name="내용 개체 틀 2">
+            <a:extLst>
+              <a:ext uri="{FF2B5EF4-FFF2-40B4-BE49-F238E27FC236}">
+                <a16:creationId xmlns:a16="http://schemas.microsoft.com/office/drawing/2014/main" id="{00FD663F-E9E7-4EA5-BA07-4E48A2F90DF7}"/>
+              </a:ext>
+            </a:extLst>
+          </p:cNvPr>
+          <p:cNvSpPr>
+            <a:spLocks noGrp="1"/>
+          </p:cNvSpPr>
+          <p:nvPr>
+            <p:ph idx="1"/>
+          </p:nvPr>
+        </p:nvSpPr>
+        <p:spPr>
+          <a:xfrm>
+            <a:off x="4992280" y="5939250"/>
+            <a:ext cx="6911699" cy="640050"/>
+          </a:xfrm>
+        </p:spPr>
+        <p:txBody>
+          <a:bodyPr>
+            <a:normAutofit fontScale="85000" lnSpcReduction="10000"/>
+          </a:bodyPr>
+          <a:lstStyle/>
+          <a:p>
+            <a:r>
+              <a:rPr lang="ko-KR" altLang="en-US"/>
+              <a:t>즉</a:t>
+            </a:r>
+            <a:r>
+              <a:rPr lang="en-US" altLang="ko-KR"/>
+              <a:t>, </a:t>
+            </a:r>
+            <a:r>
+              <a:rPr lang="ko-KR" altLang="en-US"/>
+              <a:t>패딩은 태그의 보더와 컨텐츠와의 간격이다</a:t>
+            </a:r>
+            <a:r>
+              <a:rPr lang="en-US" altLang="ko-KR"/>
+              <a:t>.</a:t>
+            </a:r>
+            <a:endParaRPr lang="ko-KR" altLang="en-US"/>
+          </a:p>
+        </p:txBody>
+      </p:sp>
+      <p:pic>
+        <p:nvPicPr>
+          <p:cNvPr id="5" name="그림 4">
+            <a:extLst>
+              <a:ext uri="{FF2B5EF4-FFF2-40B4-BE49-F238E27FC236}">
+                <a16:creationId xmlns:a16="http://schemas.microsoft.com/office/drawing/2014/main" id="{F87D31F1-A0DB-4103-A063-2670E7B260FC}"/>
+              </a:ext>
+            </a:extLst>
+          </p:cNvPr>
+          <p:cNvPicPr>
+            <a:picLocks noChangeAspect="1"/>
+          </p:cNvPicPr>
+          <p:nvPr/>
+        </p:nvPicPr>
+        <p:blipFill>
+          <a:blip r:embed="rId2"/>
+          <a:stretch>
+            <a:fillRect/>
+          </a:stretch>
+        </p:blipFill>
+        <p:spPr>
+          <a:xfrm>
+            <a:off x="389539" y="369332"/>
+            <a:ext cx="10032855" cy="1367406"/>
+          </a:xfrm>
+          <a:prstGeom prst="rect">
+            <a:avLst/>
+          </a:prstGeom>
+        </p:spPr>
+      </p:pic>
+      <p:pic>
+        <p:nvPicPr>
+          <p:cNvPr id="7" name="그림 6">
+            <a:extLst>
+              <a:ext uri="{FF2B5EF4-FFF2-40B4-BE49-F238E27FC236}">
+                <a16:creationId xmlns:a16="http://schemas.microsoft.com/office/drawing/2014/main" id="{01A44132-FB65-4DF2-BF08-1D48A2C18CBE}"/>
+              </a:ext>
+            </a:extLst>
+          </p:cNvPr>
+          <p:cNvPicPr>
+            <a:picLocks noChangeAspect="1"/>
+          </p:cNvPicPr>
+          <p:nvPr/>
+        </p:nvPicPr>
+        <p:blipFill>
+          <a:blip r:embed="rId3"/>
+          <a:stretch>
+            <a:fillRect/>
+          </a:stretch>
+        </p:blipFill>
+        <p:spPr>
+          <a:xfrm>
+            <a:off x="2211373" y="2214032"/>
+            <a:ext cx="5405967" cy="2050089"/>
+          </a:xfrm>
+          <a:prstGeom prst="rect">
+            <a:avLst/>
+          </a:prstGeom>
+        </p:spPr>
+      </p:pic>
+      <p:pic>
+        <p:nvPicPr>
+          <p:cNvPr id="9" name="그림 8">
+            <a:extLst>
+              <a:ext uri="{FF2B5EF4-FFF2-40B4-BE49-F238E27FC236}">
+                <a16:creationId xmlns:a16="http://schemas.microsoft.com/office/drawing/2014/main" id="{1079AFB4-1E45-46F0-977D-D049C5D001C4}"/>
+              </a:ext>
+            </a:extLst>
+          </p:cNvPr>
+          <p:cNvPicPr>
+            <a:picLocks noChangeAspect="1"/>
+          </p:cNvPicPr>
+          <p:nvPr/>
+        </p:nvPicPr>
+        <p:blipFill>
+          <a:blip r:embed="rId4"/>
+          <a:stretch>
+            <a:fillRect/>
+          </a:stretch>
+        </p:blipFill>
+        <p:spPr>
+          <a:xfrm>
+            <a:off x="352643" y="5620468"/>
+            <a:ext cx="4238625" cy="1123950"/>
+          </a:xfrm>
+          <a:prstGeom prst="rect">
+            <a:avLst/>
+          </a:prstGeom>
+        </p:spPr>
+      </p:pic>
+      <p:sp>
+        <p:nvSpPr>
+          <p:cNvPr id="10" name="TextBox 9">
+            <a:extLst>
+              <a:ext uri="{FF2B5EF4-FFF2-40B4-BE49-F238E27FC236}">
+                <a16:creationId xmlns:a16="http://schemas.microsoft.com/office/drawing/2014/main" id="{B9DCDB54-3C8E-48F3-87F7-AA0CC325EB51}"/>
+              </a:ext>
+            </a:extLst>
+          </p:cNvPr>
+          <p:cNvSpPr txBox="1"/>
+          <p:nvPr/>
+        </p:nvSpPr>
+        <p:spPr>
+          <a:xfrm>
+            <a:off x="352643" y="4973056"/>
+            <a:ext cx="697627" cy="369332"/>
+          </a:xfrm>
+          <a:prstGeom prst="rect">
+            <a:avLst/>
+          </a:prstGeom>
+          <a:noFill/>
+        </p:spPr>
+        <p:txBody>
+          <a:bodyPr wrap="none" rtlCol="0">
+            <a:spAutoFit/>
+          </a:bodyPr>
+          <a:lstStyle/>
+          <a:p>
+            <a:r>
+              <a:rPr lang="ko-KR" altLang="en-US"/>
+              <a:t>결과</a:t>
+            </a:r>
+            <a:r>
+              <a:rPr lang="en-US" altLang="ko-KR"/>
+              <a:t>:</a:t>
+            </a:r>
+            <a:endParaRPr lang="ko-KR" altLang="en-US"/>
+          </a:p>
+        </p:txBody>
+      </p:sp>
+    </p:spTree>
+    <p:extLst>
+      <p:ext uri="{BB962C8B-B14F-4D97-AF65-F5344CB8AC3E}">
+        <p14:creationId xmlns:p14="http://schemas.microsoft.com/office/powerpoint/2010/main" val="1024988059"/>
+      </p:ext>
+    </p:extLst>
+  </p:cSld>
+  <p:clrMapOvr>
+    <a:masterClrMapping/>
+  </p:clrMapOvr>
+</p:sld>
+</file>
+
+<file path=ppt/slides/slide6.xml><?xml version="1.0" encoding="utf-8"?>
+<p:sld xmlns:a="http://schemas.openxmlformats.org/drawingml/2006/main" xmlns:r="http://schemas.openxmlformats.org/officeDocument/2006/relationships" xmlns:p="http://schemas.openxmlformats.org/presentationml/2006/main">
+  <p:cSld>
+    <p:spTree>
+      <p:nvGrpSpPr>
+        <p:cNvPr id="1" name=""/>
+        <p:cNvGrpSpPr/>
+        <p:nvPr/>
+      </p:nvGrpSpPr>
+      <p:grpSpPr>
+        <a:xfrm>
+          <a:off x="0" y="0"/>
+          <a:ext cx="0" cy="0"/>
+          <a:chOff x="0" y="0"/>
+          <a:chExt cx="0" cy="0"/>
+        </a:xfrm>
+      </p:grpSpPr>
+      <p:sp>
+        <p:nvSpPr>
           <p:cNvPr id="2" name="제목 1">
             <a:extLst>
               <a:ext uri="{FF2B5EF4-FFF2-40B4-BE49-F238E27FC236}">
@@ -4250,6 +9847,898 @@
     <p:extLst>
       <p:ext uri="{BB962C8B-B14F-4D97-AF65-F5344CB8AC3E}">
         <p14:creationId xmlns:p14="http://schemas.microsoft.com/office/powerpoint/2010/main" val="3886089129"/>
+      </p:ext>
+    </p:extLst>
+  </p:cSld>
+  <p:clrMapOvr>
+    <a:masterClrMapping/>
+  </p:clrMapOvr>
+</p:sld>
+</file>
+
+<file path=ppt/slides/slide7.xml><?xml version="1.0" encoding="utf-8"?>
+<p:sld xmlns:a="http://schemas.openxmlformats.org/drawingml/2006/main" xmlns:r="http://schemas.openxmlformats.org/officeDocument/2006/relationships" xmlns:p="http://schemas.openxmlformats.org/presentationml/2006/main">
+  <p:cSld>
+    <p:spTree>
+      <p:nvGrpSpPr>
+        <p:cNvPr id="1" name=""/>
+        <p:cNvGrpSpPr/>
+        <p:nvPr/>
+      </p:nvGrpSpPr>
+      <p:grpSpPr>
+        <a:xfrm>
+          <a:off x="0" y="0"/>
+          <a:ext cx="0" cy="0"/>
+          <a:chOff x="0" y="0"/>
+          <a:chExt cx="0" cy="0"/>
+        </a:xfrm>
+      </p:grpSpPr>
+      <p:sp>
+        <p:nvSpPr>
+          <p:cNvPr id="2" name="제목 1">
+            <a:extLst>
+              <a:ext uri="{FF2B5EF4-FFF2-40B4-BE49-F238E27FC236}">
+                <a16:creationId xmlns:a16="http://schemas.microsoft.com/office/drawing/2014/main" id="{D9671410-4635-4A6A-82D0-97EF48C2FABE}"/>
+              </a:ext>
+            </a:extLst>
+          </p:cNvPr>
+          <p:cNvSpPr>
+            <a:spLocks noGrp="1"/>
+          </p:cNvSpPr>
+          <p:nvPr>
+            <p:ph type="title"/>
+          </p:nvPr>
+        </p:nvSpPr>
+        <p:spPr>
+          <a:xfrm>
+            <a:off x="838200" y="365125"/>
+            <a:ext cx="10515600" cy="616387"/>
+          </a:xfrm>
+        </p:spPr>
+        <p:txBody>
+          <a:bodyPr>
+            <a:normAutofit fontScale="90000"/>
+          </a:bodyPr>
+          <a:lstStyle/>
+          <a:p>
+            <a:r>
+              <a:rPr lang="en-US" altLang="ko-KR"/>
+              <a:t>display</a:t>
+            </a:r>
+            <a:endParaRPr lang="ko-KR" altLang="en-US"/>
+          </a:p>
+        </p:txBody>
+      </p:sp>
+      <p:sp>
+        <p:nvSpPr>
+          <p:cNvPr id="3" name="내용 개체 틀 2">
+            <a:extLst>
+              <a:ext uri="{FF2B5EF4-FFF2-40B4-BE49-F238E27FC236}">
+                <a16:creationId xmlns:a16="http://schemas.microsoft.com/office/drawing/2014/main" id="{B9DD0C1D-E8F2-439B-9B5D-04274D3F4339}"/>
+              </a:ext>
+            </a:extLst>
+          </p:cNvPr>
+          <p:cNvSpPr>
+            <a:spLocks noGrp="1"/>
+          </p:cNvSpPr>
+          <p:nvPr>
+            <p:ph idx="1"/>
+          </p:nvPr>
+        </p:nvSpPr>
+        <p:spPr>
+          <a:xfrm>
+            <a:off x="838200" y="1098958"/>
+            <a:ext cx="10515600" cy="5637401"/>
+          </a:xfrm>
+        </p:spPr>
+        <p:txBody>
+          <a:bodyPr>
+            <a:normAutofit/>
+          </a:bodyPr>
+          <a:lstStyle/>
+          <a:p>
+            <a:r>
+              <a:rPr lang="en-US" altLang="ko-KR"/>
+              <a:t>display 	</a:t>
+            </a:r>
+            <a:r>
+              <a:rPr lang="ko-KR" altLang="en-US"/>
+              <a:t>해당 태그가 화면에 어떻게 나올지를 정의하는 </a:t>
+            </a:r>
+            <a:r>
+              <a:rPr lang="en-US" altLang="ko-KR"/>
+              <a:t>			property</a:t>
+            </a:r>
+          </a:p>
+          <a:p>
+            <a:r>
+              <a:rPr lang="ko-KR" altLang="en-US"/>
+              <a:t>모든 태그는 기본적으로 다음 세 가지 중 하나를 가진다</a:t>
+            </a:r>
+            <a:endParaRPr lang="en-US" altLang="ko-KR"/>
+          </a:p>
+          <a:p>
+            <a:pPr lvl="1"/>
+            <a:r>
+              <a:rPr lang="en-US" altLang="ko-KR"/>
+              <a:t>block		</a:t>
+            </a:r>
+            <a:r>
+              <a:rPr lang="ko-KR" altLang="en-US"/>
+              <a:t>가로 전체를 차지함</a:t>
+            </a:r>
+            <a:r>
+              <a:rPr lang="en-US" altLang="ko-KR"/>
+              <a:t>. </a:t>
+            </a:r>
+            <a:r>
+              <a:rPr lang="ko-KR" altLang="en-US"/>
+              <a:t>크기 지정 가능</a:t>
+            </a:r>
+            <a:endParaRPr lang="en-US" altLang="ko-KR"/>
+          </a:p>
+          <a:p>
+            <a:pPr marL="457200" lvl="1" indent="0">
+              <a:buNone/>
+            </a:pPr>
+            <a:r>
+              <a:rPr lang="en-US" altLang="ko-KR"/>
+              <a:t>				&lt;div&gt;, &lt;h1&gt;</a:t>
+            </a:r>
+          </a:p>
+          <a:p>
+            <a:pPr lvl="1"/>
+            <a:r>
+              <a:rPr lang="en-US" altLang="ko-KR"/>
+              <a:t>inline		</a:t>
+            </a:r>
+            <a:r>
+              <a:rPr lang="ko-KR" altLang="en-US"/>
+              <a:t>쓰인 영역만 차지함</a:t>
+            </a:r>
+            <a:r>
+              <a:rPr lang="en-US" altLang="ko-KR"/>
+              <a:t>. </a:t>
+            </a:r>
+            <a:r>
+              <a:rPr lang="ko-KR" altLang="en-US"/>
+              <a:t>크기 지정 불가능</a:t>
+            </a:r>
+            <a:endParaRPr lang="en-US" altLang="ko-KR"/>
+          </a:p>
+          <a:p>
+            <a:pPr marL="457200" lvl="1" indent="0">
+              <a:buNone/>
+            </a:pPr>
+            <a:r>
+              <a:rPr lang="en-US" altLang="ko-KR"/>
+              <a:t>				&lt;span&gt;, &lt;a&gt;</a:t>
+            </a:r>
+          </a:p>
+          <a:p>
+            <a:pPr lvl="1"/>
+            <a:r>
+              <a:rPr lang="en-US" altLang="ko-KR"/>
+              <a:t>inline-block	</a:t>
+            </a:r>
+            <a:r>
+              <a:rPr lang="ko-KR" altLang="en-US"/>
+              <a:t>쓰인 영역만 차지하나</a:t>
+            </a:r>
+            <a:r>
+              <a:rPr lang="en-US" altLang="ko-KR"/>
+              <a:t>, </a:t>
+            </a:r>
+            <a:r>
+              <a:rPr lang="ko-KR" altLang="en-US"/>
+              <a:t>크기 변경 가능</a:t>
+            </a:r>
+            <a:endParaRPr lang="en-US" altLang="ko-KR"/>
+          </a:p>
+          <a:p>
+            <a:pPr marL="457200" lvl="1" indent="0">
+              <a:buNone/>
+            </a:pPr>
+            <a:r>
+              <a:rPr lang="en-US" altLang="ko-KR"/>
+              <a:t>				&lt;button&gt;</a:t>
+            </a:r>
+          </a:p>
+          <a:p>
+            <a:r>
+              <a:rPr lang="ko-KR" altLang="en-US"/>
+              <a:t>추가적으로</a:t>
+            </a:r>
+            <a:r>
+              <a:rPr lang="en-US" altLang="ko-KR"/>
+              <a:t>, </a:t>
+            </a:r>
+            <a:r>
+              <a:rPr lang="ko-KR" altLang="en-US"/>
+              <a:t>다음이 쓰인다</a:t>
+            </a:r>
+            <a:r>
+              <a:rPr lang="en-US" altLang="ko-KR"/>
+              <a:t>.</a:t>
+            </a:r>
+          </a:p>
+          <a:p>
+            <a:pPr lvl="1"/>
+            <a:r>
+              <a:rPr lang="en-US" altLang="ko-KR"/>
+              <a:t>none		</a:t>
+            </a:r>
+            <a:r>
+              <a:rPr lang="ko-KR" altLang="en-US"/>
+              <a:t>화면에서 아예 안 보이게 만들 때</a:t>
+            </a:r>
+            <a:endParaRPr lang="en-US" altLang="ko-KR"/>
+          </a:p>
+          <a:p>
+            <a:pPr marL="457200" lvl="1" indent="0">
+              <a:buNone/>
+            </a:pPr>
+            <a:r>
+              <a:rPr lang="en-US" altLang="ko-KR"/>
+              <a:t>			JavaScript </a:t>
+            </a:r>
+            <a:r>
+              <a:rPr lang="ko-KR" altLang="en-US"/>
+              <a:t>와 같이 쓰임</a:t>
+            </a:r>
+            <a:endParaRPr lang="en-US" altLang="ko-KR"/>
+          </a:p>
+          <a:p>
+            <a:pPr lvl="1"/>
+            <a:r>
+              <a:rPr lang="en-US" altLang="ko-KR"/>
+              <a:t>grid		</a:t>
+            </a:r>
+            <a:r>
+              <a:rPr lang="ko-KR" altLang="en-US"/>
+              <a:t>레이아웃 짤 때</a:t>
+            </a:r>
+            <a:endParaRPr lang="en-US" altLang="ko-KR"/>
+          </a:p>
+        </p:txBody>
+      </p:sp>
+    </p:spTree>
+    <p:extLst>
+      <p:ext uri="{BB962C8B-B14F-4D97-AF65-F5344CB8AC3E}">
+        <p14:creationId xmlns:p14="http://schemas.microsoft.com/office/powerpoint/2010/main" val="2217567435"/>
+      </p:ext>
+    </p:extLst>
+  </p:cSld>
+  <p:clrMapOvr>
+    <a:masterClrMapping/>
+  </p:clrMapOvr>
+</p:sld>
+</file>
+
+<file path=ppt/slides/slide8.xml><?xml version="1.0" encoding="utf-8"?>
+<p:sld xmlns:a="http://schemas.openxmlformats.org/drawingml/2006/main" xmlns:r="http://schemas.openxmlformats.org/officeDocument/2006/relationships" xmlns:p="http://schemas.openxmlformats.org/presentationml/2006/main">
+  <p:cSld>
+    <p:spTree>
+      <p:nvGrpSpPr>
+        <p:cNvPr id="1" name=""/>
+        <p:cNvGrpSpPr/>
+        <p:nvPr/>
+      </p:nvGrpSpPr>
+      <p:grpSpPr>
+        <a:xfrm>
+          <a:off x="0" y="0"/>
+          <a:ext cx="0" cy="0"/>
+          <a:chOff x="0" y="0"/>
+          <a:chExt cx="0" cy="0"/>
+        </a:xfrm>
+      </p:grpSpPr>
+      <p:sp>
+        <p:nvSpPr>
+          <p:cNvPr id="2" name="제목 1">
+            <a:extLst>
+              <a:ext uri="{FF2B5EF4-FFF2-40B4-BE49-F238E27FC236}">
+                <a16:creationId xmlns:a16="http://schemas.microsoft.com/office/drawing/2014/main" id="{2C0DE990-87B3-45E1-B14B-9F47BF462A22}"/>
+              </a:ext>
+            </a:extLst>
+          </p:cNvPr>
+          <p:cNvSpPr>
+            <a:spLocks noGrp="1"/>
+          </p:cNvSpPr>
+          <p:nvPr>
+            <p:ph type="title"/>
+          </p:nvPr>
+        </p:nvSpPr>
+        <p:spPr>
+          <a:xfrm>
+            <a:off x="838200" y="365125"/>
+            <a:ext cx="10515600" cy="784167"/>
+          </a:xfrm>
+        </p:spPr>
+        <p:txBody>
+          <a:bodyPr/>
+          <a:lstStyle/>
+          <a:p>
+            <a:r>
+              <a:rPr lang="en-US" altLang="ko-KR"/>
+              <a:t>block	</a:t>
+            </a:r>
+            <a:r>
+              <a:rPr lang="ko-KR" altLang="en-US"/>
+              <a:t>가로 전체 차지</a:t>
+            </a:r>
+            <a:r>
+              <a:rPr lang="en-US" altLang="ko-KR"/>
+              <a:t>. </a:t>
+            </a:r>
+            <a:r>
+              <a:rPr lang="ko-KR" altLang="en-US"/>
+              <a:t>크기 지정 가능</a:t>
+            </a:r>
+            <a:r>
+              <a:rPr lang="en-US" altLang="ko-KR"/>
+              <a:t>	</a:t>
+            </a:r>
+            <a:endParaRPr lang="ko-KR" altLang="en-US"/>
+          </a:p>
+        </p:txBody>
+      </p:sp>
+      <p:pic>
+        <p:nvPicPr>
+          <p:cNvPr id="5" name="그림 4">
+            <a:extLst>
+              <a:ext uri="{FF2B5EF4-FFF2-40B4-BE49-F238E27FC236}">
+                <a16:creationId xmlns:a16="http://schemas.microsoft.com/office/drawing/2014/main" id="{FF3CFFFE-3FD4-40D3-8F4E-40E186312199}"/>
+              </a:ext>
+            </a:extLst>
+          </p:cNvPr>
+          <p:cNvPicPr>
+            <a:picLocks noChangeAspect="1"/>
+          </p:cNvPicPr>
+          <p:nvPr/>
+        </p:nvPicPr>
+        <p:blipFill>
+          <a:blip r:embed="rId2"/>
+          <a:stretch>
+            <a:fillRect/>
+          </a:stretch>
+        </p:blipFill>
+        <p:spPr>
+          <a:xfrm>
+            <a:off x="838200" y="1494284"/>
+            <a:ext cx="6200163" cy="392805"/>
+          </a:xfrm>
+          <a:prstGeom prst="rect">
+            <a:avLst/>
+          </a:prstGeom>
+        </p:spPr>
+      </p:pic>
+      <p:pic>
+        <p:nvPicPr>
+          <p:cNvPr id="9" name="그림 8">
+            <a:extLst>
+              <a:ext uri="{FF2B5EF4-FFF2-40B4-BE49-F238E27FC236}">
+                <a16:creationId xmlns:a16="http://schemas.microsoft.com/office/drawing/2014/main" id="{955A6270-CFBD-41A5-BFB5-E57628EC5546}"/>
+              </a:ext>
+            </a:extLst>
+          </p:cNvPr>
+          <p:cNvPicPr>
+            <a:picLocks noChangeAspect="1"/>
+          </p:cNvPicPr>
+          <p:nvPr/>
+        </p:nvPicPr>
+        <p:blipFill>
+          <a:blip r:embed="rId3"/>
+          <a:stretch>
+            <a:fillRect/>
+          </a:stretch>
+        </p:blipFill>
+        <p:spPr>
+          <a:xfrm>
+            <a:off x="2105636" y="2122710"/>
+            <a:ext cx="8231697" cy="2931996"/>
+          </a:xfrm>
+          <a:prstGeom prst="rect">
+            <a:avLst/>
+          </a:prstGeom>
+        </p:spPr>
+      </p:pic>
+      <p:sp>
+        <p:nvSpPr>
+          <p:cNvPr id="14" name="TextBox 13">
+            <a:extLst>
+              <a:ext uri="{FF2B5EF4-FFF2-40B4-BE49-F238E27FC236}">
+                <a16:creationId xmlns:a16="http://schemas.microsoft.com/office/drawing/2014/main" id="{5C10D713-3D7B-42A4-A68F-59C9B82AE527}"/>
+              </a:ext>
+            </a:extLst>
+          </p:cNvPr>
+          <p:cNvSpPr txBox="1"/>
+          <p:nvPr/>
+        </p:nvSpPr>
+        <p:spPr>
+          <a:xfrm>
+            <a:off x="838200" y="5351979"/>
+            <a:ext cx="697627" cy="369332"/>
+          </a:xfrm>
+          <a:prstGeom prst="rect">
+            <a:avLst/>
+          </a:prstGeom>
+          <a:noFill/>
+        </p:spPr>
+        <p:txBody>
+          <a:bodyPr wrap="none" rtlCol="0">
+            <a:spAutoFit/>
+          </a:bodyPr>
+          <a:lstStyle/>
+          <a:p>
+            <a:r>
+              <a:rPr lang="ko-KR" altLang="en-US"/>
+              <a:t>결과</a:t>
+            </a:r>
+            <a:r>
+              <a:rPr lang="en-US" altLang="ko-KR"/>
+              <a:t>:</a:t>
+            </a:r>
+            <a:endParaRPr lang="ko-KR" altLang="en-US"/>
+          </a:p>
+        </p:txBody>
+      </p:sp>
+      <p:pic>
+        <p:nvPicPr>
+          <p:cNvPr id="17" name="그림 16">
+            <a:extLst>
+              <a:ext uri="{FF2B5EF4-FFF2-40B4-BE49-F238E27FC236}">
+                <a16:creationId xmlns:a16="http://schemas.microsoft.com/office/drawing/2014/main" id="{85B6FC57-0827-4084-A9FF-816BB5D03794}"/>
+              </a:ext>
+            </a:extLst>
+          </p:cNvPr>
+          <p:cNvPicPr>
+            <a:picLocks noChangeAspect="1"/>
+          </p:cNvPicPr>
+          <p:nvPr/>
+        </p:nvPicPr>
+        <p:blipFill>
+          <a:blip r:embed="rId4"/>
+          <a:stretch>
+            <a:fillRect/>
+          </a:stretch>
+        </p:blipFill>
+        <p:spPr>
+          <a:xfrm>
+            <a:off x="838200" y="5841804"/>
+            <a:ext cx="5698372" cy="716909"/>
+          </a:xfrm>
+          <a:prstGeom prst="rect">
+            <a:avLst/>
+          </a:prstGeom>
+        </p:spPr>
+      </p:pic>
+      <p:sp>
+        <p:nvSpPr>
+          <p:cNvPr id="18" name="TextBox 17">
+            <a:extLst>
+              <a:ext uri="{FF2B5EF4-FFF2-40B4-BE49-F238E27FC236}">
+                <a16:creationId xmlns:a16="http://schemas.microsoft.com/office/drawing/2014/main" id="{CA319E92-2571-4727-AF8F-676289F2618D}"/>
+              </a:ext>
+            </a:extLst>
+          </p:cNvPr>
+          <p:cNvSpPr txBox="1"/>
+          <p:nvPr/>
+        </p:nvSpPr>
+        <p:spPr>
+          <a:xfrm>
+            <a:off x="7038363" y="5841804"/>
+            <a:ext cx="5112297" cy="646331"/>
+          </a:xfrm>
+          <a:prstGeom prst="rect">
+            <a:avLst/>
+          </a:prstGeom>
+          <a:noFill/>
+        </p:spPr>
+        <p:txBody>
+          <a:bodyPr wrap="none" rtlCol="0">
+            <a:spAutoFit/>
+          </a:bodyPr>
+          <a:lstStyle/>
+          <a:p>
+            <a:r>
+              <a:rPr lang="ko-KR" altLang="en-US"/>
+              <a:t>대표적인 태그</a:t>
+            </a:r>
+            <a:r>
+              <a:rPr lang="en-US" altLang="ko-KR"/>
+              <a:t>: </a:t>
+            </a:r>
+            <a:r>
+              <a:rPr lang="en-US" altLang="ko-KR">
+                <a:solidFill>
+                  <a:srgbClr val="FF0000"/>
+                </a:solidFill>
+              </a:rPr>
+              <a:t>&lt;div&gt;</a:t>
+            </a:r>
+            <a:r>
+              <a:rPr lang="en-US" altLang="ko-KR"/>
+              <a:t>,</a:t>
+            </a:r>
+            <a:r>
+              <a:rPr lang="en-US" altLang="ko-KR">
+                <a:solidFill>
+                  <a:srgbClr val="FF0000"/>
+                </a:solidFill>
+              </a:rPr>
+              <a:t> </a:t>
+            </a:r>
+            <a:r>
+              <a:rPr lang="en-US" altLang="ko-KR"/>
+              <a:t>&lt;h1&gt;</a:t>
+            </a:r>
+          </a:p>
+          <a:p>
+            <a:r>
+              <a:rPr lang="ko-KR" altLang="en-US"/>
+              <a:t>화면 전체가 아니라</a:t>
+            </a:r>
+            <a:r>
+              <a:rPr lang="en-US" altLang="ko-KR"/>
+              <a:t>, </a:t>
+            </a:r>
+            <a:r>
+              <a:rPr lang="ko-KR" altLang="en-US">
+                <a:solidFill>
+                  <a:srgbClr val="FF0000"/>
+                </a:solidFill>
+              </a:rPr>
+              <a:t>정해진 영역의 가로</a:t>
+            </a:r>
+            <a:r>
+              <a:rPr lang="ko-KR" altLang="en-US"/>
+              <a:t>를 말함</a:t>
+            </a:r>
+          </a:p>
+        </p:txBody>
+      </p:sp>
+    </p:spTree>
+    <p:extLst>
+      <p:ext uri="{BB962C8B-B14F-4D97-AF65-F5344CB8AC3E}">
+        <p14:creationId xmlns:p14="http://schemas.microsoft.com/office/powerpoint/2010/main" val="4211511574"/>
+      </p:ext>
+    </p:extLst>
+  </p:cSld>
+  <p:clrMapOvr>
+    <a:masterClrMapping/>
+  </p:clrMapOvr>
+</p:sld>
+</file>
+
+<file path=ppt/slides/slide9.xml><?xml version="1.0" encoding="utf-8"?>
+<p:sld xmlns:a="http://schemas.openxmlformats.org/drawingml/2006/main" xmlns:r="http://schemas.openxmlformats.org/officeDocument/2006/relationships" xmlns:p="http://schemas.openxmlformats.org/presentationml/2006/main">
+  <p:cSld>
+    <p:spTree>
+      <p:nvGrpSpPr>
+        <p:cNvPr id="1" name=""/>
+        <p:cNvGrpSpPr/>
+        <p:nvPr/>
+      </p:nvGrpSpPr>
+      <p:grpSpPr>
+        <a:xfrm>
+          <a:off x="0" y="0"/>
+          <a:ext cx="0" cy="0"/>
+          <a:chOff x="0" y="0"/>
+          <a:chExt cx="0" cy="0"/>
+        </a:xfrm>
+      </p:grpSpPr>
+      <p:sp>
+        <p:nvSpPr>
+          <p:cNvPr id="2" name="제목 1">
+            <a:extLst>
+              <a:ext uri="{FF2B5EF4-FFF2-40B4-BE49-F238E27FC236}">
+                <a16:creationId xmlns:a16="http://schemas.microsoft.com/office/drawing/2014/main" id="{EBE1C694-19A3-4E9F-A421-686D2C676E46}"/>
+              </a:ext>
+            </a:extLst>
+          </p:cNvPr>
+          <p:cNvSpPr>
+            <a:spLocks noGrp="1"/>
+          </p:cNvSpPr>
+          <p:nvPr>
+            <p:ph type="title"/>
+          </p:nvPr>
+        </p:nvSpPr>
+        <p:spPr/>
+        <p:txBody>
+          <a:bodyPr>
+            <a:normAutofit/>
+          </a:bodyPr>
+          <a:lstStyle/>
+          <a:p>
+            <a:r>
+              <a:rPr lang="en-US" altLang="ko-KR" sz="4000"/>
+              <a:t>inline	</a:t>
+            </a:r>
+            <a:r>
+              <a:rPr lang="ko-KR" altLang="en-US" sz="4000"/>
+              <a:t>쓰인 영역만 차지</a:t>
+            </a:r>
+            <a:r>
+              <a:rPr lang="en-US" altLang="ko-KR" sz="4000"/>
+              <a:t>. </a:t>
+            </a:r>
+            <a:r>
+              <a:rPr lang="ko-KR" altLang="en-US" sz="4000"/>
+              <a:t>크기 지정 불가능</a:t>
+            </a:r>
+          </a:p>
+        </p:txBody>
+      </p:sp>
+      <p:sp>
+        <p:nvSpPr>
+          <p:cNvPr id="8" name="TextBox 7">
+            <a:extLst>
+              <a:ext uri="{FF2B5EF4-FFF2-40B4-BE49-F238E27FC236}">
+                <a16:creationId xmlns:a16="http://schemas.microsoft.com/office/drawing/2014/main" id="{2312EFDD-F758-4362-A635-F49FC3C5752C}"/>
+              </a:ext>
+            </a:extLst>
+          </p:cNvPr>
+          <p:cNvSpPr txBox="1"/>
+          <p:nvPr/>
+        </p:nvSpPr>
+        <p:spPr>
+          <a:xfrm>
+            <a:off x="838200" y="5351979"/>
+            <a:ext cx="697627" cy="369332"/>
+          </a:xfrm>
+          <a:prstGeom prst="rect">
+            <a:avLst/>
+          </a:prstGeom>
+          <a:noFill/>
+        </p:spPr>
+        <p:txBody>
+          <a:bodyPr wrap="none" rtlCol="0">
+            <a:spAutoFit/>
+          </a:bodyPr>
+          <a:lstStyle/>
+          <a:p>
+            <a:r>
+              <a:rPr lang="ko-KR" altLang="en-US"/>
+              <a:t>결과</a:t>
+            </a:r>
+            <a:r>
+              <a:rPr lang="en-US" altLang="ko-KR"/>
+              <a:t>:</a:t>
+            </a:r>
+            <a:endParaRPr lang="ko-KR" altLang="en-US"/>
+          </a:p>
+        </p:txBody>
+      </p:sp>
+      <p:pic>
+        <p:nvPicPr>
+          <p:cNvPr id="10" name="그림 9">
+            <a:extLst>
+              <a:ext uri="{FF2B5EF4-FFF2-40B4-BE49-F238E27FC236}">
+                <a16:creationId xmlns:a16="http://schemas.microsoft.com/office/drawing/2014/main" id="{69ECA516-DC90-4265-82F7-7A84DD53ACAF}"/>
+              </a:ext>
+            </a:extLst>
+          </p:cNvPr>
+          <p:cNvPicPr>
+            <a:picLocks noChangeAspect="1"/>
+          </p:cNvPicPr>
+          <p:nvPr/>
+        </p:nvPicPr>
+        <p:blipFill>
+          <a:blip r:embed="rId2"/>
+          <a:stretch>
+            <a:fillRect/>
+          </a:stretch>
+        </p:blipFill>
+        <p:spPr>
+          <a:xfrm>
+            <a:off x="838200" y="5721311"/>
+            <a:ext cx="1910985" cy="826816"/>
+          </a:xfrm>
+          <a:prstGeom prst="rect">
+            <a:avLst/>
+          </a:prstGeom>
+        </p:spPr>
+      </p:pic>
+      <p:pic>
+        <p:nvPicPr>
+          <p:cNvPr id="14" name="그림 13">
+            <a:extLst>
+              <a:ext uri="{FF2B5EF4-FFF2-40B4-BE49-F238E27FC236}">
+                <a16:creationId xmlns:a16="http://schemas.microsoft.com/office/drawing/2014/main" id="{5330E239-0C3B-48AB-B59E-C23210BEC703}"/>
+              </a:ext>
+            </a:extLst>
+          </p:cNvPr>
+          <p:cNvPicPr>
+            <a:picLocks noChangeAspect="1"/>
+          </p:cNvPicPr>
+          <p:nvPr/>
+        </p:nvPicPr>
+        <p:blipFill>
+          <a:blip r:embed="rId3"/>
+          <a:stretch>
+            <a:fillRect/>
+          </a:stretch>
+        </p:blipFill>
+        <p:spPr>
+          <a:xfrm>
+            <a:off x="1793692" y="2173077"/>
+            <a:ext cx="6517547" cy="3178902"/>
+          </a:xfrm>
+          <a:prstGeom prst="rect">
+            <a:avLst/>
+          </a:prstGeom>
+        </p:spPr>
+      </p:pic>
+      <p:sp>
+        <p:nvSpPr>
+          <p:cNvPr id="15" name="TextBox 14">
+            <a:extLst>
+              <a:ext uri="{FF2B5EF4-FFF2-40B4-BE49-F238E27FC236}">
+                <a16:creationId xmlns:a16="http://schemas.microsoft.com/office/drawing/2014/main" id="{15899C1E-00D0-4445-92C2-1A48DF219C12}"/>
+              </a:ext>
+            </a:extLst>
+          </p:cNvPr>
+          <p:cNvSpPr txBox="1"/>
+          <p:nvPr/>
+        </p:nvSpPr>
+        <p:spPr>
+          <a:xfrm>
+            <a:off x="2952925" y="5762169"/>
+            <a:ext cx="3172600" cy="369332"/>
+          </a:xfrm>
+          <a:prstGeom prst="rect">
+            <a:avLst/>
+          </a:prstGeom>
+          <a:noFill/>
+        </p:spPr>
+        <p:txBody>
+          <a:bodyPr wrap="none" rtlCol="0">
+            <a:spAutoFit/>
+          </a:bodyPr>
+          <a:lstStyle/>
+          <a:p>
+            <a:r>
+              <a:rPr lang="ko-KR" altLang="en-US"/>
+              <a:t>대표적인 태그</a:t>
+            </a:r>
+            <a:r>
+              <a:rPr lang="en-US" altLang="ko-KR"/>
+              <a:t>: </a:t>
+            </a:r>
+            <a:r>
+              <a:rPr lang="en-US" altLang="ko-KR">
+                <a:solidFill>
+                  <a:srgbClr val="FF0000"/>
+                </a:solidFill>
+              </a:rPr>
+              <a:t>&lt;span&gt;, </a:t>
+            </a:r>
+            <a:r>
+              <a:rPr lang="en-US" altLang="ko-KR"/>
+              <a:t>&lt;a&gt;</a:t>
+            </a:r>
+            <a:endParaRPr lang="ko-KR" altLang="en-US"/>
+          </a:p>
+        </p:txBody>
+      </p:sp>
+      <p:sp>
+        <p:nvSpPr>
+          <p:cNvPr id="16" name="TextBox 15">
+            <a:extLst>
+              <a:ext uri="{FF2B5EF4-FFF2-40B4-BE49-F238E27FC236}">
+                <a16:creationId xmlns:a16="http://schemas.microsoft.com/office/drawing/2014/main" id="{685F2E4A-E6E9-47FB-B6AA-1BCA2DDDE68E}"/>
+              </a:ext>
+            </a:extLst>
+          </p:cNvPr>
+          <p:cNvSpPr txBox="1"/>
+          <p:nvPr/>
+        </p:nvSpPr>
+        <p:spPr>
+          <a:xfrm>
+            <a:off x="2952925" y="6134719"/>
+            <a:ext cx="7574446" cy="369332"/>
+          </a:xfrm>
+          <a:prstGeom prst="rect">
+            <a:avLst/>
+          </a:prstGeom>
+          <a:noFill/>
+        </p:spPr>
+        <p:txBody>
+          <a:bodyPr wrap="none" rtlCol="0">
+            <a:spAutoFit/>
+          </a:bodyPr>
+          <a:lstStyle/>
+          <a:p>
+            <a:r>
+              <a:rPr lang="ko-KR" altLang="en-US">
+                <a:solidFill>
+                  <a:srgbClr val="FF0000"/>
+                </a:solidFill>
+              </a:rPr>
+              <a:t>즉</a:t>
+            </a:r>
+            <a:r>
+              <a:rPr lang="en-US" altLang="ko-KR">
+                <a:solidFill>
+                  <a:srgbClr val="FF0000"/>
+                </a:solidFill>
+              </a:rPr>
+              <a:t>, inline</a:t>
+            </a:r>
+            <a:r>
+              <a:rPr lang="ko-KR" altLang="en-US">
+                <a:solidFill>
+                  <a:srgbClr val="FF0000"/>
+                </a:solidFill>
+              </a:rPr>
+              <a:t>을 써야 할 의미없는 태그를 쓰고싶으면 </a:t>
+            </a:r>
+            <a:r>
+              <a:rPr lang="en-US" altLang="ko-KR">
+                <a:solidFill>
+                  <a:srgbClr val="FF0000"/>
+                </a:solidFill>
+              </a:rPr>
+              <a:t>&lt;div&gt; </a:t>
+            </a:r>
+            <a:r>
+              <a:rPr lang="ko-KR" altLang="en-US">
+                <a:solidFill>
+                  <a:srgbClr val="FF0000"/>
+                </a:solidFill>
+              </a:rPr>
+              <a:t>대신 </a:t>
+            </a:r>
+            <a:r>
+              <a:rPr lang="en-US" altLang="ko-KR">
+                <a:solidFill>
+                  <a:srgbClr val="FF0000"/>
+                </a:solidFill>
+              </a:rPr>
+              <a:t>&lt;span&gt; !!!</a:t>
+            </a:r>
+            <a:endParaRPr lang="ko-KR" altLang="en-US">
+              <a:solidFill>
+                <a:srgbClr val="FF0000"/>
+              </a:solidFill>
+            </a:endParaRPr>
+          </a:p>
+        </p:txBody>
+      </p:sp>
+      <p:pic>
+        <p:nvPicPr>
+          <p:cNvPr id="18" name="그림 17">
+            <a:extLst>
+              <a:ext uri="{FF2B5EF4-FFF2-40B4-BE49-F238E27FC236}">
+                <a16:creationId xmlns:a16="http://schemas.microsoft.com/office/drawing/2014/main" id="{0B4BF872-1B11-4E5A-9C30-230BB629EB81}"/>
+              </a:ext>
+            </a:extLst>
+          </p:cNvPr>
+          <p:cNvPicPr>
+            <a:picLocks noChangeAspect="1"/>
+          </p:cNvPicPr>
+          <p:nvPr/>
+        </p:nvPicPr>
+        <p:blipFill>
+          <a:blip r:embed="rId4"/>
+          <a:stretch>
+            <a:fillRect/>
+          </a:stretch>
+        </p:blipFill>
+        <p:spPr>
+          <a:xfrm>
+            <a:off x="838200" y="1503345"/>
+            <a:ext cx="4337807" cy="443830"/>
+          </a:xfrm>
+          <a:prstGeom prst="rect">
+            <a:avLst/>
+          </a:prstGeom>
+        </p:spPr>
+      </p:pic>
+    </p:spTree>
+    <p:extLst>
+      <p:ext uri="{BB962C8B-B14F-4D97-AF65-F5344CB8AC3E}">
+        <p14:creationId xmlns:p14="http://schemas.microsoft.com/office/powerpoint/2010/main" val="1691340553"/>
       </p:ext>
     </p:extLst>
   </p:cSld>

--- a/수업/4. CSS(2)/PPT/4. CSS(2).pptx
+++ b/수업/4. CSS(2)/PPT/4. CSS(2).pptx
@@ -284,7 +284,7 @@
           <a:p>
             <a:fld id="{976EF34B-129F-4717-8AA3-3FCC590057C3}" type="datetimeFigureOut">
               <a:rPr lang="ko-KR" altLang="en-US" smtClean="0"/>
-              <a:t>2021-09-23</a:t>
+              <a:t>2021-09-24</a:t>
             </a:fld>
             <a:endParaRPr lang="ko-KR" altLang="en-US"/>
           </a:p>
@@ -482,7 +482,7 @@
           <a:p>
             <a:fld id="{976EF34B-129F-4717-8AA3-3FCC590057C3}" type="datetimeFigureOut">
               <a:rPr lang="ko-KR" altLang="en-US" smtClean="0"/>
-              <a:t>2021-09-23</a:t>
+              <a:t>2021-09-24</a:t>
             </a:fld>
             <a:endParaRPr lang="ko-KR" altLang="en-US"/>
           </a:p>
@@ -690,7 +690,7 @@
           <a:p>
             <a:fld id="{976EF34B-129F-4717-8AA3-3FCC590057C3}" type="datetimeFigureOut">
               <a:rPr lang="ko-KR" altLang="en-US" smtClean="0"/>
-              <a:t>2021-09-23</a:t>
+              <a:t>2021-09-24</a:t>
             </a:fld>
             <a:endParaRPr lang="ko-KR" altLang="en-US"/>
           </a:p>
@@ -888,7 +888,7 @@
           <a:p>
             <a:fld id="{976EF34B-129F-4717-8AA3-3FCC590057C3}" type="datetimeFigureOut">
               <a:rPr lang="ko-KR" altLang="en-US" smtClean="0"/>
-              <a:t>2021-09-23</a:t>
+              <a:t>2021-09-24</a:t>
             </a:fld>
             <a:endParaRPr lang="ko-KR" altLang="en-US"/>
           </a:p>
@@ -1163,7 +1163,7 @@
           <a:p>
             <a:fld id="{976EF34B-129F-4717-8AA3-3FCC590057C3}" type="datetimeFigureOut">
               <a:rPr lang="ko-KR" altLang="en-US" smtClean="0"/>
-              <a:t>2021-09-23</a:t>
+              <a:t>2021-09-24</a:t>
             </a:fld>
             <a:endParaRPr lang="ko-KR" altLang="en-US"/>
           </a:p>
@@ -1428,7 +1428,7 @@
           <a:p>
             <a:fld id="{976EF34B-129F-4717-8AA3-3FCC590057C3}" type="datetimeFigureOut">
               <a:rPr lang="ko-KR" altLang="en-US" smtClean="0"/>
-              <a:t>2021-09-23</a:t>
+              <a:t>2021-09-24</a:t>
             </a:fld>
             <a:endParaRPr lang="ko-KR" altLang="en-US"/>
           </a:p>
@@ -1840,7 +1840,7 @@
           <a:p>
             <a:fld id="{976EF34B-129F-4717-8AA3-3FCC590057C3}" type="datetimeFigureOut">
               <a:rPr lang="ko-KR" altLang="en-US" smtClean="0"/>
-              <a:t>2021-09-23</a:t>
+              <a:t>2021-09-24</a:t>
             </a:fld>
             <a:endParaRPr lang="ko-KR" altLang="en-US"/>
           </a:p>
@@ -1981,7 +1981,7 @@
           <a:p>
             <a:fld id="{976EF34B-129F-4717-8AA3-3FCC590057C3}" type="datetimeFigureOut">
               <a:rPr lang="ko-KR" altLang="en-US" smtClean="0"/>
-              <a:t>2021-09-23</a:t>
+              <a:t>2021-09-24</a:t>
             </a:fld>
             <a:endParaRPr lang="ko-KR" altLang="en-US"/>
           </a:p>
@@ -2094,7 +2094,7 @@
           <a:p>
             <a:fld id="{976EF34B-129F-4717-8AA3-3FCC590057C3}" type="datetimeFigureOut">
               <a:rPr lang="ko-KR" altLang="en-US" smtClean="0"/>
-              <a:t>2021-09-23</a:t>
+              <a:t>2021-09-24</a:t>
             </a:fld>
             <a:endParaRPr lang="ko-KR" altLang="en-US"/>
           </a:p>
@@ -2405,7 +2405,7 @@
           <a:p>
             <a:fld id="{976EF34B-129F-4717-8AA3-3FCC590057C3}" type="datetimeFigureOut">
               <a:rPr lang="ko-KR" altLang="en-US" smtClean="0"/>
-              <a:t>2021-09-23</a:t>
+              <a:t>2021-09-24</a:t>
             </a:fld>
             <a:endParaRPr lang="ko-KR" altLang="en-US"/>
           </a:p>
@@ -2693,7 +2693,7 @@
           <a:p>
             <a:fld id="{976EF34B-129F-4717-8AA3-3FCC590057C3}" type="datetimeFigureOut">
               <a:rPr lang="ko-KR" altLang="en-US" smtClean="0"/>
-              <a:t>2021-09-23</a:t>
+              <a:t>2021-09-24</a:t>
             </a:fld>
             <a:endParaRPr lang="ko-KR" altLang="en-US"/>
           </a:p>
@@ -2934,7 +2934,7 @@
           <a:p>
             <a:fld id="{976EF34B-129F-4717-8AA3-3FCC590057C3}" type="datetimeFigureOut">
               <a:rPr lang="ko-KR" altLang="en-US" smtClean="0"/>
-              <a:t>2021-09-23</a:t>
+              <a:t>2021-09-24</a:t>
             </a:fld>
             <a:endParaRPr lang="ko-KR" altLang="en-US"/>
           </a:p>
